--- a/Presentations/ForestOfDoubt.pptx
+++ b/Presentations/ForestOfDoubt.pptx
@@ -292,7 +292,7 @@
           <a:p>
             <a:fld id="{A18E2B5E-2BAC-408C-9D01-DD90C7E8DCBE}" type="datetimeFigureOut">
               <a:rPr lang="pt-PT" smtClean="0"/>
-              <a:t>13/07/2020</a:t>
+              <a:t>01/08/2020</a:t>
             </a:fld>
             <a:endParaRPr lang="pt-PT"/>
           </a:p>
@@ -504,7 +504,7 @@
           <a:p>
             <a:fld id="{A18E2B5E-2BAC-408C-9D01-DD90C7E8DCBE}" type="datetimeFigureOut">
               <a:rPr lang="pt-PT" smtClean="0"/>
-              <a:t>13/07/2020</a:t>
+              <a:t>01/08/2020</a:t>
             </a:fld>
             <a:endParaRPr lang="pt-PT"/>
           </a:p>
@@ -726,7 +726,7 @@
           <a:p>
             <a:fld id="{A18E2B5E-2BAC-408C-9D01-DD90C7E8DCBE}" type="datetimeFigureOut">
               <a:rPr lang="pt-PT" smtClean="0"/>
-              <a:t>13/07/2020</a:t>
+              <a:t>01/08/2020</a:t>
             </a:fld>
             <a:endParaRPr lang="pt-PT"/>
           </a:p>
@@ -938,7 +938,7 @@
           <a:p>
             <a:fld id="{A18E2B5E-2BAC-408C-9D01-DD90C7E8DCBE}" type="datetimeFigureOut">
               <a:rPr lang="pt-PT" smtClean="0"/>
-              <a:t>13/07/2020</a:t>
+              <a:t>01/08/2020</a:t>
             </a:fld>
             <a:endParaRPr lang="pt-PT"/>
           </a:p>
@@ -1226,7 +1226,7 @@
           <a:p>
             <a:fld id="{A18E2B5E-2BAC-408C-9D01-DD90C7E8DCBE}" type="datetimeFigureOut">
               <a:rPr lang="pt-PT" smtClean="0"/>
-              <a:t>13/07/2020</a:t>
+              <a:t>01/08/2020</a:t>
             </a:fld>
             <a:endParaRPr lang="pt-PT"/>
           </a:p>
@@ -1506,7 +1506,7 @@
           <a:p>
             <a:fld id="{A18E2B5E-2BAC-408C-9D01-DD90C7E8DCBE}" type="datetimeFigureOut">
               <a:rPr lang="pt-PT" smtClean="0"/>
-              <a:t>13/07/2020</a:t>
+              <a:t>01/08/2020</a:t>
             </a:fld>
             <a:endParaRPr lang="pt-PT"/>
           </a:p>
@@ -1933,7 +1933,7 @@
           <a:p>
             <a:fld id="{A18E2B5E-2BAC-408C-9D01-DD90C7E8DCBE}" type="datetimeFigureOut">
               <a:rPr lang="pt-PT" smtClean="0"/>
-              <a:t>13/07/2020</a:t>
+              <a:t>01/08/2020</a:t>
             </a:fld>
             <a:endParaRPr lang="pt-PT"/>
           </a:p>
@@ -2087,7 +2087,7 @@
           <a:p>
             <a:fld id="{A18E2B5E-2BAC-408C-9D01-DD90C7E8DCBE}" type="datetimeFigureOut">
               <a:rPr lang="pt-PT" smtClean="0"/>
-              <a:t>13/07/2020</a:t>
+              <a:t>01/08/2020</a:t>
             </a:fld>
             <a:endParaRPr lang="pt-PT"/>
           </a:p>
@@ -2212,7 +2212,7 @@
           <a:p>
             <a:fld id="{A18E2B5E-2BAC-408C-9D01-DD90C7E8DCBE}" type="datetimeFigureOut">
               <a:rPr lang="pt-PT" smtClean="0"/>
-              <a:t>13/07/2020</a:t>
+              <a:t>01/08/2020</a:t>
             </a:fld>
             <a:endParaRPr lang="pt-PT"/>
           </a:p>
@@ -2537,7 +2537,7 @@
           <a:p>
             <a:fld id="{A18E2B5E-2BAC-408C-9D01-DD90C7E8DCBE}" type="datetimeFigureOut">
               <a:rPr lang="pt-PT" smtClean="0"/>
-              <a:t>13/07/2020</a:t>
+              <a:t>01/08/2020</a:t>
             </a:fld>
             <a:endParaRPr lang="pt-PT"/>
           </a:p>
@@ -2838,7 +2838,7 @@
           <a:p>
             <a:fld id="{A18E2B5E-2BAC-408C-9D01-DD90C7E8DCBE}" type="datetimeFigureOut">
               <a:rPr lang="pt-PT" smtClean="0"/>
-              <a:t>13/07/2020</a:t>
+              <a:t>01/08/2020</a:t>
             </a:fld>
             <a:endParaRPr lang="pt-PT"/>
           </a:p>
@@ -3093,7 +3093,7 @@
           <a:p>
             <a:fld id="{A18E2B5E-2BAC-408C-9D01-DD90C7E8DCBE}" type="datetimeFigureOut">
               <a:rPr lang="pt-PT" smtClean="0"/>
-              <a:t>13/07/2020</a:t>
+              <a:t>01/08/2020</a:t>
             </a:fld>
             <a:endParaRPr lang="pt-PT"/>
           </a:p>
@@ -4240,13 +4240,13 @@
   <p:clrMapOvr>
     <a:masterClrMapping/>
   </p:clrMapOvr>
-  <mc:AlternateContent xmlns:mc="http://schemas.openxmlformats.org/markup-compatibility/2006">
-    <mc:Choice xmlns:p15="http://schemas.microsoft.com/office/powerpoint/2012/main" Requires="p15">
+  <mc:AlternateContent xmlns:mc="http://schemas.openxmlformats.org/markup-compatibility/2006" xmlns:p15="http://schemas.microsoft.com/office/powerpoint/2012/main">
+    <mc:Choice Requires="p15">
       <p:transition xmlns:p14="http://schemas.microsoft.com/office/powerpoint/2010/main" spd="slow" p14:dur="1250">
         <p15:prstTrans prst="peelOff"/>
       </p:transition>
     </mc:Choice>
-    <mc:Fallback>
+    <mc:Fallback xmlns="">
       <p:transition spd="slow">
         <p:fade/>
       </p:transition>
@@ -5270,13 +5270,13 @@
   <p:clrMapOvr>
     <a:masterClrMapping/>
   </p:clrMapOvr>
-  <mc:AlternateContent xmlns:mc="http://schemas.openxmlformats.org/markup-compatibility/2006">
-    <mc:Choice xmlns:p15="http://schemas.microsoft.com/office/powerpoint/2012/main" Requires="p15">
+  <mc:AlternateContent xmlns:mc="http://schemas.openxmlformats.org/markup-compatibility/2006" xmlns:p15="http://schemas.microsoft.com/office/powerpoint/2012/main">
+    <mc:Choice Requires="p15">
       <p:transition xmlns:p14="http://schemas.microsoft.com/office/powerpoint/2010/main" spd="slow" p14:dur="1250">
         <p15:prstTrans prst="peelOff"/>
       </p:transition>
     </mc:Choice>
-    <mc:Fallback>
+    <mc:Fallback xmlns="">
       <p:transition spd="slow">
         <p:fade/>
       </p:transition>
@@ -6959,13 +6959,13 @@
   <p:clrMapOvr>
     <a:masterClrMapping/>
   </p:clrMapOvr>
-  <mc:AlternateContent xmlns:mc="http://schemas.openxmlformats.org/markup-compatibility/2006">
-    <mc:Choice xmlns:p15="http://schemas.microsoft.com/office/powerpoint/2012/main" Requires="p15">
+  <mc:AlternateContent xmlns:mc="http://schemas.openxmlformats.org/markup-compatibility/2006" xmlns:p15="http://schemas.microsoft.com/office/powerpoint/2012/main">
+    <mc:Choice Requires="p15">
       <p:transition xmlns:p14="http://schemas.microsoft.com/office/powerpoint/2010/main" spd="slow" p14:dur="1250">
         <p15:prstTrans prst="peelOff"/>
       </p:transition>
     </mc:Choice>
-    <mc:Fallback>
+    <mc:Fallback xmlns="">
       <p:transition spd="slow">
         <p:fade/>
       </p:transition>
@@ -6983,9 +6983,6 @@
                     <p:cTn id="3" fill="hold">
                       <p:stCondLst>
                         <p:cond delay="indefinite"/>
-                        <p:cond evt="onBegin" delay="0">
-                          <p:tn val="2"/>
-                        </p:cond>
                       </p:stCondLst>
                       <p:childTnLst>
                         <p:par>
@@ -6995,7 +6992,7 @@
                             </p:stCondLst>
                             <p:childTnLst>
                               <p:par>
-                                <p:cTn id="5" presetID="10" presetClass="entr" presetSubtype="0" fill="hold" nodeType="afterEffect">
+                                <p:cTn id="5" presetID="10" presetClass="entr" presetSubtype="0" fill="hold" nodeType="clickEffect">
                                   <p:stCondLst>
                                     <p:cond delay="0"/>
                                   </p:stCondLst>
@@ -7032,27 +7029,36 @@
                             </p:childTnLst>
                           </p:cTn>
                         </p:par>
+                      </p:childTnLst>
+                    </p:cTn>
+                  </p:par>
+                  <p:par>
+                    <p:cTn id="8" fill="hold">
+                      <p:stCondLst>
+                        <p:cond delay="indefinite"/>
+                      </p:stCondLst>
+                      <p:childTnLst>
                         <p:par>
-                          <p:cTn id="8" fill="hold">
+                          <p:cTn id="9" fill="hold">
                             <p:stCondLst>
-                              <p:cond delay="500"/>
+                              <p:cond delay="0"/>
                             </p:stCondLst>
                             <p:childTnLst>
                               <p:par>
-                                <p:cTn id="9" presetID="10" presetClass="entr" presetSubtype="0" fill="hold" grpId="0" nodeType="afterEffect">
+                                <p:cTn id="10" presetID="10" presetClass="entr" presetSubtype="0" fill="hold" nodeType="clickEffect">
                                   <p:stCondLst>
                                     <p:cond delay="0"/>
                                   </p:stCondLst>
                                   <p:childTnLst>
                                     <p:set>
                                       <p:cBhvr>
-                                        <p:cTn id="10" dur="1" fill="hold">
+                                        <p:cTn id="11" dur="1" fill="hold">
                                           <p:stCondLst>
                                             <p:cond delay="0"/>
                                           </p:stCondLst>
                                         </p:cTn>
                                         <p:tgtEl>
-                                          <p:spTgt spid="16"/>
+                                          <p:spTgt spid="24"/>
                                         </p:tgtEl>
                                         <p:attrNameLst>
                                           <p:attrName>style.visibility</p:attrName>
@@ -7064,26 +7070,17 @@
                                     </p:set>
                                     <p:animEffect transition="in" filter="fade">
                                       <p:cBhvr>
-                                        <p:cTn id="11" dur="500"/>
-                                        <p:tgtEl>
-                                          <p:spTgt spid="16"/>
+                                        <p:cTn id="12" dur="500"/>
+                                        <p:tgtEl>
+                                          <p:spTgt spid="24"/>
                                         </p:tgtEl>
                                       </p:cBhvr>
                                     </p:animEffect>
                                   </p:childTnLst>
                                 </p:cTn>
                               </p:par>
-                            </p:childTnLst>
-                          </p:cTn>
-                        </p:par>
-                        <p:par>
-                          <p:cTn id="12" fill="hold">
-                            <p:stCondLst>
-                              <p:cond delay="1000"/>
-                            </p:stCondLst>
-                            <p:childTnLst>
                               <p:par>
-                                <p:cTn id="13" presetID="10" presetClass="entr" presetSubtype="0" fill="hold" nodeType="afterEffect">
+                                <p:cTn id="13" presetID="10" presetClass="entr" presetSubtype="0" fill="hold" grpId="0" nodeType="withEffect">
                                   <p:stCondLst>
                                     <p:cond delay="0"/>
                                   </p:stCondLst>
@@ -7096,7 +7093,7 @@
                                           </p:stCondLst>
                                         </p:cTn>
                                         <p:tgtEl>
-                                          <p:spTgt spid="24"/>
+                                          <p:spTgt spid="16"/>
                                         </p:tgtEl>
                                         <p:attrNameLst>
                                           <p:attrName>style.visibility</p:attrName>
@@ -7110,7 +7107,7 @@
                                       <p:cBhvr>
                                         <p:cTn id="15" dur="500"/>
                                         <p:tgtEl>
-                                          <p:spTgt spid="24"/>
+                                          <p:spTgt spid="16"/>
                                         </p:tgtEl>
                                       </p:cBhvr>
                                     </p:animEffect>
@@ -7120,27 +7117,36 @@
                             </p:childTnLst>
                           </p:cTn>
                         </p:par>
+                      </p:childTnLst>
+                    </p:cTn>
+                  </p:par>
+                  <p:par>
+                    <p:cTn id="16" fill="hold">
+                      <p:stCondLst>
+                        <p:cond delay="indefinite"/>
+                      </p:stCondLst>
+                      <p:childTnLst>
                         <p:par>
-                          <p:cTn id="16" fill="hold">
+                          <p:cTn id="17" fill="hold">
                             <p:stCondLst>
-                              <p:cond delay="1500"/>
+                              <p:cond delay="0"/>
                             </p:stCondLst>
                             <p:childTnLst>
                               <p:par>
-                                <p:cTn id="17" presetID="10" presetClass="entr" presetSubtype="0" fill="hold" grpId="0" nodeType="afterEffect">
+                                <p:cTn id="18" presetID="10" presetClass="entr" presetSubtype="0" fill="hold" nodeType="clickEffect">
                                   <p:stCondLst>
                                     <p:cond delay="0"/>
                                   </p:stCondLst>
                                   <p:childTnLst>
                                     <p:set>
                                       <p:cBhvr>
-                                        <p:cTn id="18" dur="1" fill="hold">
+                                        <p:cTn id="19" dur="1" fill="hold">
                                           <p:stCondLst>
                                             <p:cond delay="0"/>
                                           </p:stCondLst>
                                         </p:cTn>
                                         <p:tgtEl>
-                                          <p:spTgt spid="25"/>
+                                          <p:spTgt spid="22"/>
                                         </p:tgtEl>
                                         <p:attrNameLst>
                                           <p:attrName>style.visibility</p:attrName>
@@ -7152,26 +7158,17 @@
                                     </p:set>
                                     <p:animEffect transition="in" filter="fade">
                                       <p:cBhvr>
-                                        <p:cTn id="19" dur="500"/>
-                                        <p:tgtEl>
-                                          <p:spTgt spid="25"/>
+                                        <p:cTn id="20" dur="500"/>
+                                        <p:tgtEl>
+                                          <p:spTgt spid="22"/>
                                         </p:tgtEl>
                                       </p:cBhvr>
                                     </p:animEffect>
                                   </p:childTnLst>
                                 </p:cTn>
                               </p:par>
-                            </p:childTnLst>
-                          </p:cTn>
-                        </p:par>
-                        <p:par>
-                          <p:cTn id="20" fill="hold">
-                            <p:stCondLst>
-                              <p:cond delay="2000"/>
-                            </p:stCondLst>
-                            <p:childTnLst>
                               <p:par>
-                                <p:cTn id="21" presetID="10" presetClass="entr" presetSubtype="0" fill="hold" nodeType="afterEffect">
+                                <p:cTn id="21" presetID="10" presetClass="entr" presetSubtype="0" fill="hold" grpId="0" nodeType="withEffect">
                                   <p:stCondLst>
                                     <p:cond delay="0"/>
                                   </p:stCondLst>
@@ -7184,7 +7181,7 @@
                                           </p:stCondLst>
                                         </p:cTn>
                                         <p:tgtEl>
-                                          <p:spTgt spid="22"/>
+                                          <p:spTgt spid="25"/>
                                         </p:tgtEl>
                                         <p:attrNameLst>
                                           <p:attrName>style.visibility</p:attrName>
@@ -7198,7 +7195,7 @@
                                       <p:cBhvr>
                                         <p:cTn id="23" dur="500"/>
                                         <p:tgtEl>
-                                          <p:spTgt spid="22"/>
+                                          <p:spTgt spid="25"/>
                                         </p:tgtEl>
                                       </p:cBhvr>
                                     </p:animEffect>
@@ -7208,27 +7205,36 @@
                             </p:childTnLst>
                           </p:cTn>
                         </p:par>
+                      </p:childTnLst>
+                    </p:cTn>
+                  </p:par>
+                  <p:par>
+                    <p:cTn id="24" fill="hold">
+                      <p:stCondLst>
+                        <p:cond delay="indefinite"/>
+                      </p:stCondLst>
+                      <p:childTnLst>
                         <p:par>
-                          <p:cTn id="24" fill="hold">
+                          <p:cTn id="25" fill="hold">
                             <p:stCondLst>
-                              <p:cond delay="2500"/>
+                              <p:cond delay="0"/>
                             </p:stCondLst>
                             <p:childTnLst>
                               <p:par>
-                                <p:cTn id="25" presetID="10" presetClass="entr" presetSubtype="0" fill="hold" grpId="0" nodeType="afterEffect">
+                                <p:cTn id="26" presetID="10" presetClass="entr" presetSubtype="0" fill="hold" nodeType="clickEffect">
                                   <p:stCondLst>
                                     <p:cond delay="0"/>
                                   </p:stCondLst>
                                   <p:childTnLst>
                                     <p:set>
                                       <p:cBhvr>
-                                        <p:cTn id="26" dur="1" fill="hold">
+                                        <p:cTn id="27" dur="1" fill="hold">
                                           <p:stCondLst>
                                             <p:cond delay="0"/>
                                           </p:stCondLst>
                                         </p:cTn>
                                         <p:tgtEl>
-                                          <p:spTgt spid="31"/>
+                                          <p:spTgt spid="34"/>
                                         </p:tgtEl>
                                         <p:attrNameLst>
                                           <p:attrName>style.visibility</p:attrName>
@@ -7240,26 +7246,17 @@
                                     </p:set>
                                     <p:animEffect transition="in" filter="fade">
                                       <p:cBhvr>
-                                        <p:cTn id="27" dur="500"/>
-                                        <p:tgtEl>
-                                          <p:spTgt spid="31"/>
+                                        <p:cTn id="28" dur="500"/>
+                                        <p:tgtEl>
+                                          <p:spTgt spid="34"/>
                                         </p:tgtEl>
                                       </p:cBhvr>
                                     </p:animEffect>
                                   </p:childTnLst>
                                 </p:cTn>
                               </p:par>
-                            </p:childTnLst>
-                          </p:cTn>
-                        </p:par>
-                        <p:par>
-                          <p:cTn id="28" fill="hold">
-                            <p:stCondLst>
-                              <p:cond delay="3000"/>
-                            </p:stCondLst>
-                            <p:childTnLst>
                               <p:par>
-                                <p:cTn id="29" presetID="10" presetClass="entr" presetSubtype="0" fill="hold" nodeType="afterEffect">
+                                <p:cTn id="29" presetID="10" presetClass="entr" presetSubtype="0" fill="hold" grpId="0" nodeType="withEffect">
                                   <p:stCondLst>
                                     <p:cond delay="0"/>
                                   </p:stCondLst>
@@ -7272,7 +7269,7 @@
                                           </p:stCondLst>
                                         </p:cTn>
                                         <p:tgtEl>
-                                          <p:spTgt spid="34"/>
+                                          <p:spTgt spid="31"/>
                                         </p:tgtEl>
                                         <p:attrNameLst>
                                           <p:attrName>style.visibility</p:attrName>
@@ -7286,7 +7283,7 @@
                                       <p:cBhvr>
                                         <p:cTn id="31" dur="500"/>
                                         <p:tgtEl>
-                                          <p:spTgt spid="34"/>
+                                          <p:spTgt spid="31"/>
                                         </p:tgtEl>
                                       </p:cBhvr>
                                     </p:animEffect>
@@ -7296,27 +7293,36 @@
                             </p:childTnLst>
                           </p:cTn>
                         </p:par>
+                      </p:childTnLst>
+                    </p:cTn>
+                  </p:par>
+                  <p:par>
+                    <p:cTn id="32" fill="hold">
+                      <p:stCondLst>
+                        <p:cond delay="indefinite"/>
+                      </p:stCondLst>
+                      <p:childTnLst>
                         <p:par>
-                          <p:cTn id="32" fill="hold">
+                          <p:cTn id="33" fill="hold">
                             <p:stCondLst>
-                              <p:cond delay="3500"/>
+                              <p:cond delay="0"/>
                             </p:stCondLst>
                             <p:childTnLst>
                               <p:par>
-                                <p:cTn id="33" presetID="10" presetClass="entr" presetSubtype="0" fill="hold" grpId="0" nodeType="afterEffect">
+                                <p:cTn id="34" presetID="10" presetClass="entr" presetSubtype="0" fill="hold" nodeType="clickEffect">
                                   <p:stCondLst>
                                     <p:cond delay="0"/>
                                   </p:stCondLst>
                                   <p:childTnLst>
                                     <p:set>
                                       <p:cBhvr>
-                                        <p:cTn id="34" dur="1" fill="hold">
+                                        <p:cTn id="35" dur="1" fill="hold">
                                           <p:stCondLst>
                                             <p:cond delay="0"/>
                                           </p:stCondLst>
                                         </p:cTn>
                                         <p:tgtEl>
-                                          <p:spTgt spid="40"/>
+                                          <p:spTgt spid="35"/>
                                         </p:tgtEl>
                                         <p:attrNameLst>
                                           <p:attrName>style.visibility</p:attrName>
@@ -7328,26 +7334,17 @@
                                     </p:set>
                                     <p:animEffect transition="in" filter="fade">
                                       <p:cBhvr>
-                                        <p:cTn id="35" dur="500"/>
-                                        <p:tgtEl>
-                                          <p:spTgt spid="40"/>
+                                        <p:cTn id="36" dur="500"/>
+                                        <p:tgtEl>
+                                          <p:spTgt spid="35"/>
                                         </p:tgtEl>
                                       </p:cBhvr>
                                     </p:animEffect>
                                   </p:childTnLst>
                                 </p:cTn>
                               </p:par>
-                            </p:childTnLst>
-                          </p:cTn>
-                        </p:par>
-                        <p:par>
-                          <p:cTn id="36" fill="hold">
-                            <p:stCondLst>
-                              <p:cond delay="4000"/>
-                            </p:stCondLst>
-                            <p:childTnLst>
                               <p:par>
-                                <p:cTn id="37" presetID="10" presetClass="entr" presetSubtype="0" fill="hold" nodeType="afterEffect">
+                                <p:cTn id="37" presetID="10" presetClass="entr" presetSubtype="0" fill="hold" grpId="0" nodeType="withEffect">
                                   <p:stCondLst>
                                     <p:cond delay="0"/>
                                   </p:stCondLst>
@@ -7360,7 +7357,7 @@
                                           </p:stCondLst>
                                         </p:cTn>
                                         <p:tgtEl>
-                                          <p:spTgt spid="35"/>
+                                          <p:spTgt spid="40"/>
                                         </p:tgtEl>
                                         <p:attrNameLst>
                                           <p:attrName>style.visibility</p:attrName>
@@ -7374,7 +7371,7 @@
                                       <p:cBhvr>
                                         <p:cTn id="39" dur="500"/>
                                         <p:tgtEl>
-                                          <p:spTgt spid="35"/>
+                                          <p:spTgt spid="40"/>
                                         </p:tgtEl>
                                       </p:cBhvr>
                                     </p:animEffect>
@@ -7756,13 +7753,13 @@
   <p:clrMapOvr>
     <a:masterClrMapping/>
   </p:clrMapOvr>
-  <mc:AlternateContent xmlns:mc="http://schemas.openxmlformats.org/markup-compatibility/2006">
-    <mc:Choice xmlns:p15="http://schemas.microsoft.com/office/powerpoint/2012/main" Requires="p15">
+  <mc:AlternateContent xmlns:mc="http://schemas.openxmlformats.org/markup-compatibility/2006" xmlns:p15="http://schemas.microsoft.com/office/powerpoint/2012/main">
+    <mc:Choice Requires="p15">
       <p:transition xmlns:p14="http://schemas.microsoft.com/office/powerpoint/2010/main" spd="slow" p14:dur="1250">
         <p15:prstTrans prst="peelOff"/>
       </p:transition>
     </mc:Choice>
-    <mc:Fallback>
+    <mc:Fallback xmlns="">
       <p:transition spd="slow">
         <p:fade/>
       </p:transition>
@@ -8225,13 +8222,13 @@
   <p:clrMapOvr>
     <a:masterClrMapping/>
   </p:clrMapOvr>
-  <mc:AlternateContent xmlns:mc="http://schemas.openxmlformats.org/markup-compatibility/2006">
-    <mc:Choice xmlns:p15="http://schemas.microsoft.com/office/powerpoint/2012/main" Requires="p15">
+  <mc:AlternateContent xmlns:mc="http://schemas.openxmlformats.org/markup-compatibility/2006" xmlns:p15="http://schemas.microsoft.com/office/powerpoint/2012/main">
+    <mc:Choice Requires="p15">
       <p:transition xmlns:p14="http://schemas.microsoft.com/office/powerpoint/2010/main" spd="slow" p14:dur="1250">
         <p15:prstTrans prst="peelOff"/>
       </p:transition>
     </mc:Choice>
-    <mc:Fallback>
+    <mc:Fallback xmlns="">
       <p:transition spd="slow">
         <p:fade/>
       </p:transition>
@@ -9042,13 +9039,13 @@
   <p:clrMapOvr>
     <a:masterClrMapping/>
   </p:clrMapOvr>
-  <mc:AlternateContent xmlns:mc="http://schemas.openxmlformats.org/markup-compatibility/2006">
-    <mc:Choice xmlns:p15="http://schemas.microsoft.com/office/powerpoint/2012/main" Requires="p15">
+  <mc:AlternateContent xmlns:mc="http://schemas.openxmlformats.org/markup-compatibility/2006" xmlns:p15="http://schemas.microsoft.com/office/powerpoint/2012/main">
+    <mc:Choice Requires="p15">
       <p:transition xmlns:p14="http://schemas.microsoft.com/office/powerpoint/2010/main" spd="slow" p14:dur="1250">
         <p15:prstTrans prst="peelOff"/>
       </p:transition>
     </mc:Choice>
-    <mc:Fallback>
+    <mc:Fallback xmlns="">
       <p:transition spd="slow">
         <p:fade/>
       </p:transition>
@@ -9750,13 +9747,13 @@
   <p:clrMapOvr>
     <a:masterClrMapping/>
   </p:clrMapOvr>
-  <mc:AlternateContent xmlns:mc="http://schemas.openxmlformats.org/markup-compatibility/2006">
-    <mc:Choice xmlns:p15="http://schemas.microsoft.com/office/powerpoint/2012/main" Requires="p15">
+  <mc:AlternateContent xmlns:mc="http://schemas.openxmlformats.org/markup-compatibility/2006" xmlns:p15="http://schemas.microsoft.com/office/powerpoint/2012/main">
+    <mc:Choice Requires="p15">
       <p:transition xmlns:p14="http://schemas.microsoft.com/office/powerpoint/2010/main" spd="slow" p14:dur="1250">
         <p15:prstTrans prst="peelOff"/>
       </p:transition>
     </mc:Choice>
-    <mc:Fallback>
+    <mc:Fallback xmlns="">
       <p:transition spd="slow">
         <p:fade/>
       </p:transition>
@@ -11022,13 +11019,13 @@
   <p:clrMapOvr>
     <a:masterClrMapping/>
   </p:clrMapOvr>
-  <mc:AlternateContent xmlns:mc="http://schemas.openxmlformats.org/markup-compatibility/2006">
-    <mc:Choice xmlns:p15="http://schemas.microsoft.com/office/powerpoint/2012/main" Requires="p15">
+  <mc:AlternateContent xmlns:mc="http://schemas.openxmlformats.org/markup-compatibility/2006" xmlns:p15="http://schemas.microsoft.com/office/powerpoint/2012/main">
+    <mc:Choice Requires="p15">
       <p:transition xmlns:p14="http://schemas.microsoft.com/office/powerpoint/2010/main" spd="slow" p14:dur="1250">
         <p15:prstTrans prst="peelOff"/>
       </p:transition>
     </mc:Choice>
-    <mc:Fallback>
+    <mc:Fallback xmlns="">
       <p:transition spd="slow">
         <p:fade/>
       </p:transition>
@@ -11765,13 +11762,13 @@
   <p:clrMapOvr>
     <a:masterClrMapping/>
   </p:clrMapOvr>
-  <mc:AlternateContent xmlns:mc="http://schemas.openxmlformats.org/markup-compatibility/2006">
-    <mc:Choice xmlns:p15="http://schemas.microsoft.com/office/powerpoint/2012/main" Requires="p15">
+  <mc:AlternateContent xmlns:mc="http://schemas.openxmlformats.org/markup-compatibility/2006" xmlns:p15="http://schemas.microsoft.com/office/powerpoint/2012/main">
+    <mc:Choice Requires="p15">
       <p:transition xmlns:p14="http://schemas.microsoft.com/office/powerpoint/2010/main" spd="slow" p14:dur="1250">
         <p15:prstTrans prst="peelOff"/>
       </p:transition>
     </mc:Choice>
-    <mc:Fallback>
+    <mc:Fallback xmlns="">
       <p:transition spd="slow">
         <p:fade/>
       </p:transition>
@@ -12489,13 +12486,13 @@
   <p:clrMapOvr>
     <a:masterClrMapping/>
   </p:clrMapOvr>
-  <mc:AlternateContent xmlns:mc="http://schemas.openxmlformats.org/markup-compatibility/2006">
-    <mc:Choice xmlns:p15="http://schemas.microsoft.com/office/powerpoint/2012/main" Requires="p15">
+  <mc:AlternateContent xmlns:mc="http://schemas.openxmlformats.org/markup-compatibility/2006" xmlns:p15="http://schemas.microsoft.com/office/powerpoint/2012/main">
+    <mc:Choice Requires="p15">
       <p:transition xmlns:p14="http://schemas.microsoft.com/office/powerpoint/2010/main" spd="slow" p14:dur="1250">
         <p15:prstTrans prst="peelOff"/>
       </p:transition>
     </mc:Choice>
-    <mc:Fallback>
+    <mc:Fallback xmlns="">
       <p:transition spd="slow">
         <p:fade/>
       </p:transition>
@@ -12807,13 +12804,13 @@
   <p:clrMapOvr>
     <a:masterClrMapping/>
   </p:clrMapOvr>
-  <mc:AlternateContent xmlns:mc="http://schemas.openxmlformats.org/markup-compatibility/2006">
-    <mc:Choice xmlns:p15="http://schemas.microsoft.com/office/powerpoint/2012/main" Requires="p15">
+  <mc:AlternateContent xmlns:mc="http://schemas.openxmlformats.org/markup-compatibility/2006" xmlns:p15="http://schemas.microsoft.com/office/powerpoint/2012/main">
+    <mc:Choice Requires="p15">
       <p:transition xmlns:p14="http://schemas.microsoft.com/office/powerpoint/2010/main" spd="slow" p14:dur="1250">
         <p15:prstTrans prst="peelOff"/>
       </p:transition>
     </mc:Choice>
-    <mc:Fallback>
+    <mc:Fallback xmlns="">
       <p:transition spd="slow">
         <p:fade/>
       </p:transition>
@@ -13173,13 +13170,13 @@
   <p:clrMapOvr>
     <a:masterClrMapping/>
   </p:clrMapOvr>
-  <mc:AlternateContent xmlns:mc="http://schemas.openxmlformats.org/markup-compatibility/2006">
-    <mc:Choice xmlns:p15="http://schemas.microsoft.com/office/powerpoint/2012/main" Requires="p15">
+  <mc:AlternateContent xmlns:mc="http://schemas.openxmlformats.org/markup-compatibility/2006" xmlns:p15="http://schemas.microsoft.com/office/powerpoint/2012/main">
+    <mc:Choice Requires="p15">
       <p:transition xmlns:p14="http://schemas.microsoft.com/office/powerpoint/2010/main" spd="slow" p14:dur="1250">
         <p15:prstTrans prst="peelOff"/>
       </p:transition>
     </mc:Choice>
-    <mc:Fallback>
+    <mc:Fallback xmlns="">
       <p:transition spd="slow">
         <p:fade/>
       </p:transition>
@@ -13583,13 +13580,13 @@
   <p:clrMapOvr>
     <a:masterClrMapping/>
   </p:clrMapOvr>
-  <mc:AlternateContent xmlns:mc="http://schemas.openxmlformats.org/markup-compatibility/2006">
-    <mc:Choice xmlns:p15="http://schemas.microsoft.com/office/powerpoint/2012/main" Requires="p15">
+  <mc:AlternateContent xmlns:mc="http://schemas.openxmlformats.org/markup-compatibility/2006" xmlns:p15="http://schemas.microsoft.com/office/powerpoint/2012/main">
+    <mc:Choice Requires="p15">
       <p:transition xmlns:p14="http://schemas.microsoft.com/office/powerpoint/2010/main" spd="slow" p14:dur="1250">
         <p15:prstTrans prst="peelOff"/>
       </p:transition>
     </mc:Choice>
-    <mc:Fallback>
+    <mc:Fallback xmlns="">
       <p:transition spd="slow">
         <p:fade/>
       </p:transition>
@@ -14142,13 +14139,13 @@
   <p:clrMapOvr>
     <a:masterClrMapping/>
   </p:clrMapOvr>
-  <mc:AlternateContent xmlns:mc="http://schemas.openxmlformats.org/markup-compatibility/2006">
-    <mc:Choice xmlns:p15="http://schemas.microsoft.com/office/powerpoint/2012/main" Requires="p15">
+  <mc:AlternateContent xmlns:mc="http://schemas.openxmlformats.org/markup-compatibility/2006" xmlns:p15="http://schemas.microsoft.com/office/powerpoint/2012/main">
+    <mc:Choice Requires="p15">
       <p:transition xmlns:p14="http://schemas.microsoft.com/office/powerpoint/2010/main" spd="slow" p14:dur="1250">
         <p15:prstTrans prst="peelOff"/>
       </p:transition>
     </mc:Choice>
-    <mc:Fallback>
+    <mc:Fallback xmlns="">
       <p:transition spd="slow">
         <p:fade/>
       </p:transition>
@@ -15198,13 +15195,13 @@
   <p:clrMapOvr>
     <a:masterClrMapping/>
   </p:clrMapOvr>
-  <mc:AlternateContent xmlns:mc="http://schemas.openxmlformats.org/markup-compatibility/2006">
-    <mc:Choice xmlns:p15="http://schemas.microsoft.com/office/powerpoint/2012/main" Requires="p15">
+  <mc:AlternateContent xmlns:mc="http://schemas.openxmlformats.org/markup-compatibility/2006" xmlns:p15="http://schemas.microsoft.com/office/powerpoint/2012/main">
+    <mc:Choice Requires="p15">
       <p:transition xmlns:p14="http://schemas.microsoft.com/office/powerpoint/2010/main" spd="slow" p14:dur="1250">
         <p15:prstTrans prst="peelOff"/>
       </p:transition>
     </mc:Choice>
-    <mc:Fallback>
+    <mc:Fallback xmlns="">
       <p:transition spd="slow">
         <p:fade/>
       </p:transition>
@@ -16095,13 +16092,13 @@
   <p:clrMapOvr>
     <a:masterClrMapping/>
   </p:clrMapOvr>
-  <mc:AlternateContent xmlns:mc="http://schemas.openxmlformats.org/markup-compatibility/2006">
-    <mc:Choice xmlns:p15="http://schemas.microsoft.com/office/powerpoint/2012/main" Requires="p15">
+  <mc:AlternateContent xmlns:mc="http://schemas.openxmlformats.org/markup-compatibility/2006" xmlns:p15="http://schemas.microsoft.com/office/powerpoint/2012/main">
+    <mc:Choice Requires="p15">
       <p:transition xmlns:p14="http://schemas.microsoft.com/office/powerpoint/2010/main" spd="slow" p14:dur="1250">
         <p15:prstTrans prst="peelOff"/>
       </p:transition>
     </mc:Choice>
-    <mc:Fallback>
+    <mc:Fallback xmlns="">
       <p:transition spd="slow">
         <p:fade/>
       </p:transition>
@@ -16743,13 +16740,13 @@
   <p:clrMapOvr>
     <a:masterClrMapping/>
   </p:clrMapOvr>
-  <mc:AlternateContent xmlns:mc="http://schemas.openxmlformats.org/markup-compatibility/2006">
-    <mc:Choice xmlns:p15="http://schemas.microsoft.com/office/powerpoint/2012/main" Requires="p15">
+  <mc:AlternateContent xmlns:mc="http://schemas.openxmlformats.org/markup-compatibility/2006" xmlns:p15="http://schemas.microsoft.com/office/powerpoint/2012/main">
+    <mc:Choice Requires="p15">
       <p:transition xmlns:p14="http://schemas.microsoft.com/office/powerpoint/2010/main" spd="slow" p14:dur="1250">
         <p15:prstTrans prst="peelOff"/>
       </p:transition>
     </mc:Choice>
-    <mc:Fallback>
+    <mc:Fallback xmlns="">
       <p:transition spd="slow">
         <p:fade/>
       </p:transition>
@@ -17604,13 +17601,13 @@
   <p:clrMapOvr>
     <a:masterClrMapping/>
   </p:clrMapOvr>
-  <mc:AlternateContent xmlns:mc="http://schemas.openxmlformats.org/markup-compatibility/2006">
-    <mc:Choice xmlns:p15="http://schemas.microsoft.com/office/powerpoint/2012/main" Requires="p15">
+  <mc:AlternateContent xmlns:mc="http://schemas.openxmlformats.org/markup-compatibility/2006" xmlns:p15="http://schemas.microsoft.com/office/powerpoint/2012/main">
+    <mc:Choice Requires="p15">
       <p:transition xmlns:p14="http://schemas.microsoft.com/office/powerpoint/2010/main" spd="slow" p14:dur="1250">
         <p15:prstTrans prst="peelOff"/>
       </p:transition>
     </mc:Choice>
-    <mc:Fallback>
+    <mc:Fallback xmlns="">
       <p:transition spd="slow">
         <p:fade/>
       </p:transition>
@@ -18245,13 +18242,13 @@
   <p:clrMapOvr>
     <a:masterClrMapping/>
   </p:clrMapOvr>
-  <mc:AlternateContent xmlns:mc="http://schemas.openxmlformats.org/markup-compatibility/2006">
-    <mc:Choice xmlns:p15="http://schemas.microsoft.com/office/powerpoint/2012/main" Requires="p15">
+  <mc:AlternateContent xmlns:mc="http://schemas.openxmlformats.org/markup-compatibility/2006" xmlns:p15="http://schemas.microsoft.com/office/powerpoint/2012/main">
+    <mc:Choice Requires="p15">
       <p:transition xmlns:p14="http://schemas.microsoft.com/office/powerpoint/2010/main" spd="slow" p14:dur="1250">
         <p15:prstTrans prst="peelOff"/>
       </p:transition>
     </mc:Choice>
-    <mc:Fallback>
+    <mc:Fallback xmlns="">
       <p:transition spd="slow">
         <p:fade/>
       </p:transition>
@@ -18353,33 +18350,15 @@
                                   </p:childTnLst>
                                 </p:cTn>
                               </p:par>
-                            </p:childTnLst>
-                          </p:cTn>
-                        </p:par>
-                      </p:childTnLst>
-                    </p:cTn>
-                  </p:par>
-                  <p:par>
-                    <p:cTn id="9" fill="hold">
-                      <p:stCondLst>
-                        <p:cond delay="indefinite"/>
-                      </p:stCondLst>
-                      <p:childTnLst>
-                        <p:par>
-                          <p:cTn id="10" fill="hold">
-                            <p:stCondLst>
-                              <p:cond delay="0"/>
-                            </p:stCondLst>
-                            <p:childTnLst>
                               <p:par>
-                                <p:cTn id="11" presetID="2" presetClass="entr" presetSubtype="2" fill="hold" grpId="0" nodeType="clickEffect">
+                                <p:cTn id="9" presetID="2" presetClass="entr" presetSubtype="2" fill="hold" grpId="0" nodeType="withEffect">
                                   <p:stCondLst>
                                     <p:cond delay="0"/>
                                   </p:stCondLst>
                                   <p:childTnLst>
                                     <p:set>
                                       <p:cBhvr>
-                                        <p:cTn id="12" dur="1" fill="hold">
+                                        <p:cTn id="10" dur="1" fill="hold">
                                           <p:stCondLst>
                                             <p:cond delay="0"/>
                                           </p:stCondLst>
@@ -18397,7 +18376,7 @@
                                     </p:set>
                                     <p:anim calcmode="lin" valueType="num">
                                       <p:cBhvr additive="base">
-                                        <p:cTn id="13" dur="500" fill="hold"/>
+                                        <p:cTn id="11" dur="500" fill="hold"/>
                                         <p:tgtEl>
                                           <p:spTgt spid="11"/>
                                         </p:tgtEl>
@@ -18420,7 +18399,7 @@
                                     </p:anim>
                                     <p:anim calcmode="lin" valueType="num">
                                       <p:cBhvr additive="base">
-                                        <p:cTn id="14" dur="500" fill="hold"/>
+                                        <p:cTn id="12" dur="500" fill="hold"/>
                                         <p:tgtEl>
                                           <p:spTgt spid="11"/>
                                         </p:tgtEl>
@@ -18445,14 +18424,14 @@
                                 </p:cTn>
                               </p:par>
                               <p:par>
-                                <p:cTn id="15" presetID="2" presetClass="entr" presetSubtype="2" fill="hold" grpId="0" nodeType="withEffect">
+                                <p:cTn id="13" presetID="2" presetClass="entr" presetSubtype="2" fill="hold" grpId="0" nodeType="withEffect">
                                   <p:stCondLst>
                                     <p:cond delay="0"/>
                                   </p:stCondLst>
                                   <p:childTnLst>
                                     <p:set>
                                       <p:cBhvr>
-                                        <p:cTn id="16" dur="1" fill="hold">
+                                        <p:cTn id="14" dur="1" fill="hold">
                                           <p:stCondLst>
                                             <p:cond delay="0"/>
                                           </p:stCondLst>
@@ -18470,7 +18449,7 @@
                                     </p:set>
                                     <p:anim calcmode="lin" valueType="num">
                                       <p:cBhvr additive="base">
-                                        <p:cTn id="17" dur="500" fill="hold"/>
+                                        <p:cTn id="15" dur="500" fill="hold"/>
                                         <p:tgtEl>
                                           <p:spTgt spid="12"/>
                                         </p:tgtEl>
@@ -18493,7 +18472,7 @@
                                     </p:anim>
                                     <p:anim calcmode="lin" valueType="num">
                                       <p:cBhvr additive="base">
-                                        <p:cTn id="18" dur="500" fill="hold"/>
+                                        <p:cTn id="16" dur="500" fill="hold"/>
                                         <p:tgtEl>
                                           <p:spTgt spid="12"/>
                                         </p:tgtEl>
@@ -18518,20 +18497,20 @@
                                 </p:cTn>
                               </p:par>
                               <p:par>
-                                <p:cTn id="19" presetID="2" presetClass="entr" presetSubtype="2" fill="hold" grpId="0" nodeType="withEffect">
+                                <p:cTn id="17" presetID="2" presetClass="entr" presetSubtype="2" fill="hold" grpId="0" nodeType="withEffect">
                                   <p:stCondLst>
                                     <p:cond delay="0"/>
                                   </p:stCondLst>
                                   <p:childTnLst>
                                     <p:set>
                                       <p:cBhvr>
-                                        <p:cTn id="20" dur="1" fill="hold">
+                                        <p:cTn id="18" dur="1" fill="hold">
                                           <p:stCondLst>
                                             <p:cond delay="0"/>
                                           </p:stCondLst>
                                         </p:cTn>
                                         <p:tgtEl>
-                                          <p:spTgt spid="16"/>
+                                          <p:spTgt spid="13"/>
                                         </p:tgtEl>
                                         <p:attrNameLst>
                                           <p:attrName>style.visibility</p:attrName>
@@ -18543,9 +18522,9 @@
                                     </p:set>
                                     <p:anim calcmode="lin" valueType="num">
                                       <p:cBhvr additive="base">
-                                        <p:cTn id="21" dur="500" fill="hold"/>
-                                        <p:tgtEl>
-                                          <p:spTgt spid="16"/>
+                                        <p:cTn id="19" dur="500" fill="hold"/>
+                                        <p:tgtEl>
+                                          <p:spTgt spid="13"/>
                                         </p:tgtEl>
                                         <p:attrNameLst>
                                           <p:attrName>ppt_x</p:attrName>
@@ -18566,9 +18545,9 @@
                                     </p:anim>
                                     <p:anim calcmode="lin" valueType="num">
                                       <p:cBhvr additive="base">
-                                        <p:cTn id="22" dur="500" fill="hold"/>
-                                        <p:tgtEl>
-                                          <p:spTgt spid="16"/>
+                                        <p:cTn id="20" dur="500" fill="hold"/>
+                                        <p:tgtEl>
+                                          <p:spTgt spid="13"/>
                                         </p:tgtEl>
                                         <p:attrNameLst>
                                           <p:attrName>ppt_y</p:attrName>
@@ -18591,20 +18570,20 @@
                                 </p:cTn>
                               </p:par>
                               <p:par>
-                                <p:cTn id="23" presetID="2" presetClass="entr" presetSubtype="2" fill="hold" grpId="0" nodeType="withEffect">
+                                <p:cTn id="21" presetID="2" presetClass="entr" presetSubtype="2" fill="hold" grpId="0" nodeType="withEffect">
                                   <p:stCondLst>
                                     <p:cond delay="0"/>
                                   </p:stCondLst>
                                   <p:childTnLst>
                                     <p:set>
                                       <p:cBhvr>
-                                        <p:cTn id="24" dur="1" fill="hold">
+                                        <p:cTn id="22" dur="1" fill="hold">
                                           <p:stCondLst>
                                             <p:cond delay="0"/>
                                           </p:stCondLst>
                                         </p:cTn>
                                         <p:tgtEl>
-                                          <p:spTgt spid="13"/>
+                                          <p:spTgt spid="16"/>
                                         </p:tgtEl>
                                         <p:attrNameLst>
                                           <p:attrName>style.visibility</p:attrName>
@@ -18616,9 +18595,9 @@
                                     </p:set>
                                     <p:anim calcmode="lin" valueType="num">
                                       <p:cBhvr additive="base">
-                                        <p:cTn id="25" dur="500" fill="hold"/>
-                                        <p:tgtEl>
-                                          <p:spTgt spid="13"/>
+                                        <p:cTn id="23" dur="500" fill="hold"/>
+                                        <p:tgtEl>
+                                          <p:spTgt spid="16"/>
                                         </p:tgtEl>
                                         <p:attrNameLst>
                                           <p:attrName>ppt_x</p:attrName>
@@ -18639,9 +18618,9 @@
                                     </p:anim>
                                     <p:anim calcmode="lin" valueType="num">
                                       <p:cBhvr additive="base">
-                                        <p:cTn id="26" dur="500" fill="hold"/>
-                                        <p:tgtEl>
-                                          <p:spTgt spid="13"/>
+                                        <p:cTn id="24" dur="500" fill="hold"/>
+                                        <p:tgtEl>
+                                          <p:spTgt spid="16"/>
                                         </p:tgtEl>
                                         <p:attrNameLst>
                                           <p:attrName>ppt_y</p:attrName>
@@ -18667,13 +18646,13 @@
                           </p:cTn>
                         </p:par>
                         <p:par>
-                          <p:cTn id="27" fill="hold">
+                          <p:cTn id="25" fill="hold">
                             <p:stCondLst>
                               <p:cond delay="500"/>
                             </p:stCondLst>
                             <p:childTnLst>
                               <p:par>
-                                <p:cTn id="28" presetID="42" presetClass="path" presetSubtype="0" repeatCount="indefinite" accel="50000" decel="50000" autoRev="1" fill="hold" grpId="1" nodeType="afterEffect">
+                                <p:cTn id="26" presetID="42" presetClass="path" presetSubtype="0" repeatCount="indefinite" accel="50000" decel="50000" autoRev="1" fill="hold" grpId="1" nodeType="afterEffect">
                                   <p:stCondLst>
                                     <p:cond delay="0"/>
                                   </p:stCondLst>
@@ -18687,7 +18666,7 @@
                                   <p:childTnLst>
                                     <p:animMotion origin="layout" path="M 3.125E-6 -2.59259E-6 L 3.125E-6 -0.08449 " pathEditMode="relative" rAng="0" ptsTypes="AA">
                                       <p:cBhvr>
-                                        <p:cTn id="29" dur="1000" fill="hold"/>
+                                        <p:cTn id="27" dur="1000" fill="hold"/>
                                         <p:tgtEl>
                                           <p:spTgt spid="13"/>
                                         </p:tgtEl>
@@ -19011,13 +18990,13 @@
   <p:clrMapOvr>
     <a:masterClrMapping/>
   </p:clrMapOvr>
-  <mc:AlternateContent xmlns:mc="http://schemas.openxmlformats.org/markup-compatibility/2006">
-    <mc:Choice xmlns:p15="http://schemas.microsoft.com/office/powerpoint/2012/main" Requires="p15">
+  <mc:AlternateContent xmlns:mc="http://schemas.openxmlformats.org/markup-compatibility/2006" xmlns:p15="http://schemas.microsoft.com/office/powerpoint/2012/main">
+    <mc:Choice Requires="p15">
       <p:transition xmlns:p14="http://schemas.microsoft.com/office/powerpoint/2010/main" spd="slow" p14:dur="1250">
         <p15:prstTrans prst="peelOff"/>
       </p:transition>
     </mc:Choice>
-    <mc:Fallback>
+    <mc:Fallback xmlns="">
       <p:transition spd="slow">
         <p:fade/>
       </p:transition>
@@ -19984,13 +19963,13 @@
   <p:clrMapOvr>
     <a:masterClrMapping/>
   </p:clrMapOvr>
-  <mc:AlternateContent xmlns:mc="http://schemas.openxmlformats.org/markup-compatibility/2006">
-    <mc:Choice xmlns:p15="http://schemas.microsoft.com/office/powerpoint/2012/main" Requires="p15">
+  <mc:AlternateContent xmlns:mc="http://schemas.openxmlformats.org/markup-compatibility/2006" xmlns:p15="http://schemas.microsoft.com/office/powerpoint/2012/main">
+    <mc:Choice Requires="p15">
       <p:transition xmlns:p14="http://schemas.microsoft.com/office/powerpoint/2010/main" spd="slow" p14:dur="1250">
         <p15:prstTrans prst="peelOff"/>
       </p:transition>
     </mc:Choice>
-    <mc:Fallback>
+    <mc:Fallback xmlns="">
       <p:transition spd="slow">
         <p:fade/>
       </p:transition>
@@ -20806,13 +20785,13 @@
   <p:clrMapOvr>
     <a:masterClrMapping/>
   </p:clrMapOvr>
-  <mc:AlternateContent xmlns:mc="http://schemas.openxmlformats.org/markup-compatibility/2006">
-    <mc:Choice xmlns:p15="http://schemas.microsoft.com/office/powerpoint/2012/main" Requires="p15">
+  <mc:AlternateContent xmlns:mc="http://schemas.openxmlformats.org/markup-compatibility/2006" xmlns:p15="http://schemas.microsoft.com/office/powerpoint/2012/main">
+    <mc:Choice Requires="p15">
       <p:transition xmlns:p14="http://schemas.microsoft.com/office/powerpoint/2010/main" spd="slow" p14:dur="1250">
         <p15:prstTrans prst="peelOff"/>
       </p:transition>
     </mc:Choice>
-    <mc:Fallback>
+    <mc:Fallback xmlns="">
       <p:transition spd="slow">
         <p:fade/>
       </p:transition>
@@ -21277,13 +21256,13 @@
   <p:clrMapOvr>
     <a:masterClrMapping/>
   </p:clrMapOvr>
-  <mc:AlternateContent xmlns:mc="http://schemas.openxmlformats.org/markup-compatibility/2006">
-    <mc:Choice xmlns:p15="http://schemas.microsoft.com/office/powerpoint/2012/main" Requires="p15">
+  <mc:AlternateContent xmlns:mc="http://schemas.openxmlformats.org/markup-compatibility/2006" xmlns:p15="http://schemas.microsoft.com/office/powerpoint/2012/main">
+    <mc:Choice Requires="p15">
       <p:transition xmlns:p14="http://schemas.microsoft.com/office/powerpoint/2010/main" spd="slow" p14:dur="1250">
         <p15:prstTrans prst="peelOff"/>
       </p:transition>
     </mc:Choice>
-    <mc:Fallback>
+    <mc:Fallback xmlns="">
       <p:transition spd="slow">
         <p:fade/>
       </p:transition>
@@ -22055,13 +22034,13 @@
   <p:clrMapOvr>
     <a:masterClrMapping/>
   </p:clrMapOvr>
-  <mc:AlternateContent xmlns:mc="http://schemas.openxmlformats.org/markup-compatibility/2006">
-    <mc:Choice xmlns:p15="http://schemas.microsoft.com/office/powerpoint/2012/main" Requires="p15">
+  <mc:AlternateContent xmlns:mc="http://schemas.openxmlformats.org/markup-compatibility/2006" xmlns:p15="http://schemas.microsoft.com/office/powerpoint/2012/main">
+    <mc:Choice Requires="p15">
       <p:transition xmlns:p14="http://schemas.microsoft.com/office/powerpoint/2010/main" spd="slow" p14:dur="1250">
         <p15:prstTrans prst="peelOff"/>
       </p:transition>
     </mc:Choice>
-    <mc:Fallback>
+    <mc:Fallback xmlns="">
       <p:transition spd="slow">
         <p:fade/>
       </p:transition>
@@ -22459,13 +22438,13 @@
   <p:clrMapOvr>
     <a:masterClrMapping/>
   </p:clrMapOvr>
-  <mc:AlternateContent xmlns:mc="http://schemas.openxmlformats.org/markup-compatibility/2006">
-    <mc:Choice xmlns:p15="http://schemas.microsoft.com/office/powerpoint/2012/main" Requires="p15">
+  <mc:AlternateContent xmlns:mc="http://schemas.openxmlformats.org/markup-compatibility/2006" xmlns:p15="http://schemas.microsoft.com/office/powerpoint/2012/main">
+    <mc:Choice Requires="p15">
       <p:transition xmlns:p14="http://schemas.microsoft.com/office/powerpoint/2010/main" spd="slow" p14:dur="1250">
         <p15:prstTrans prst="peelOff"/>
       </p:transition>
     </mc:Choice>
-    <mc:Fallback>
+    <mc:Fallback xmlns="">
       <p:transition spd="slow">
         <p:fade/>
       </p:transition>
@@ -22912,13 +22891,13 @@
   <p:clrMapOvr>
     <a:masterClrMapping/>
   </p:clrMapOvr>
-  <mc:AlternateContent xmlns:mc="http://schemas.openxmlformats.org/markup-compatibility/2006">
-    <mc:Choice xmlns:p15="http://schemas.microsoft.com/office/powerpoint/2012/main" Requires="p15">
+  <mc:AlternateContent xmlns:mc="http://schemas.openxmlformats.org/markup-compatibility/2006" xmlns:p15="http://schemas.microsoft.com/office/powerpoint/2012/main">
+    <mc:Choice Requires="p15">
       <p:transition xmlns:p14="http://schemas.microsoft.com/office/powerpoint/2010/main" spd="slow" p14:dur="1250">
         <p15:prstTrans prst="peelOff"/>
       </p:transition>
     </mc:Choice>
-    <mc:Fallback>
+    <mc:Fallback xmlns="">
       <p:transition spd="slow">
         <p:fade/>
       </p:transition>
@@ -23310,13 +23289,13 @@
   <p:clrMapOvr>
     <a:masterClrMapping/>
   </p:clrMapOvr>
-  <mc:AlternateContent xmlns:mc="http://schemas.openxmlformats.org/markup-compatibility/2006">
-    <mc:Choice xmlns:p15="http://schemas.microsoft.com/office/powerpoint/2012/main" Requires="p15">
+  <mc:AlternateContent xmlns:mc="http://schemas.openxmlformats.org/markup-compatibility/2006" xmlns:p15="http://schemas.microsoft.com/office/powerpoint/2012/main">
+    <mc:Choice Requires="p15">
       <p:transition xmlns:p14="http://schemas.microsoft.com/office/powerpoint/2010/main" spd="slow" p14:dur="1250">
         <p15:prstTrans prst="peelOff"/>
       </p:transition>
     </mc:Choice>
-    <mc:Fallback>
+    <mc:Fallback xmlns="">
       <p:transition spd="slow">
         <p:fade/>
       </p:transition>
@@ -23867,13 +23846,13 @@
   <p:clrMapOvr>
     <a:masterClrMapping/>
   </p:clrMapOvr>
-  <mc:AlternateContent xmlns:mc="http://schemas.openxmlformats.org/markup-compatibility/2006">
-    <mc:Choice xmlns:p15="http://schemas.microsoft.com/office/powerpoint/2012/main" Requires="p15">
+  <mc:AlternateContent xmlns:mc="http://schemas.openxmlformats.org/markup-compatibility/2006" xmlns:p15="http://schemas.microsoft.com/office/powerpoint/2012/main">
+    <mc:Choice Requires="p15">
       <p:transition xmlns:p14="http://schemas.microsoft.com/office/powerpoint/2010/main" spd="slow" p14:dur="1250">
         <p15:prstTrans prst="peelOff"/>
       </p:transition>
     </mc:Choice>
-    <mc:Fallback>
+    <mc:Fallback xmlns="">
       <p:transition spd="slow">
         <p:fade/>
       </p:transition>
@@ -24676,13 +24655,13 @@
   <p:clrMapOvr>
     <a:masterClrMapping/>
   </p:clrMapOvr>
-  <mc:AlternateContent xmlns:mc="http://schemas.openxmlformats.org/markup-compatibility/2006">
-    <mc:Choice xmlns:p15="http://schemas.microsoft.com/office/powerpoint/2012/main" Requires="p15">
+  <mc:AlternateContent xmlns:mc="http://schemas.openxmlformats.org/markup-compatibility/2006" xmlns:p15="http://schemas.microsoft.com/office/powerpoint/2012/main">
+    <mc:Choice Requires="p15">
       <p:transition xmlns:p14="http://schemas.microsoft.com/office/powerpoint/2010/main" spd="slow" p14:dur="1250">
         <p15:prstTrans prst="peelOff"/>
       </p:transition>
     </mc:Choice>
-    <mc:Fallback>
+    <mc:Fallback xmlns="">
       <p:transition spd="slow">
         <p:fade/>
       </p:transition>
@@ -25074,13 +25053,13 @@
   <p:clrMapOvr>
     <a:masterClrMapping/>
   </p:clrMapOvr>
-  <mc:AlternateContent xmlns:mc="http://schemas.openxmlformats.org/markup-compatibility/2006">
-    <mc:Choice xmlns:p15="http://schemas.microsoft.com/office/powerpoint/2012/main" Requires="p15">
+  <mc:AlternateContent xmlns:mc="http://schemas.openxmlformats.org/markup-compatibility/2006" xmlns:p15="http://schemas.microsoft.com/office/powerpoint/2012/main">
+    <mc:Choice Requires="p15">
       <p:transition xmlns:p14="http://schemas.microsoft.com/office/powerpoint/2010/main" spd="slow" p14:dur="1250">
         <p15:prstTrans prst="peelOff"/>
       </p:transition>
     </mc:Choice>
-    <mc:Fallback>
+    <mc:Fallback xmlns="">
       <p:transition spd="slow">
         <p:fade/>
       </p:transition>
@@ -25558,13 +25537,13 @@
   <p:clrMapOvr>
     <a:masterClrMapping/>
   </p:clrMapOvr>
-  <mc:AlternateContent xmlns:mc="http://schemas.openxmlformats.org/markup-compatibility/2006">
-    <mc:Choice xmlns:p15="http://schemas.microsoft.com/office/powerpoint/2012/main" Requires="p15">
+  <mc:AlternateContent xmlns:mc="http://schemas.openxmlformats.org/markup-compatibility/2006" xmlns:p15="http://schemas.microsoft.com/office/powerpoint/2012/main">
+    <mc:Choice Requires="p15">
       <p:transition xmlns:p14="http://schemas.microsoft.com/office/powerpoint/2010/main" spd="slow" p14:dur="1250">
         <p15:prstTrans prst="peelOff"/>
       </p:transition>
     </mc:Choice>
-    <mc:Fallback>
+    <mc:Fallback xmlns="">
       <p:transition spd="slow">
         <p:fade/>
       </p:transition>
@@ -26473,13 +26452,13 @@
   <p:clrMapOvr>
     <a:masterClrMapping/>
   </p:clrMapOvr>
-  <mc:AlternateContent xmlns:mc="http://schemas.openxmlformats.org/markup-compatibility/2006">
-    <mc:Choice xmlns:p15="http://schemas.microsoft.com/office/powerpoint/2012/main" Requires="p15">
+  <mc:AlternateContent xmlns:mc="http://schemas.openxmlformats.org/markup-compatibility/2006" xmlns:p15="http://schemas.microsoft.com/office/powerpoint/2012/main">
+    <mc:Choice Requires="p15">
       <p:transition xmlns:p14="http://schemas.microsoft.com/office/powerpoint/2010/main" spd="slow" p14:dur="1250">
         <p15:prstTrans prst="peelOff"/>
       </p:transition>
     </mc:Choice>
-    <mc:Fallback>
+    <mc:Fallback xmlns="">
       <p:transition spd="slow">
         <p:fade/>
       </p:transition>

--- a/Presentations/ForestOfDoubt.pptx
+++ b/Presentations/ForestOfDoubt.pptx
@@ -5,38 +5,40 @@
     <p:sldMasterId id="2147483648" r:id="rId1"/>
   </p:sldMasterIdLst>
   <p:sldIdLst>
-    <p:sldId id="256" r:id="rId2"/>
-    <p:sldId id="299" r:id="rId3"/>
-    <p:sldId id="258" r:id="rId4"/>
-    <p:sldId id="300" r:id="rId5"/>
-    <p:sldId id="260" r:id="rId6"/>
-    <p:sldId id="261" r:id="rId7"/>
-    <p:sldId id="301" r:id="rId8"/>
-    <p:sldId id="263" r:id="rId9"/>
-    <p:sldId id="264" r:id="rId10"/>
-    <p:sldId id="265" r:id="rId11"/>
-    <p:sldId id="266" r:id="rId12"/>
-    <p:sldId id="267" r:id="rId13"/>
-    <p:sldId id="268" r:id="rId14"/>
-    <p:sldId id="269" r:id="rId15"/>
-    <p:sldId id="270" r:id="rId16"/>
-    <p:sldId id="271" r:id="rId17"/>
-    <p:sldId id="272" r:id="rId18"/>
+    <p:sldId id="306" r:id="rId2"/>
+    <p:sldId id="256" r:id="rId3"/>
+    <p:sldId id="299" r:id="rId4"/>
+    <p:sldId id="258" r:id="rId5"/>
+    <p:sldId id="300" r:id="rId6"/>
+    <p:sldId id="260" r:id="rId7"/>
+    <p:sldId id="261" r:id="rId8"/>
+    <p:sldId id="301" r:id="rId9"/>
+    <p:sldId id="263" r:id="rId10"/>
+    <p:sldId id="264" r:id="rId11"/>
+    <p:sldId id="265" r:id="rId12"/>
+    <p:sldId id="266" r:id="rId13"/>
+    <p:sldId id="267" r:id="rId14"/>
+    <p:sldId id="268" r:id="rId15"/>
+    <p:sldId id="269" r:id="rId16"/>
+    <p:sldId id="270" r:id="rId17"/>
+    <p:sldId id="271" r:id="rId18"/>
     <p:sldId id="273" r:id="rId19"/>
-    <p:sldId id="275" r:id="rId20"/>
-    <p:sldId id="302" r:id="rId21"/>
-    <p:sldId id="278" r:id="rId22"/>
-    <p:sldId id="279" r:id="rId23"/>
-    <p:sldId id="284" r:id="rId24"/>
-    <p:sldId id="285" r:id="rId25"/>
-    <p:sldId id="287" r:id="rId26"/>
-    <p:sldId id="288" r:id="rId27"/>
-    <p:sldId id="289" r:id="rId28"/>
-    <p:sldId id="290" r:id="rId29"/>
-    <p:sldId id="291" r:id="rId30"/>
-    <p:sldId id="303" r:id="rId31"/>
-    <p:sldId id="304" r:id="rId32"/>
-    <p:sldId id="305" r:id="rId33"/>
+    <p:sldId id="272" r:id="rId20"/>
+    <p:sldId id="275" r:id="rId21"/>
+    <p:sldId id="302" r:id="rId22"/>
+    <p:sldId id="278" r:id="rId23"/>
+    <p:sldId id="279" r:id="rId24"/>
+    <p:sldId id="284" r:id="rId25"/>
+    <p:sldId id="285" r:id="rId26"/>
+    <p:sldId id="287" r:id="rId27"/>
+    <p:sldId id="288" r:id="rId28"/>
+    <p:sldId id="289" r:id="rId29"/>
+    <p:sldId id="290" r:id="rId30"/>
+    <p:sldId id="291" r:id="rId31"/>
+    <p:sldId id="303" r:id="rId32"/>
+    <p:sldId id="304" r:id="rId33"/>
+    <p:sldId id="305" r:id="rId34"/>
+    <p:sldId id="307" r:id="rId35"/>
   </p:sldIdLst>
   <p:sldSz cx="12192000" cy="6858000"/>
   <p:notesSz cx="6858000" cy="9144000"/>
@@ -3522,12 +3524,54 @@
           <a:chExt cx="0" cy="0"/>
         </a:xfrm>
       </p:grpSpPr>
+    </p:spTree>
+    <p:extLst>
+      <p:ext uri="{BB962C8B-B14F-4D97-AF65-F5344CB8AC3E}">
+        <p14:creationId xmlns:p14="http://schemas.microsoft.com/office/powerpoint/2010/main" val="932913027"/>
+      </p:ext>
+    </p:extLst>
+  </p:cSld>
+  <p:clrMapOvr>
+    <a:masterClrMapping/>
+  </p:clrMapOvr>
+  <mc:AlternateContent xmlns:mc="http://schemas.openxmlformats.org/markup-compatibility/2006" xmlns:p15="http://schemas.microsoft.com/office/powerpoint/2012/main">
+    <mc:Choice Requires="p15">
+      <p:transition xmlns:p14="http://schemas.microsoft.com/office/powerpoint/2010/main" spd="slow" p14:dur="1250">
+        <p15:prstTrans prst="peelOff"/>
+      </p:transition>
+    </mc:Choice>
+    <mc:Fallback xmlns="">
+      <p:transition spd="slow">
+        <p:fade/>
+      </p:transition>
+    </mc:Fallback>
+  </mc:AlternateContent>
+</p:sld>
+</file>
+
+<file path=ppt/slides/slide10.xml><?xml version="1.0" encoding="utf-8"?>
+<p:sld xmlns:a="http://schemas.openxmlformats.org/drawingml/2006/main" xmlns:r="http://schemas.openxmlformats.org/officeDocument/2006/relationships" xmlns:p="http://schemas.openxmlformats.org/presentationml/2006/main">
+  <p:cSld>
+    <p:spTree>
+      <p:nvGrpSpPr>
+        <p:cNvPr id="1" name=""/>
+        <p:cNvGrpSpPr/>
+        <p:nvPr/>
+      </p:nvGrpSpPr>
+      <p:grpSpPr>
+        <a:xfrm>
+          <a:off x="0" y="0"/>
+          <a:ext cx="0" cy="0"/>
+          <a:chOff x="0" y="0"/>
+          <a:chExt cx="0" cy="0"/>
+        </a:xfrm>
+      </p:grpSpPr>
       <p:sp>
         <p:nvSpPr>
-          <p:cNvPr id="28" name="Ground">
+          <p:cNvPr id="6" name="Office">
             <a:extLst>
               <a:ext uri="{FF2B5EF4-FFF2-40B4-BE49-F238E27FC236}">
-                <a16:creationId xmlns:a16="http://schemas.microsoft.com/office/drawing/2014/main" id="{4B45E666-343E-4796-B93B-8AE48005A126}"/>
+                <a16:creationId xmlns:a16="http://schemas.microsoft.com/office/drawing/2014/main" id="{35A5B77B-7325-4E8C-9620-AB5151BB3E52}"/>
               </a:ext>
             </a:extLst>
           </p:cNvPr>
@@ -3535,16 +3579,21 @@
           <p:nvPr/>
         </p:nvSpPr>
         <p:spPr>
-          <a:xfrm>
-            <a:off x="-349250" y="704850"/>
-            <a:ext cx="14655800" cy="6467289"/>
+          <a:xfrm rot="10800000" flipH="1">
+            <a:off x="-6400800" y="-2190750"/>
+            <a:ext cx="18992850" cy="9601200"/>
           </a:xfrm>
-          <a:prstGeom prst="rect">
+          <a:prstGeom prst="cube">
             <a:avLst/>
           </a:prstGeom>
           <a:solidFill>
-            <a:srgbClr val="A078A8"/>
+            <a:schemeClr val="bg1">
+              <a:lumMod val="95000"/>
+            </a:schemeClr>
           </a:solidFill>
+          <a:ln>
+            <a:noFill/>
+          </a:ln>
         </p:spPr>
         <p:style>
           <a:lnRef idx="2">
@@ -3567,111 +3616,19 @@
           <a:lstStyle/>
           <a:p>
             <a:pPr algn="ctr"/>
-            <a:endParaRPr lang="pt-PT"/>
+            <a:r>
+              <a:rPr lang="pt-PT" dirty="0"/>
+              <a:t>z</a:t>
+            </a:r>
           </a:p>
         </p:txBody>
       </p:sp>
-      <p:sp>
-        <p:nvSpPr>
-          <p:cNvPr id="29" name="Sky">
+      <p:grpSp>
+        <p:nvGrpSpPr>
+          <p:cNvPr id="27" name="Mustache-man">
             <a:extLst>
               <a:ext uri="{FF2B5EF4-FFF2-40B4-BE49-F238E27FC236}">
-                <a16:creationId xmlns:a16="http://schemas.microsoft.com/office/drawing/2014/main" id="{F198B20F-BBF5-4724-A94A-B3F1120A5511}"/>
-              </a:ext>
-            </a:extLst>
-          </p:cNvPr>
-          <p:cNvSpPr/>
-          <p:nvPr/>
-        </p:nvSpPr>
-        <p:spPr>
-          <a:xfrm rot="21419124">
-            <a:off x="-629117" y="-435276"/>
-            <a:ext cx="15315880" cy="2081010"/>
-          </a:xfrm>
-          <a:prstGeom prst="rect">
-            <a:avLst/>
-          </a:prstGeom>
-          <a:solidFill>
-            <a:srgbClr val="002060"/>
-          </a:solidFill>
-        </p:spPr>
-        <p:style>
-          <a:lnRef idx="2">
-            <a:schemeClr val="accent1">
-              <a:shade val="50000"/>
-            </a:schemeClr>
-          </a:lnRef>
-          <a:fillRef idx="1">
-            <a:schemeClr val="accent1"/>
-          </a:fillRef>
-          <a:effectRef idx="0">
-            <a:schemeClr val="accent1"/>
-          </a:effectRef>
-          <a:fontRef idx="minor">
-            <a:schemeClr val="lt1"/>
-          </a:fontRef>
-        </p:style>
-        <p:txBody>
-          <a:bodyPr rtlCol="0" anchor="ctr"/>
-          <a:lstStyle/>
-          <a:p>
-            <a:pPr algn="ctr"/>
-            <a:endParaRPr lang="pt-PT"/>
-          </a:p>
-        </p:txBody>
-      </p:sp>
-      <p:pic>
-        <p:nvPicPr>
-          <p:cNvPr id="21" name="HairBack">
-            <a:extLst>
-              <a:ext uri="{FF2B5EF4-FFF2-40B4-BE49-F238E27FC236}">
-                <a16:creationId xmlns:a16="http://schemas.microsoft.com/office/drawing/2014/main" id="{2A15F6F4-ACCA-403D-86AD-F9D8C1BC1AF2}"/>
-              </a:ext>
-            </a:extLst>
-          </p:cNvPr>
-          <p:cNvPicPr>
-            <a:picLocks noChangeAspect="1"/>
-          </p:cNvPicPr>
-          <p:nvPr/>
-        </p:nvPicPr>
-        <p:blipFill>
-          <a:blip r:embed="rId2">
-            <a:extLst>
-              <a:ext uri="{28A0092B-C50C-407E-A947-70E740481C1C}">
-                <a14:useLocalDpi xmlns:a14="http://schemas.microsoft.com/office/drawing/2010/main" val="0"/>
-              </a:ext>
-              <a:ext uri="{96DAC541-7B7A-43D3-8B79-37D633B846F1}">
-                <asvg:svgBlip xmlns:asvg="http://schemas.microsoft.com/office/drawing/2016/SVG/main" r:embed="rId3"/>
-              </a:ext>
-            </a:extLst>
-          </a:blip>
-          <a:stretch>
-            <a:fillRect/>
-          </a:stretch>
-        </p:blipFill>
-        <p:spPr>
-          <a:xfrm>
-            <a:off x="396240" y="1500677"/>
-            <a:ext cx="2819400" cy="3301629"/>
-          </a:xfrm>
-          <a:prstGeom prst="rect">
-            <a:avLst/>
-          </a:prstGeom>
-          <a:effectLst>
-            <a:outerShdw blurRad="63500" sx="102000" sy="102000" algn="ctr" rotWithShape="0">
-              <a:prstClr val="black">
-                <a:alpha val="40000"/>
-              </a:prstClr>
-            </a:outerShdw>
-          </a:effectLst>
-        </p:spPr>
-      </p:pic>
-      <p:grpSp>
-        <p:nvGrpSpPr>
-          <p:cNvPr id="27" name="Body">
-            <a:extLst>
-              <a:ext uri="{FF2B5EF4-FFF2-40B4-BE49-F238E27FC236}">
-                <a16:creationId xmlns:a16="http://schemas.microsoft.com/office/drawing/2014/main" id="{27C29D04-ED9B-4782-B37C-BAAA6FB6D6CA}"/>
+                <a16:creationId xmlns:a16="http://schemas.microsoft.com/office/drawing/2014/main" id="{EA433A99-7F08-4A3D-A5A3-F5F74A5EA921}"/>
               </a:ext>
             </a:extLst>
           </p:cNvPr>
@@ -3680,64 +3637,117 @@
         </p:nvGrpSpPr>
         <p:grpSpPr>
           <a:xfrm>
-            <a:off x="-1391266" y="1649774"/>
-            <a:ext cx="6567207" cy="4920636"/>
-            <a:chOff x="-834275" y="2216706"/>
-            <a:chExt cx="6567207" cy="4920636"/>
+            <a:off x="1429793" y="788256"/>
+            <a:ext cx="7033538" cy="5939929"/>
+            <a:chOff x="3043834" y="1914525"/>
+            <a:chExt cx="4912518" cy="4157067"/>
           </a:xfrm>
         </p:grpSpPr>
-        <p:pic>
-          <p:nvPicPr>
-            <p:cNvPr id="23" name="BodyBack">
+        <p:grpSp>
+          <p:nvGrpSpPr>
+            <p:cNvPr id="17" name="Person2">
               <a:extLst>
                 <a:ext uri="{FF2B5EF4-FFF2-40B4-BE49-F238E27FC236}">
-                  <a16:creationId xmlns:a16="http://schemas.microsoft.com/office/drawing/2014/main" id="{E8AE166F-A39D-4A75-A59D-162F043650D6}"/>
+                  <a16:creationId xmlns:a16="http://schemas.microsoft.com/office/drawing/2014/main" id="{E655897C-27AE-40F1-8E40-19CEA5C572DF}"/>
                 </a:ext>
               </a:extLst>
             </p:cNvPr>
-            <p:cNvPicPr>
-              <a:picLocks noChangeAspect="1"/>
-            </p:cNvPicPr>
+            <p:cNvGrpSpPr/>
             <p:nvPr/>
-          </p:nvPicPr>
-          <p:blipFill>
-            <a:blip r:embed="rId4">
-              <a:extLst>
-                <a:ext uri="{28A0092B-C50C-407E-A947-70E740481C1C}">
-                  <a14:useLocalDpi xmlns:a14="http://schemas.microsoft.com/office/drawing/2010/main" val="0"/>
-                </a:ext>
-                <a:ext uri="{96DAC541-7B7A-43D3-8B79-37D633B846F1}">
-                  <asvg:svgBlip xmlns:asvg="http://schemas.microsoft.com/office/drawing/2016/SVG/main" r:embed="rId5"/>
-                </a:ext>
-              </a:extLst>
-            </a:blip>
-            <a:stretch>
-              <a:fillRect/>
-            </a:stretch>
-          </p:blipFill>
-          <p:spPr>
-            <a:xfrm flipH="1">
-              <a:off x="-618296" y="2753312"/>
-              <a:ext cx="6135250" cy="4217759"/>
+          </p:nvGrpSpPr>
+          <p:grpSpPr>
+            <a:xfrm>
+              <a:off x="3043834" y="1914525"/>
+              <a:ext cx="4912518" cy="4157067"/>
+              <a:chOff x="1425774" y="2399109"/>
+              <a:chExt cx="4912518" cy="4157067"/>
             </a:xfrm>
-            <a:prstGeom prst="rect">
-              <a:avLst/>
-            </a:prstGeom>
-            <a:effectLst>
-              <a:outerShdw blurRad="63500" sx="102000" sy="102000" algn="ctr" rotWithShape="0">
-                <a:prstClr val="black">
-                  <a:alpha val="40000"/>
-                </a:prstClr>
-              </a:outerShdw>
-            </a:effectLst>
-          </p:spPr>
-        </p:pic>
+          </p:grpSpPr>
+          <p:pic>
+            <p:nvPicPr>
+              <p:cNvPr id="10" name="Graphic 9">
+                <a:extLst>
+                  <a:ext uri="{FF2B5EF4-FFF2-40B4-BE49-F238E27FC236}">
+                    <a16:creationId xmlns:a16="http://schemas.microsoft.com/office/drawing/2014/main" id="{7E32E4D4-29E5-46DB-AC86-D3BFAE4A7F4D}"/>
+                  </a:ext>
+                </a:extLst>
+              </p:cNvPr>
+              <p:cNvPicPr>
+                <a:picLocks noChangeAspect="1"/>
+              </p:cNvPicPr>
+              <p:nvPr/>
+            </p:nvPicPr>
+            <p:blipFill>
+              <a:blip r:embed="rId2">
+                <a:extLst>
+                  <a:ext uri="{28A0092B-C50C-407E-A947-70E740481C1C}">
+                    <a14:useLocalDpi xmlns:a14="http://schemas.microsoft.com/office/drawing/2010/main" val="0"/>
+                  </a:ext>
+                  <a:ext uri="{96DAC541-7B7A-43D3-8B79-37D633B846F1}">
+                    <asvg:svgBlip xmlns:asvg="http://schemas.microsoft.com/office/drawing/2016/SVG/main" r:embed="rId3"/>
+                  </a:ext>
+                </a:extLst>
+              </a:blip>
+              <a:stretch>
+                <a:fillRect/>
+              </a:stretch>
+            </p:blipFill>
+            <p:spPr>
+              <a:xfrm flipV="1">
+                <a:off x="1425774" y="3423642"/>
+                <a:ext cx="4912518" cy="3132534"/>
+              </a:xfrm>
+              <a:prstGeom prst="rect">
+                <a:avLst/>
+              </a:prstGeom>
+            </p:spPr>
+          </p:pic>
+          <p:pic>
+            <p:nvPicPr>
+              <p:cNvPr id="15" name="Graphic 14">
+                <a:extLst>
+                  <a:ext uri="{FF2B5EF4-FFF2-40B4-BE49-F238E27FC236}">
+                    <a16:creationId xmlns:a16="http://schemas.microsoft.com/office/drawing/2014/main" id="{7DCA2526-5980-4046-A1BA-9093E2319456}"/>
+                  </a:ext>
+                </a:extLst>
+              </p:cNvPr>
+              <p:cNvPicPr>
+                <a:picLocks noChangeAspect="1"/>
+              </p:cNvPicPr>
+              <p:nvPr/>
+            </p:nvPicPr>
+            <p:blipFill>
+              <a:blip r:embed="rId4">
+                <a:extLst>
+                  <a:ext uri="{28A0092B-C50C-407E-A947-70E740481C1C}">
+                    <a14:useLocalDpi xmlns:a14="http://schemas.microsoft.com/office/drawing/2010/main" val="0"/>
+                  </a:ext>
+                  <a:ext uri="{96DAC541-7B7A-43D3-8B79-37D633B846F1}">
+                    <asvg:svgBlip xmlns:asvg="http://schemas.microsoft.com/office/drawing/2016/SVG/main" r:embed="rId5"/>
+                  </a:ext>
+                </a:extLst>
+              </a:blip>
+              <a:stretch>
+                <a:fillRect/>
+              </a:stretch>
+            </p:blipFill>
+            <p:spPr>
+              <a:xfrm>
+                <a:off x="2805708" y="2399109"/>
+                <a:ext cx="2152650" cy="2152650"/>
+              </a:xfrm>
+              <a:prstGeom prst="rect">
+                <a:avLst/>
+              </a:prstGeom>
+            </p:spPr>
+          </p:pic>
+        </p:grpSp>
         <p:pic>
           <p:nvPicPr>
-            <p:cNvPr id="25" name="BodyFront">
+            <p:cNvPr id="25" name="Graphic 24">
               <a:extLst>
                 <a:ext uri="{FF2B5EF4-FFF2-40B4-BE49-F238E27FC236}">
-                  <a16:creationId xmlns:a16="http://schemas.microsoft.com/office/drawing/2014/main" id="{4E6A676A-1BBC-43E4-BA66-5A1A1A4D3196}"/>
+                  <a16:creationId xmlns:a16="http://schemas.microsoft.com/office/drawing/2014/main" id="{6427E316-2F7F-4484-A520-0820FC15F9E3}"/>
                 </a:ext>
               </a:extLst>
             </p:cNvPr>
@@ -3763,20 +3773,41 @@
           </p:blipFill>
           <p:spPr>
             <a:xfrm>
-              <a:off x="-834275" y="2753312"/>
-              <a:ext cx="6567207" cy="4384030"/>
+              <a:off x="5184577" y="3206931"/>
+              <a:ext cx="619125" cy="388746"/>
             </a:xfrm>
             <a:prstGeom prst="rect">
               <a:avLst/>
             </a:prstGeom>
           </p:spPr>
         </p:pic>
+      </p:grpSp>
+      <p:grpSp>
+        <p:nvGrpSpPr>
+          <p:cNvPr id="31" name="Man">
+            <a:extLst>
+              <a:ext uri="{FF2B5EF4-FFF2-40B4-BE49-F238E27FC236}">
+                <a16:creationId xmlns:a16="http://schemas.microsoft.com/office/drawing/2014/main" id="{8B48B9AC-50F8-4D54-8EF3-40AED7A78BC3}"/>
+              </a:ext>
+            </a:extLst>
+          </p:cNvPr>
+          <p:cNvGrpSpPr/>
+          <p:nvPr/>
+        </p:nvGrpSpPr>
+        <p:grpSpPr>
+          <a:xfrm>
+            <a:off x="-676269" y="595233"/>
+            <a:ext cx="5845862" cy="6060565"/>
+            <a:chOff x="1329630" y="1566250"/>
+            <a:chExt cx="4610101" cy="4634525"/>
+          </a:xfrm>
+        </p:grpSpPr>
         <p:pic>
           <p:nvPicPr>
-            <p:cNvPr id="19" name="Face">
+            <p:cNvPr id="9" name="Graphic 8">
               <a:extLst>
                 <a:ext uri="{FF2B5EF4-FFF2-40B4-BE49-F238E27FC236}">
-                  <a16:creationId xmlns:a16="http://schemas.microsoft.com/office/drawing/2014/main" id="{773EF3D4-0222-440C-99D0-235EBC2D09FA}"/>
+                  <a16:creationId xmlns:a16="http://schemas.microsoft.com/office/drawing/2014/main" id="{3D8C8D30-536B-4DCE-83A7-BB2358E4851C}"/>
                 </a:ext>
               </a:extLst>
             </p:cNvPr>
@@ -3801,153 +3832,100 @@
             </a:stretch>
           </p:blipFill>
           <p:spPr>
-            <a:xfrm>
-              <a:off x="1301669" y="2216706"/>
-              <a:ext cx="2295320" cy="2295320"/>
+            <a:xfrm flipV="1">
+              <a:off x="1329630" y="2809875"/>
+              <a:ext cx="4610101" cy="3390900"/>
             </a:xfrm>
             <a:prstGeom prst="rect">
               <a:avLst/>
             </a:prstGeom>
-            <a:effectLst>
-              <a:outerShdw blurRad="63500" sx="102000" sy="102000" algn="ctr" rotWithShape="0">
-                <a:prstClr val="black">
-                  <a:alpha val="40000"/>
-                </a:prstClr>
-              </a:outerShdw>
-            </a:effectLst>
+          </p:spPr>
+        </p:pic>
+        <p:pic>
+          <p:nvPicPr>
+            <p:cNvPr id="19" name="Graphic 18">
+              <a:extLst>
+                <a:ext uri="{FF2B5EF4-FFF2-40B4-BE49-F238E27FC236}">
+                  <a16:creationId xmlns:a16="http://schemas.microsoft.com/office/drawing/2014/main" id="{C1894783-C576-480D-B796-6567F1F0C2AE}"/>
+                </a:ext>
+              </a:extLst>
+            </p:cNvPr>
+            <p:cNvPicPr>
+              <a:picLocks noChangeAspect="1"/>
+            </p:cNvPicPr>
+            <p:nvPr/>
+          </p:nvPicPr>
+          <p:blipFill>
+            <a:blip r:embed="rId10">
+              <a:extLst>
+                <a:ext uri="{28A0092B-C50C-407E-A947-70E740481C1C}">
+                  <a14:useLocalDpi xmlns:a14="http://schemas.microsoft.com/office/drawing/2010/main" val="0"/>
+                </a:ext>
+                <a:ext uri="{96DAC541-7B7A-43D3-8B79-37D633B846F1}">
+                  <asvg:svgBlip xmlns:asvg="http://schemas.microsoft.com/office/drawing/2016/SVG/main" r:embed="rId11"/>
+                </a:ext>
+              </a:extLst>
+            </a:blip>
+            <a:stretch>
+              <a:fillRect/>
+            </a:stretch>
+          </p:blipFill>
+          <p:spPr>
+            <a:xfrm>
+              <a:off x="2510134" y="1818084"/>
+              <a:ext cx="2249091" cy="2249091"/>
+            </a:xfrm>
+            <a:prstGeom prst="rect">
+              <a:avLst/>
+            </a:prstGeom>
+          </p:spPr>
+        </p:pic>
+        <p:pic>
+          <p:nvPicPr>
+            <p:cNvPr id="30" name="Graphic 29">
+              <a:extLst>
+                <a:ext uri="{FF2B5EF4-FFF2-40B4-BE49-F238E27FC236}">
+                  <a16:creationId xmlns:a16="http://schemas.microsoft.com/office/drawing/2014/main" id="{F9A2C727-E114-4AA2-BB1E-58B8A9E064AD}"/>
+                </a:ext>
+              </a:extLst>
+            </p:cNvPr>
+            <p:cNvPicPr>
+              <a:picLocks noChangeAspect="1"/>
+            </p:cNvPicPr>
+            <p:nvPr/>
+          </p:nvPicPr>
+          <p:blipFill>
+            <a:blip r:embed="rId12">
+              <a:extLst>
+                <a:ext uri="{28A0092B-C50C-407E-A947-70E740481C1C}">
+                  <a14:useLocalDpi xmlns:a14="http://schemas.microsoft.com/office/drawing/2010/main" val="0"/>
+                </a:ext>
+                <a:ext uri="{96DAC541-7B7A-43D3-8B79-37D633B846F1}">
+                  <asvg:svgBlip xmlns:asvg="http://schemas.microsoft.com/office/drawing/2016/SVG/main" r:embed="rId13"/>
+                </a:ext>
+              </a:extLst>
+            </a:blip>
+            <a:stretch>
+              <a:fillRect/>
+            </a:stretch>
+          </p:blipFill>
+          <p:spPr>
+            <a:xfrm>
+              <a:off x="2694236" y="1566250"/>
+              <a:ext cx="1880886" cy="1880886"/>
+            </a:xfrm>
+            <a:prstGeom prst="rect">
+              <a:avLst/>
+            </a:prstGeom>
           </p:spPr>
         </p:pic>
       </p:grpSp>
-      <p:pic>
-        <p:nvPicPr>
-          <p:cNvPr id="17" name="FrontHair">
+      <p:grpSp>
+        <p:nvGrpSpPr>
+          <p:cNvPr id="34" name="redwoman">
             <a:extLst>
               <a:ext uri="{FF2B5EF4-FFF2-40B4-BE49-F238E27FC236}">
-                <a16:creationId xmlns:a16="http://schemas.microsoft.com/office/drawing/2014/main" id="{7B7D30FA-3DEF-4ED3-A388-552E0236842F}"/>
-              </a:ext>
-            </a:extLst>
-          </p:cNvPr>
-          <p:cNvPicPr>
-            <a:picLocks noChangeAspect="1"/>
-          </p:cNvPicPr>
-          <p:nvPr/>
-        </p:nvPicPr>
-        <p:blipFill>
-          <a:blip r:embed="rId10">
-            <a:extLst>
-              <a:ext uri="{28A0092B-C50C-407E-A947-70E740481C1C}">
-                <a14:useLocalDpi xmlns:a14="http://schemas.microsoft.com/office/drawing/2010/main" val="0"/>
-              </a:ext>
-              <a:ext uri="{96DAC541-7B7A-43D3-8B79-37D633B846F1}">
-                <asvg:svgBlip xmlns:asvg="http://schemas.microsoft.com/office/drawing/2016/SVG/main" r:embed="rId11"/>
-              </a:ext>
-            </a:extLst>
-          </a:blip>
-          <a:stretch>
-            <a:fillRect/>
-          </a:stretch>
-        </p:blipFill>
-        <p:spPr>
-          <a:xfrm>
-            <a:off x="826125" y="1120167"/>
-            <a:ext cx="2132426" cy="2132426"/>
-          </a:xfrm>
-          <a:prstGeom prst="rect">
-            <a:avLst/>
-          </a:prstGeom>
-          <a:effectLst>
-            <a:outerShdw blurRad="50800" dist="38100" dir="5400000" algn="t" rotWithShape="0">
-              <a:prstClr val="black">
-                <a:alpha val="40000"/>
-              </a:prstClr>
-            </a:outerShdw>
-          </a:effectLst>
-        </p:spPr>
-      </p:pic>
-      <p:pic>
-        <p:nvPicPr>
-          <p:cNvPr id="13" name="CatHead">
-            <a:extLst>
-              <a:ext uri="{FF2B5EF4-FFF2-40B4-BE49-F238E27FC236}">
-                <a16:creationId xmlns:a16="http://schemas.microsoft.com/office/drawing/2014/main" id="{2A050B60-C6B4-48C8-B06F-906846FDF354}"/>
-              </a:ext>
-            </a:extLst>
-          </p:cNvPr>
-          <p:cNvPicPr>
-            <a:picLocks noChangeAspect="1"/>
-          </p:cNvPicPr>
-          <p:nvPr/>
-        </p:nvPicPr>
-        <p:blipFill>
-          <a:blip r:embed="rId12">
-            <a:extLst>
-              <a:ext uri="{28A0092B-C50C-407E-A947-70E740481C1C}">
-                <a14:useLocalDpi xmlns:a14="http://schemas.microsoft.com/office/drawing/2010/main" val="0"/>
-              </a:ext>
-              <a:ext uri="{96DAC541-7B7A-43D3-8B79-37D633B846F1}">
-                <asvg:svgBlip xmlns:asvg="http://schemas.microsoft.com/office/drawing/2016/SVG/main" r:embed="rId13"/>
-              </a:ext>
-            </a:extLst>
-          </a:blip>
-          <a:stretch>
-            <a:fillRect/>
-          </a:stretch>
-        </p:blipFill>
-        <p:spPr>
-          <a:xfrm>
-            <a:off x="5644549" y="662912"/>
-            <a:ext cx="2563920" cy="2563920"/>
-          </a:xfrm>
-          <a:prstGeom prst="rect">
-            <a:avLst/>
-          </a:prstGeom>
-        </p:spPr>
-      </p:pic>
-      <p:pic>
-        <p:nvPicPr>
-          <p:cNvPr id="4" name="CatBody">
-            <a:extLst>
-              <a:ext uri="{FF2B5EF4-FFF2-40B4-BE49-F238E27FC236}">
-                <a16:creationId xmlns:a16="http://schemas.microsoft.com/office/drawing/2014/main" id="{9570227D-78ED-46D5-BBD6-70EFA8A90241}"/>
-              </a:ext>
-            </a:extLst>
-          </p:cNvPr>
-          <p:cNvPicPr>
-            <a:picLocks noChangeAspect="1"/>
-          </p:cNvPicPr>
-          <p:nvPr/>
-        </p:nvPicPr>
-        <p:blipFill>
-          <a:blip r:embed="rId14">
-            <a:extLst>
-              <a:ext uri="{28A0092B-C50C-407E-A947-70E740481C1C}">
-                <a14:useLocalDpi xmlns:a14="http://schemas.microsoft.com/office/drawing/2010/main" val="0"/>
-              </a:ext>
-              <a:ext uri="{96DAC541-7B7A-43D3-8B79-37D633B846F1}">
-                <asvg:svgBlip xmlns:asvg="http://schemas.microsoft.com/office/drawing/2016/SVG/main" r:embed="rId15"/>
-              </a:ext>
-            </a:extLst>
-          </a:blip>
-          <a:stretch>
-            <a:fillRect/>
-          </a:stretch>
-        </p:blipFill>
-        <p:spPr>
-          <a:xfrm rot="5400000">
-            <a:off x="6506108" y="43255"/>
-            <a:ext cx="4286250" cy="4286250"/>
-          </a:xfrm>
-          <a:prstGeom prst="rect">
-            <a:avLst/>
-          </a:prstGeom>
-        </p:spPr>
-      </p:pic>
-      <p:grpSp>
-        <p:nvGrpSpPr>
-          <p:cNvPr id="10" name="Stripe">
-            <a:extLst>
-              <a:ext uri="{FF2B5EF4-FFF2-40B4-BE49-F238E27FC236}">
-                <a16:creationId xmlns:a16="http://schemas.microsoft.com/office/drawing/2014/main" id="{A8B5EDF1-1807-4727-AAC2-35A19B5AFB80}"/>
+                <a16:creationId xmlns:a16="http://schemas.microsoft.com/office/drawing/2014/main" id="{75883DB9-7E37-4849-9F26-0239755DE00E}"/>
               </a:ext>
             </a:extLst>
           </p:cNvPr>
@@ -3956,18 +3934,18 @@
         </p:nvGrpSpPr>
         <p:grpSpPr>
           <a:xfrm>
-            <a:off x="7338849" y="1493699"/>
-            <a:ext cx="2508417" cy="1385360"/>
-            <a:chOff x="7338849" y="1493699"/>
-            <a:chExt cx="2508417" cy="1385360"/>
+            <a:off x="1160641" y="1519454"/>
+            <a:ext cx="5142755" cy="6220320"/>
+            <a:chOff x="1119629" y="1485257"/>
+            <a:chExt cx="5142755" cy="6220320"/>
           </a:xfrm>
         </p:grpSpPr>
         <p:pic>
           <p:nvPicPr>
-            <p:cNvPr id="9" name="Stripe6">
+            <p:cNvPr id="33" name="Graphic 32">
               <a:extLst>
                 <a:ext uri="{FF2B5EF4-FFF2-40B4-BE49-F238E27FC236}">
-                  <a16:creationId xmlns:a16="http://schemas.microsoft.com/office/drawing/2014/main" id="{2521DDD3-64A9-4351-8AF7-CF2858FFE68F}"/>
+                  <a16:creationId xmlns:a16="http://schemas.microsoft.com/office/drawing/2014/main" id="{E67CE0EA-C326-4510-8FD3-EB8DF2799498}"/>
                 </a:ext>
               </a:extLst>
             </p:cNvPr>
@@ -3976,264 +3954,174 @@
             </p:cNvPicPr>
             <p:nvPr/>
           </p:nvPicPr>
-          <p:blipFill rotWithShape="1">
-            <a:blip r:embed="rId16">
+          <p:blipFill>
+            <a:blip r:embed="rId14">
               <a:extLst>
                 <a:ext uri="{28A0092B-C50C-407E-A947-70E740481C1C}">
                   <a14:useLocalDpi xmlns:a14="http://schemas.microsoft.com/office/drawing/2010/main" val="0"/>
                 </a:ext>
                 <a:ext uri="{96DAC541-7B7A-43D3-8B79-37D633B846F1}">
-                  <asvg:svgBlip xmlns:asvg="http://schemas.microsoft.com/office/drawing/2016/SVG/main" r:embed="rId17"/>
+                  <asvg:svgBlip xmlns:asvg="http://schemas.microsoft.com/office/drawing/2016/SVG/main" r:embed="rId15"/>
                 </a:ext>
               </a:extLst>
             </a:blip>
-            <a:srcRect l="25695" t="28451" r="29411" b="52720"/>
-            <a:stretch/>
+            <a:stretch>
+              <a:fillRect/>
+            </a:stretch>
           </p:blipFill>
           <p:spPr>
-            <a:xfrm rot="16200000">
-              <a:off x="7188948" y="1895868"/>
-              <a:ext cx="1385360" cy="581022"/>
+            <a:xfrm>
+              <a:off x="1429793" y="2331499"/>
+              <a:ext cx="4189785" cy="4189785"/>
             </a:xfrm>
             <a:prstGeom prst="rect">
               <a:avLst/>
             </a:prstGeom>
           </p:spPr>
         </p:pic>
-        <p:pic>
-          <p:nvPicPr>
-            <p:cNvPr id="18" name="Stripe5">
+        <p:grpSp>
+          <p:nvGrpSpPr>
+            <p:cNvPr id="28" name="RedWoman">
               <a:extLst>
                 <a:ext uri="{FF2B5EF4-FFF2-40B4-BE49-F238E27FC236}">
-                  <a16:creationId xmlns:a16="http://schemas.microsoft.com/office/drawing/2014/main" id="{B997254A-36D7-4F48-B803-A3D3FF588958}"/>
+                  <a16:creationId xmlns:a16="http://schemas.microsoft.com/office/drawing/2014/main" id="{3AE85E7F-BA5C-4D54-AF82-842BB90A683F}"/>
                 </a:ext>
               </a:extLst>
             </p:cNvPr>
-            <p:cNvPicPr>
-              <a:picLocks noChangeAspect="1"/>
-            </p:cNvPicPr>
+            <p:cNvGrpSpPr/>
             <p:nvPr/>
-          </p:nvPicPr>
-          <p:blipFill rotWithShape="1">
-            <a:blip r:embed="rId16">
-              <a:extLst>
-                <a:ext uri="{28A0092B-C50C-407E-A947-70E740481C1C}">
-                  <a14:useLocalDpi xmlns:a14="http://schemas.microsoft.com/office/drawing/2010/main" val="0"/>
-                </a:ext>
-                <a:ext uri="{96DAC541-7B7A-43D3-8B79-37D633B846F1}">
-                  <asvg:svgBlip xmlns:asvg="http://schemas.microsoft.com/office/drawing/2016/SVG/main" r:embed="rId17"/>
-                </a:ext>
-              </a:extLst>
-            </a:blip>
-            <a:srcRect l="25695" t="28451" r="29411" b="52720"/>
-            <a:stretch/>
-          </p:blipFill>
-          <p:spPr>
-            <a:xfrm rot="16200000">
-              <a:off x="8082979" y="1993693"/>
-              <a:ext cx="1132507" cy="474975"/>
+          </p:nvGrpSpPr>
+          <p:grpSpPr>
+            <a:xfrm>
+              <a:off x="1119629" y="1485257"/>
+              <a:ext cx="5142755" cy="6220320"/>
+              <a:chOff x="5761436" y="1118606"/>
+              <a:chExt cx="3390900" cy="4691644"/>
             </a:xfrm>
-            <a:prstGeom prst="rect">
-              <a:avLst/>
-            </a:prstGeom>
-          </p:spPr>
-        </p:pic>
-        <p:pic>
-          <p:nvPicPr>
-            <p:cNvPr id="20" name="Stripe4">
-              <a:extLst>
-                <a:ext uri="{FF2B5EF4-FFF2-40B4-BE49-F238E27FC236}">
-                  <a16:creationId xmlns:a16="http://schemas.microsoft.com/office/drawing/2014/main" id="{CC13B003-29CC-403D-9E1F-406C56F26DC3}"/>
-                </a:ext>
-              </a:extLst>
-            </p:cNvPr>
-            <p:cNvPicPr>
-              <a:picLocks noChangeAspect="1"/>
-            </p:cNvPicPr>
-            <p:nvPr/>
-          </p:nvPicPr>
-          <p:blipFill rotWithShape="1">
-            <a:blip r:embed="rId16">
-              <a:extLst>
-                <a:ext uri="{28A0092B-C50C-407E-A947-70E740481C1C}">
-                  <a14:useLocalDpi xmlns:a14="http://schemas.microsoft.com/office/drawing/2010/main" val="0"/>
-                </a:ext>
-                <a:ext uri="{96DAC541-7B7A-43D3-8B79-37D633B846F1}">
-                  <asvg:svgBlip xmlns:asvg="http://schemas.microsoft.com/office/drawing/2016/SVG/main" r:embed="rId17"/>
-                </a:ext>
-              </a:extLst>
-            </a:blip>
-            <a:srcRect l="25695" t="28451" r="29411" b="52720"/>
-            <a:stretch/>
-          </p:blipFill>
-          <p:spPr>
-            <a:xfrm rot="16200000">
-              <a:off x="7742513" y="1978540"/>
-              <a:ext cx="1132507" cy="474975"/>
-            </a:xfrm>
-            <a:prstGeom prst="rect">
-              <a:avLst/>
-            </a:prstGeom>
-          </p:spPr>
-        </p:pic>
-        <p:pic>
-          <p:nvPicPr>
-            <p:cNvPr id="22" name="Stripe3">
-              <a:extLst>
-                <a:ext uri="{FF2B5EF4-FFF2-40B4-BE49-F238E27FC236}">
-                  <a16:creationId xmlns:a16="http://schemas.microsoft.com/office/drawing/2014/main" id="{DBEB6E58-4F5D-4B94-9777-98FC2613D9A1}"/>
-                </a:ext>
-              </a:extLst>
-            </p:cNvPr>
-            <p:cNvPicPr>
-              <a:picLocks noChangeAspect="1"/>
-            </p:cNvPicPr>
-            <p:nvPr/>
-          </p:nvPicPr>
-          <p:blipFill rotWithShape="1">
-            <a:blip r:embed="rId16">
-              <a:extLst>
-                <a:ext uri="{28A0092B-C50C-407E-A947-70E740481C1C}">
-                  <a14:useLocalDpi xmlns:a14="http://schemas.microsoft.com/office/drawing/2010/main" val="0"/>
-                </a:ext>
-                <a:ext uri="{96DAC541-7B7A-43D3-8B79-37D633B846F1}">
-                  <asvg:svgBlip xmlns:asvg="http://schemas.microsoft.com/office/drawing/2016/SVG/main" r:embed="rId17"/>
-                </a:ext>
-              </a:extLst>
-            </a:blip>
-            <a:srcRect l="25695" t="28451" r="29411" b="52720"/>
-            <a:stretch/>
-          </p:blipFill>
-          <p:spPr>
-            <a:xfrm rot="16200000">
-              <a:off x="8579814" y="1955869"/>
-              <a:ext cx="1132507" cy="474975"/>
-            </a:xfrm>
-            <a:prstGeom prst="rect">
-              <a:avLst/>
-            </a:prstGeom>
-          </p:spPr>
-        </p:pic>
-        <p:pic>
-          <p:nvPicPr>
-            <p:cNvPr id="24" name="Stripe2">
-              <a:extLst>
-                <a:ext uri="{FF2B5EF4-FFF2-40B4-BE49-F238E27FC236}">
-                  <a16:creationId xmlns:a16="http://schemas.microsoft.com/office/drawing/2014/main" id="{013894B1-B36B-4F0E-B2E1-9D268157312B}"/>
-                </a:ext>
-              </a:extLst>
-            </p:cNvPr>
-            <p:cNvPicPr>
-              <a:picLocks noChangeAspect="1"/>
-            </p:cNvPicPr>
-            <p:nvPr/>
-          </p:nvPicPr>
-          <p:blipFill rotWithShape="1">
-            <a:blip r:embed="rId16">
-              <a:extLst>
-                <a:ext uri="{28A0092B-C50C-407E-A947-70E740481C1C}">
-                  <a14:useLocalDpi xmlns:a14="http://schemas.microsoft.com/office/drawing/2010/main" val="0"/>
-                </a:ext>
-                <a:ext uri="{96DAC541-7B7A-43D3-8B79-37D633B846F1}">
-                  <asvg:svgBlip xmlns:asvg="http://schemas.microsoft.com/office/drawing/2016/SVG/main" r:embed="rId17"/>
-                </a:ext>
-              </a:extLst>
-            </a:blip>
-            <a:srcRect l="25695" t="28451" r="29411" b="52720"/>
-            <a:stretch/>
-          </p:blipFill>
-          <p:spPr>
-            <a:xfrm rot="16200000">
-              <a:off x="9043525" y="1948892"/>
-              <a:ext cx="1132507" cy="474975"/>
-            </a:xfrm>
-            <a:prstGeom prst="rect">
-              <a:avLst/>
-            </a:prstGeom>
-          </p:spPr>
-        </p:pic>
-        <p:pic>
-          <p:nvPicPr>
-            <p:cNvPr id="26" name="Stripe1">
-              <a:extLst>
-                <a:ext uri="{FF2B5EF4-FFF2-40B4-BE49-F238E27FC236}">
-                  <a16:creationId xmlns:a16="http://schemas.microsoft.com/office/drawing/2014/main" id="{7DDD1D7A-0304-4579-9A44-BEE686EBBCB1}"/>
-                </a:ext>
-              </a:extLst>
-            </p:cNvPr>
-            <p:cNvPicPr>
-              <a:picLocks noChangeAspect="1"/>
-            </p:cNvPicPr>
-            <p:nvPr/>
-          </p:nvPicPr>
-          <p:blipFill rotWithShape="1">
-            <a:blip r:embed="rId16">
-              <a:extLst>
-                <a:ext uri="{28A0092B-C50C-407E-A947-70E740481C1C}">
-                  <a14:useLocalDpi xmlns:a14="http://schemas.microsoft.com/office/drawing/2010/main" val="0"/>
-                </a:ext>
-                <a:ext uri="{96DAC541-7B7A-43D3-8B79-37D633B846F1}">
-                  <asvg:svgBlip xmlns:asvg="http://schemas.microsoft.com/office/drawing/2016/SVG/main" r:embed="rId17"/>
-                </a:ext>
-              </a:extLst>
-            </a:blip>
-            <a:srcRect l="25695" t="28451" r="29411" b="52720"/>
-            <a:stretch/>
-          </p:blipFill>
-          <p:spPr>
-            <a:xfrm rot="16200000">
-              <a:off x="6811623" y="2068286"/>
-              <a:ext cx="1290638" cy="236186"/>
-            </a:xfrm>
-            <a:prstGeom prst="rect">
-              <a:avLst/>
-            </a:prstGeom>
-          </p:spPr>
-        </p:pic>
+          </p:grpSpPr>
+          <p:pic>
+            <p:nvPicPr>
+              <p:cNvPr id="11" name="Graphic 10">
+                <a:extLst>
+                  <a:ext uri="{FF2B5EF4-FFF2-40B4-BE49-F238E27FC236}">
+                    <a16:creationId xmlns:a16="http://schemas.microsoft.com/office/drawing/2014/main" id="{783C9786-5E04-45B0-97BB-5C37BE5B1CE3}"/>
+                  </a:ext>
+                </a:extLst>
+              </p:cNvPr>
+              <p:cNvPicPr>
+                <a:picLocks noChangeAspect="1"/>
+              </p:cNvPicPr>
+              <p:nvPr/>
+            </p:nvPicPr>
+            <p:blipFill>
+              <a:blip r:embed="rId16">
+                <a:extLst>
+                  <a:ext uri="{28A0092B-C50C-407E-A947-70E740481C1C}">
+                    <a14:useLocalDpi xmlns:a14="http://schemas.microsoft.com/office/drawing/2010/main" val="0"/>
+                  </a:ext>
+                  <a:ext uri="{96DAC541-7B7A-43D3-8B79-37D633B846F1}">
+                    <asvg:svgBlip xmlns:asvg="http://schemas.microsoft.com/office/drawing/2016/SVG/main" r:embed="rId17"/>
+                  </a:ext>
+                </a:extLst>
+              </a:blip>
+              <a:stretch>
+                <a:fillRect/>
+              </a:stretch>
+            </p:blipFill>
+            <p:spPr>
+              <a:xfrm>
+                <a:off x="5761436" y="2419350"/>
+                <a:ext cx="3390900" cy="3390900"/>
+              </a:xfrm>
+              <a:prstGeom prst="rect">
+                <a:avLst/>
+              </a:prstGeom>
+            </p:spPr>
+          </p:pic>
+          <p:pic>
+            <p:nvPicPr>
+              <p:cNvPr id="20" name="Graphic 19">
+                <a:extLst>
+                  <a:ext uri="{FF2B5EF4-FFF2-40B4-BE49-F238E27FC236}">
+                    <a16:creationId xmlns:a16="http://schemas.microsoft.com/office/drawing/2014/main" id="{273C4669-E836-436E-AA7D-FCC2D3B96C0E}"/>
+                  </a:ext>
+                </a:extLst>
+              </p:cNvPr>
+              <p:cNvPicPr>
+                <a:picLocks noChangeAspect="1"/>
+              </p:cNvPicPr>
+              <p:nvPr/>
+            </p:nvPicPr>
+            <p:blipFill>
+              <a:blip r:embed="rId18">
+                <a:extLst>
+                  <a:ext uri="{28A0092B-C50C-407E-A947-70E740481C1C}">
+                    <a14:useLocalDpi xmlns:a14="http://schemas.microsoft.com/office/drawing/2010/main" val="0"/>
+                  </a:ext>
+                  <a:ext uri="{96DAC541-7B7A-43D3-8B79-37D633B846F1}">
+                    <asvg:svgBlip xmlns:asvg="http://schemas.microsoft.com/office/drawing/2016/SVG/main" r:embed="rId19"/>
+                  </a:ext>
+                </a:extLst>
+              </a:blip>
+              <a:stretch>
+                <a:fillRect/>
+              </a:stretch>
+            </p:blipFill>
+            <p:spPr>
+              <a:xfrm>
+                <a:off x="6380561" y="1757363"/>
+                <a:ext cx="2152650" cy="2152650"/>
+              </a:xfrm>
+              <a:prstGeom prst="rect">
+                <a:avLst/>
+              </a:prstGeom>
+            </p:spPr>
+          </p:pic>
+          <p:pic>
+            <p:nvPicPr>
+              <p:cNvPr id="22" name="Graphic 21">
+                <a:extLst>
+                  <a:ext uri="{FF2B5EF4-FFF2-40B4-BE49-F238E27FC236}">
+                    <a16:creationId xmlns:a16="http://schemas.microsoft.com/office/drawing/2014/main" id="{3D87B03C-E34D-410C-8DCA-621AAB6FC968}"/>
+                  </a:ext>
+                </a:extLst>
+              </p:cNvPr>
+              <p:cNvPicPr>
+                <a:picLocks noChangeAspect="1"/>
+              </p:cNvPicPr>
+              <p:nvPr/>
+            </p:nvPicPr>
+            <p:blipFill>
+              <a:blip r:embed="rId20">
+                <a:extLst>
+                  <a:ext uri="{28A0092B-C50C-407E-A947-70E740481C1C}">
+                    <a14:useLocalDpi xmlns:a14="http://schemas.microsoft.com/office/drawing/2010/main" val="0"/>
+                  </a:ext>
+                  <a:ext uri="{96DAC541-7B7A-43D3-8B79-37D633B846F1}">
+                    <asvg:svgBlip xmlns:asvg="http://schemas.microsoft.com/office/drawing/2016/SVG/main" r:embed="rId21"/>
+                  </a:ext>
+                </a:extLst>
+              </a:blip>
+              <a:stretch>
+                <a:fillRect/>
+              </a:stretch>
+            </p:blipFill>
+            <p:spPr>
+              <a:xfrm flipH="1">
+                <a:off x="6204499" y="1118606"/>
+                <a:ext cx="2578002" cy="2601488"/>
+              </a:xfrm>
+              <a:prstGeom prst="rect">
+                <a:avLst/>
+              </a:prstGeom>
+            </p:spPr>
+          </p:pic>
+        </p:grpSp>
       </p:grpSp>
-      <p:pic>
-        <p:nvPicPr>
-          <p:cNvPr id="8" name="Tree">
-            <a:extLst>
-              <a:ext uri="{FF2B5EF4-FFF2-40B4-BE49-F238E27FC236}">
-                <a16:creationId xmlns:a16="http://schemas.microsoft.com/office/drawing/2014/main" id="{BA8C8DDA-85BB-4693-8C82-D8ED30C64B34}"/>
-              </a:ext>
-            </a:extLst>
-          </p:cNvPr>
-          <p:cNvPicPr>
-            <a:picLocks noChangeAspect="1"/>
-          </p:cNvPicPr>
-          <p:nvPr/>
-        </p:nvPicPr>
-        <p:blipFill>
-          <a:blip r:embed="rId18">
-            <a:extLst>
-              <a:ext uri="{28A0092B-C50C-407E-A947-70E740481C1C}">
-                <a14:useLocalDpi xmlns:a14="http://schemas.microsoft.com/office/drawing/2010/main" val="0"/>
-              </a:ext>
-              <a:ext uri="{96DAC541-7B7A-43D3-8B79-37D633B846F1}">
-                <asvg:svgBlip xmlns:asvg="http://schemas.microsoft.com/office/drawing/2016/SVG/main" r:embed="rId19"/>
-              </a:ext>
-            </a:extLst>
-          </a:blip>
-          <a:stretch>
-            <a:fillRect/>
-          </a:stretch>
-        </p:blipFill>
-        <p:spPr>
-          <a:xfrm flipH="1">
-            <a:off x="2958551" y="-271001"/>
-            <a:ext cx="10866339" cy="7682879"/>
-          </a:xfrm>
-          <a:prstGeom prst="rect">
-            <a:avLst/>
-          </a:prstGeom>
-        </p:spPr>
-      </p:pic>
     </p:spTree>
     <p:extLst>
       <p:ext uri="{BB962C8B-B14F-4D97-AF65-F5344CB8AC3E}">
-        <p14:creationId xmlns:p14="http://schemas.microsoft.com/office/powerpoint/2010/main" val="1552272272"/>
+        <p14:creationId xmlns:p14="http://schemas.microsoft.com/office/powerpoint/2010/main" val="2119955807"/>
       </p:ext>
     </p:extLst>
   </p:cSld>
@@ -4276,7 +4164,7 @@
                             </p:stCondLst>
                             <p:childTnLst>
                               <p:par>
-                                <p:cTn id="5" presetID="2" presetClass="entr" presetSubtype="1" fill="hold" nodeType="withEffect">
+                                <p:cTn id="5" presetID="2" presetClass="entr" presetSubtype="8" fill="hold" nodeType="withEffect">
                                   <p:stCondLst>
                                     <p:cond delay="0"/>
                                   </p:stCondLst>
@@ -4289,7 +4177,7 @@
                                           </p:stCondLst>
                                         </p:cTn>
                                         <p:tgtEl>
-                                          <p:spTgt spid="17"/>
+                                          <p:spTgt spid="27"/>
                                         </p:tgtEl>
                                         <p:attrNameLst>
                                           <p:attrName>style.visibility</p:attrName>
@@ -4301,9 +4189,9 @@
                                     </p:set>
                                     <p:anim calcmode="lin" valueType="num">
                                       <p:cBhvr additive="base">
-                                        <p:cTn id="7" dur="1000" fill="hold"/>
-                                        <p:tgtEl>
-                                          <p:spTgt spid="17"/>
+                                        <p:cTn id="7" dur="500" fill="hold"/>
+                                        <p:tgtEl>
+                                          <p:spTgt spid="27"/>
                                         </p:tgtEl>
                                         <p:attrNameLst>
                                           <p:attrName>ppt_x</p:attrName>
@@ -4312,7 +4200,7 @@
                                       <p:tavLst>
                                         <p:tav tm="0">
                                           <p:val>
-                                            <p:strVal val="#ppt_x"/>
+                                            <p:strVal val="0-#ppt_w/2"/>
                                           </p:val>
                                         </p:tav>
                                         <p:tav tm="100000">
@@ -4324,9 +4212,9 @@
                                     </p:anim>
                                     <p:anim calcmode="lin" valueType="num">
                                       <p:cBhvr additive="base">
-                                        <p:cTn id="8" dur="1000" fill="hold"/>
-                                        <p:tgtEl>
-                                          <p:spTgt spid="17"/>
+                                        <p:cTn id="8" dur="500" fill="hold"/>
+                                        <p:tgtEl>
+                                          <p:spTgt spid="27"/>
                                         </p:tgtEl>
                                         <p:attrNameLst>
                                           <p:attrName>ppt_y</p:attrName>
@@ -4335,7 +4223,7 @@
                                       <p:tavLst>
                                         <p:tav tm="0">
                                           <p:val>
-                                            <p:strVal val="0-#ppt_h/2"/>
+                                            <p:strVal val="#ppt_y"/>
                                           </p:val>
                                         </p:tav>
                                         <p:tav tm="100000">
@@ -4362,7 +4250,7 @@
                                           </p:stCondLst>
                                         </p:cTn>
                                         <p:tgtEl>
-                                          <p:spTgt spid="21"/>
+                                          <p:spTgt spid="31"/>
                                         </p:tgtEl>
                                         <p:attrNameLst>
                                           <p:attrName>style.visibility</p:attrName>
@@ -4374,9 +4262,9 @@
                                     </p:set>
                                     <p:anim calcmode="lin" valueType="num">
                                       <p:cBhvr additive="base">
-                                        <p:cTn id="11" dur="1000" fill="hold"/>
-                                        <p:tgtEl>
-                                          <p:spTgt spid="21"/>
+                                        <p:cTn id="11" dur="500" fill="hold"/>
+                                        <p:tgtEl>
+                                          <p:spTgt spid="31"/>
                                         </p:tgtEl>
                                         <p:attrNameLst>
                                           <p:attrName>ppt_x</p:attrName>
@@ -4397,9 +4285,9 @@
                                     </p:anim>
                                     <p:anim calcmode="lin" valueType="num">
                                       <p:cBhvr additive="base">
-                                        <p:cTn id="12" dur="1000" fill="hold"/>
-                                        <p:tgtEl>
-                                          <p:spTgt spid="21"/>
+                                        <p:cTn id="12" dur="500" fill="hold"/>
+                                        <p:tgtEl>
+                                          <p:spTgt spid="31"/>
                                         </p:tgtEl>
                                         <p:attrNameLst>
                                           <p:attrName>ppt_y</p:attrName>
@@ -4422,7 +4310,7 @@
                                 </p:cTn>
                               </p:par>
                               <p:par>
-                                <p:cTn id="13" presetID="2" presetClass="entr" presetSubtype="4" fill="hold" nodeType="withEffect">
+                                <p:cTn id="13" presetID="2" presetClass="entr" presetSubtype="8" fill="hold" nodeType="withEffect">
                                   <p:stCondLst>
                                     <p:cond delay="0"/>
                                   </p:stCondLst>
@@ -4435,7 +4323,7 @@
                                           </p:stCondLst>
                                         </p:cTn>
                                         <p:tgtEl>
-                                          <p:spTgt spid="27"/>
+                                          <p:spTgt spid="34"/>
                                         </p:tgtEl>
                                         <p:attrNameLst>
                                           <p:attrName>style.visibility</p:attrName>
@@ -4447,9 +4335,9 @@
                                     </p:set>
                                     <p:anim calcmode="lin" valueType="num">
                                       <p:cBhvr additive="base">
-                                        <p:cTn id="15" dur="1000" fill="hold"/>
-                                        <p:tgtEl>
-                                          <p:spTgt spid="27"/>
+                                        <p:cTn id="15" dur="500" fill="hold"/>
+                                        <p:tgtEl>
+                                          <p:spTgt spid="34"/>
                                         </p:tgtEl>
                                         <p:attrNameLst>
                                           <p:attrName>ppt_x</p:attrName>
@@ -4458,7 +4346,7 @@
                                       <p:tavLst>
                                         <p:tav tm="0">
                                           <p:val>
-                                            <p:strVal val="#ppt_x"/>
+                                            <p:strVal val="0-#ppt_w/2"/>
                                           </p:val>
                                         </p:tav>
                                         <p:tav tm="100000">
@@ -4470,9 +4358,9 @@
                                     </p:anim>
                                     <p:anim calcmode="lin" valueType="num">
                                       <p:cBhvr additive="base">
-                                        <p:cTn id="16" dur="1000" fill="hold"/>
-                                        <p:tgtEl>
-                                          <p:spTgt spid="27"/>
+                                        <p:cTn id="16" dur="500" fill="hold"/>
+                                        <p:tgtEl>
+                                          <p:spTgt spid="34"/>
                                         </p:tgtEl>
                                         <p:attrNameLst>
                                           <p:attrName>ppt_y</p:attrName>
@@ -4481,7 +4369,7 @@
                                       <p:tavLst>
                                         <p:tav tm="0">
                                           <p:val>
-                                            <p:strVal val="1+#ppt_h/2"/>
+                                            <p:strVal val="#ppt_y"/>
                                           </p:val>
                                         </p:tav>
                                         <p:tav tm="100000">
@@ -4495,7 +4383,7 @@
                                 </p:cTn>
                               </p:par>
                               <p:par>
-                                <p:cTn id="17" presetID="32" presetClass="emph" presetSubtype="0" repeatCount="indefinite" fill="hold" nodeType="withEffect">
+                                <p:cTn id="17" presetID="6" presetClass="emph" presetSubtype="0" repeatCount="indefinite" autoRev="1" fill="hold" nodeType="withEffect">
                                   <p:stCondLst>
                                     <p:cond delay="0"/>
                                   </p:stCondLst>
@@ -4507,350 +4395,15 @@
                                     </p:cond>
                                   </p:endCondLst>
                                   <p:childTnLst>
-                                    <p:animRot by="120000">
+                                    <p:animScale>
                                       <p:cBhvr>
-                                        <p:cTn id="18" dur="200" fill="hold">
-                                          <p:stCondLst>
-                                            <p:cond delay="0"/>
-                                          </p:stCondLst>
-                                        </p:cTn>
-                                        <p:tgtEl>
-                                          <p:spTgt spid="21"/>
-                                        </p:tgtEl>
-                                        <p:attrNameLst>
-                                          <p:attrName>r</p:attrName>
-                                        </p:attrNameLst>
-                                      </p:cBhvr>
-                                    </p:animRot>
-                                    <p:animRot by="-240000">
-                                      <p:cBhvr>
-                                        <p:cTn id="19" dur="400" fill="hold">
-                                          <p:stCondLst>
-                                            <p:cond delay="400"/>
-                                          </p:stCondLst>
-                                        </p:cTn>
-                                        <p:tgtEl>
-                                          <p:spTgt spid="21"/>
-                                        </p:tgtEl>
-                                        <p:attrNameLst>
-                                          <p:attrName>r</p:attrName>
-                                        </p:attrNameLst>
-                                      </p:cBhvr>
-                                    </p:animRot>
-                                    <p:animRot by="240000">
-                                      <p:cBhvr>
-                                        <p:cTn id="20" dur="400" fill="hold">
-                                          <p:stCondLst>
-                                            <p:cond delay="800"/>
-                                          </p:stCondLst>
-                                        </p:cTn>
-                                        <p:tgtEl>
-                                          <p:spTgt spid="21"/>
-                                        </p:tgtEl>
-                                        <p:attrNameLst>
-                                          <p:attrName>r</p:attrName>
-                                        </p:attrNameLst>
-                                      </p:cBhvr>
-                                    </p:animRot>
-                                    <p:animRot by="-240000">
-                                      <p:cBhvr>
-                                        <p:cTn id="21" dur="400" fill="hold">
-                                          <p:stCondLst>
-                                            <p:cond delay="1200"/>
-                                          </p:stCondLst>
-                                        </p:cTn>
-                                        <p:tgtEl>
-                                          <p:spTgt spid="21"/>
-                                        </p:tgtEl>
-                                        <p:attrNameLst>
-                                          <p:attrName>r</p:attrName>
-                                        </p:attrNameLst>
-                                      </p:cBhvr>
-                                    </p:animRot>
-                                    <p:animRot by="120000">
-                                      <p:cBhvr>
-                                        <p:cTn id="22" dur="400" fill="hold">
-                                          <p:stCondLst>
-                                            <p:cond delay="1600"/>
-                                          </p:stCondLst>
-                                        </p:cTn>
-                                        <p:tgtEl>
-                                          <p:spTgt spid="21"/>
-                                        </p:tgtEl>
-                                        <p:attrNameLst>
-                                          <p:attrName>r</p:attrName>
-                                        </p:attrNameLst>
-                                      </p:cBhvr>
-                                    </p:animRot>
-                                  </p:childTnLst>
-                                </p:cTn>
-                              </p:par>
-                              <p:par>
-                                <p:cTn id="23" presetID="10" presetClass="entr" presetSubtype="0" fill="hold" nodeType="withEffect">
-                                  <p:stCondLst>
-                                    <p:cond delay="0"/>
-                                  </p:stCondLst>
-                                  <p:childTnLst>
-                                    <p:set>
-                                      <p:cBhvr>
-                                        <p:cTn id="24" dur="1" fill="hold">
-                                          <p:stCondLst>
-                                            <p:cond delay="0"/>
-                                          </p:stCondLst>
-                                        </p:cTn>
-                                        <p:tgtEl>
-                                          <p:spTgt spid="4"/>
-                                        </p:tgtEl>
-                                        <p:attrNameLst>
-                                          <p:attrName>style.visibility</p:attrName>
-                                        </p:attrNameLst>
-                                      </p:cBhvr>
-                                      <p:to>
-                                        <p:strVal val="visible"/>
-                                      </p:to>
-                                    </p:set>
-                                    <p:animEffect transition="in" filter="fade">
-                                      <p:cBhvr>
-                                        <p:cTn id="25" dur="500"/>
-                                        <p:tgtEl>
-                                          <p:spTgt spid="4"/>
-                                        </p:tgtEl>
-                                      </p:cBhvr>
-                                    </p:animEffect>
-                                  </p:childTnLst>
-                                </p:cTn>
-                              </p:par>
-                            </p:childTnLst>
-                          </p:cTn>
-                        </p:par>
-                        <p:par>
-                          <p:cTn id="26" fill="hold">
-                            <p:stCondLst>
-                              <p:cond delay="2000"/>
-                            </p:stCondLst>
-                            <p:childTnLst>
-                              <p:par>
-                                <p:cTn id="27" presetID="22" presetClass="entr" presetSubtype="4" fill="hold" nodeType="afterEffect">
-                                  <p:stCondLst>
-                                    <p:cond delay="0"/>
-                                  </p:stCondLst>
-                                  <p:childTnLst>
-                                    <p:set>
-                                      <p:cBhvr>
-                                        <p:cTn id="28" dur="1" fill="hold">
-                                          <p:stCondLst>
-                                            <p:cond delay="0"/>
-                                          </p:stCondLst>
-                                        </p:cTn>
-                                        <p:tgtEl>
-                                          <p:spTgt spid="10"/>
-                                        </p:tgtEl>
-                                        <p:attrNameLst>
-                                          <p:attrName>style.visibility</p:attrName>
-                                        </p:attrNameLst>
-                                      </p:cBhvr>
-                                      <p:to>
-                                        <p:strVal val="visible"/>
-                                      </p:to>
-                                    </p:set>
-                                    <p:animEffect transition="in" filter="wipe(down)">
-                                      <p:cBhvr>
-                                        <p:cTn id="29" dur="500"/>
-                                        <p:tgtEl>
-                                          <p:spTgt spid="10"/>
-                                        </p:tgtEl>
-                                      </p:cBhvr>
-                                    </p:animEffect>
-                                  </p:childTnLst>
-                                </p:cTn>
-                              </p:par>
-                            </p:childTnLst>
-                          </p:cTn>
-                        </p:par>
-                        <p:par>
-                          <p:cTn id="30" fill="hold">
-                            <p:stCondLst>
-                              <p:cond delay="2500"/>
-                            </p:stCondLst>
-                            <p:childTnLst>
-                              <p:par>
-                                <p:cTn id="31" presetID="47" presetClass="entr" presetSubtype="0" fill="hold" nodeType="afterEffect">
-                                  <p:stCondLst>
-                                    <p:cond delay="0"/>
-                                  </p:stCondLst>
-                                  <p:childTnLst>
-                                    <p:set>
-                                      <p:cBhvr>
-                                        <p:cTn id="32" dur="1" fill="hold">
-                                          <p:stCondLst>
-                                            <p:cond delay="0"/>
-                                          </p:stCondLst>
-                                        </p:cTn>
-                                        <p:tgtEl>
-                                          <p:spTgt spid="13"/>
-                                        </p:tgtEl>
-                                        <p:attrNameLst>
-                                          <p:attrName>style.visibility</p:attrName>
-                                        </p:attrNameLst>
-                                      </p:cBhvr>
-                                      <p:to>
-                                        <p:strVal val="visible"/>
-                                      </p:to>
-                                    </p:set>
-                                    <p:animEffect transition="in" filter="fade">
-                                      <p:cBhvr>
-                                        <p:cTn id="33" dur="1000"/>
-                                        <p:tgtEl>
-                                          <p:spTgt spid="13"/>
-                                        </p:tgtEl>
-                                      </p:cBhvr>
-                                    </p:animEffect>
-                                    <p:anim calcmode="lin" valueType="num">
-                                      <p:cBhvr>
-                                        <p:cTn id="34" dur="1000" fill="hold"/>
-                                        <p:tgtEl>
-                                          <p:spTgt spid="13"/>
-                                        </p:tgtEl>
-                                        <p:attrNameLst>
-                                          <p:attrName>ppt_x</p:attrName>
-                                        </p:attrNameLst>
-                                      </p:cBhvr>
-                                      <p:tavLst>
-                                        <p:tav tm="0">
-                                          <p:val>
-                                            <p:strVal val="#ppt_x"/>
-                                          </p:val>
-                                        </p:tav>
-                                        <p:tav tm="100000">
-                                          <p:val>
-                                            <p:strVal val="#ppt_x"/>
-                                          </p:val>
-                                        </p:tav>
-                                      </p:tavLst>
-                                    </p:anim>
-                                    <p:anim calcmode="lin" valueType="num">
-                                      <p:cBhvr>
-                                        <p:cTn id="35" dur="1000" fill="hold"/>
-                                        <p:tgtEl>
-                                          <p:spTgt spid="13"/>
-                                        </p:tgtEl>
-                                        <p:attrNameLst>
-                                          <p:attrName>ppt_y</p:attrName>
-                                        </p:attrNameLst>
-                                      </p:cBhvr>
-                                      <p:tavLst>
-                                        <p:tav tm="0">
-                                          <p:val>
-                                            <p:strVal val="#ppt_y-.1"/>
-                                          </p:val>
-                                        </p:tav>
-                                        <p:tav tm="100000">
-                                          <p:val>
-                                            <p:strVal val="#ppt_y"/>
-                                          </p:val>
-                                        </p:tav>
-                                      </p:tavLst>
-                                    </p:anim>
-                                  </p:childTnLst>
-                                </p:cTn>
-                              </p:par>
-                            </p:childTnLst>
-                          </p:cTn>
-                        </p:par>
-                        <p:par>
-                          <p:cTn id="36" fill="hold">
-                            <p:stCondLst>
-                              <p:cond delay="3500"/>
-                            </p:stCondLst>
-                            <p:childTnLst>
-                              <p:par>
-                                <p:cTn id="37" presetID="32" presetClass="emph" presetSubtype="0" repeatCount="indefinite" fill="hold" nodeType="afterEffect">
-                                  <p:stCondLst>
-                                    <p:cond delay="500"/>
-                                  </p:stCondLst>
-                                  <p:endCondLst>
-                                    <p:cond evt="onNext" delay="0">
-                                      <p:tgtEl>
-                                        <p:sldTgt/>
-                                      </p:tgtEl>
-                                    </p:cond>
-                                  </p:endCondLst>
-                                  <p:childTnLst>
-                                    <p:animRot by="120000">
-                                      <p:cBhvr>
-                                        <p:cTn id="38" dur="200" fill="hold">
-                                          <p:stCondLst>
-                                            <p:cond delay="0"/>
-                                          </p:stCondLst>
-                                        </p:cTn>
-                                        <p:tgtEl>
-                                          <p:spTgt spid="13"/>
-                                        </p:tgtEl>
-                                        <p:attrNameLst>
-                                          <p:attrName>r</p:attrName>
-                                        </p:attrNameLst>
-                                      </p:cBhvr>
-                                    </p:animRot>
-                                    <p:animRot by="-240000">
-                                      <p:cBhvr>
-                                        <p:cTn id="39" dur="400" fill="hold">
-                                          <p:stCondLst>
-                                            <p:cond delay="400"/>
-                                          </p:stCondLst>
-                                        </p:cTn>
-                                        <p:tgtEl>
-                                          <p:spTgt spid="13"/>
-                                        </p:tgtEl>
-                                        <p:attrNameLst>
-                                          <p:attrName>r</p:attrName>
-                                        </p:attrNameLst>
-                                      </p:cBhvr>
-                                    </p:animRot>
-                                    <p:animRot by="240000">
-                                      <p:cBhvr>
-                                        <p:cTn id="40" dur="400" fill="hold">
-                                          <p:stCondLst>
-                                            <p:cond delay="800"/>
-                                          </p:stCondLst>
-                                        </p:cTn>
-                                        <p:tgtEl>
-                                          <p:spTgt spid="13"/>
-                                        </p:tgtEl>
-                                        <p:attrNameLst>
-                                          <p:attrName>r</p:attrName>
-                                        </p:attrNameLst>
-                                      </p:cBhvr>
-                                    </p:animRot>
-                                    <p:animRot by="-240000">
-                                      <p:cBhvr>
-                                        <p:cTn id="41" dur="400" fill="hold">
-                                          <p:stCondLst>
-                                            <p:cond delay="1200"/>
-                                          </p:stCondLst>
-                                        </p:cTn>
-                                        <p:tgtEl>
-                                          <p:spTgt spid="13"/>
-                                        </p:tgtEl>
-                                        <p:attrNameLst>
-                                          <p:attrName>r</p:attrName>
-                                        </p:attrNameLst>
-                                      </p:cBhvr>
-                                    </p:animRot>
-                                    <p:animRot by="120000">
-                                      <p:cBhvr>
-                                        <p:cTn id="42" dur="400" fill="hold">
-                                          <p:stCondLst>
-                                            <p:cond delay="1600"/>
-                                          </p:stCondLst>
-                                        </p:cTn>
-                                        <p:tgtEl>
-                                          <p:spTgt spid="13"/>
-                                        </p:tgtEl>
-                                        <p:attrNameLst>
-                                          <p:attrName>r</p:attrName>
-                                        </p:attrNameLst>
-                                      </p:cBhvr>
-                                    </p:animRot>
+                                        <p:cTn id="18" dur="1000" fill="hold"/>
+                                        <p:tgtEl>
+                                          <p:spTgt spid="34"/>
+                                        </p:tgtEl>
+                                      </p:cBhvr>
+                                      <p:by x="105000" y="105000"/>
+                                    </p:animScale>
                                   </p:childTnLst>
                                 </p:cTn>
                               </p:par>
@@ -4885,7 +4438,7 @@
 </p:sld>
 </file>
 
-<file path=ppt/slides/slide10.xml><?xml version="1.0" encoding="utf-8"?>
+<file path=ppt/slides/slide11.xml><?xml version="1.0" encoding="utf-8"?>
 <p:sld xmlns:a="http://schemas.openxmlformats.org/drawingml/2006/main" xmlns:r="http://schemas.openxmlformats.org/officeDocument/2006/relationships" xmlns:p="http://schemas.openxmlformats.org/presentationml/2006/main">
   <p:cSld>
     <p:spTree>
@@ -5855,7 +5408,7 @@
 </p:sld>
 </file>
 
-<file path=ppt/slides/slide11.xml><?xml version="1.0" encoding="utf-8"?>
+<file path=ppt/slides/slide12.xml><?xml version="1.0" encoding="utf-8"?>
 <p:sld xmlns:a="http://schemas.openxmlformats.org/drawingml/2006/main" xmlns:r="http://schemas.openxmlformats.org/officeDocument/2006/relationships" xmlns:p="http://schemas.openxmlformats.org/presentationml/2006/main">
   <p:cSld>
     <p:spTree>
@@ -7415,7 +6968,7 @@
 </p:sld>
 </file>
 
-<file path=ppt/slides/slide12.xml><?xml version="1.0" encoding="utf-8"?>
+<file path=ppt/slides/slide13.xml><?xml version="1.0" encoding="utf-8"?>
 <p:sld xmlns:a="http://schemas.openxmlformats.org/drawingml/2006/main" xmlns:r="http://schemas.openxmlformats.org/officeDocument/2006/relationships" xmlns:p="http://schemas.openxmlformats.org/presentationml/2006/main">
   <p:cSld>
     <p:spTree>
@@ -7936,7 +7489,7 @@
 </p:sld>
 </file>
 
-<file path=ppt/slides/slide13.xml><?xml version="1.0" encoding="utf-8"?>
+<file path=ppt/slides/slide14.xml><?xml version="1.0" encoding="utf-8"?>
 <p:sld xmlns:a="http://schemas.openxmlformats.org/drawingml/2006/main" xmlns:r="http://schemas.openxmlformats.org/officeDocument/2006/relationships" xmlns:p="http://schemas.openxmlformats.org/presentationml/2006/main">
   <p:cSld>
     <p:spTree>
@@ -8437,7 +7990,7 @@
 </p:sld>
 </file>
 
-<file path=ppt/slides/slide14.xml><?xml version="1.0" encoding="utf-8"?>
+<file path=ppt/slides/slide15.xml><?xml version="1.0" encoding="utf-8"?>
 <p:sld xmlns:a="http://schemas.openxmlformats.org/drawingml/2006/main" xmlns:r="http://schemas.openxmlformats.org/officeDocument/2006/relationships" xmlns:p="http://schemas.openxmlformats.org/presentationml/2006/main">
   <p:cSld>
     <p:spTree>
@@ -9328,7 +8881,7 @@
 </p:sld>
 </file>
 
-<file path=ppt/slides/slide15.xml><?xml version="1.0" encoding="utf-8"?>
+<file path=ppt/slides/slide16.xml><?xml version="1.0" encoding="utf-8"?>
 <p:sld xmlns:a="http://schemas.openxmlformats.org/drawingml/2006/main" xmlns:r="http://schemas.openxmlformats.org/officeDocument/2006/relationships" xmlns:p="http://schemas.openxmlformats.org/presentationml/2006/main">
   <p:cSld>
     <p:spTree>
@@ -10254,7 +9807,7 @@
 </p:sld>
 </file>
 
-<file path=ppt/slides/slide16.xml><?xml version="1.0" encoding="utf-8"?>
+<file path=ppt/slides/slide17.xml><?xml version="1.0" encoding="utf-8"?>
 <p:sld xmlns:a="http://schemas.openxmlformats.org/drawingml/2006/main" xmlns:r="http://schemas.openxmlformats.org/officeDocument/2006/relationships" xmlns:p="http://schemas.openxmlformats.org/presentationml/2006/main">
   <p:cSld>
     <p:spTree>
@@ -11346,7 +10899,389 @@
 </p:sld>
 </file>
 
-<file path=ppt/slides/slide17.xml><?xml version="1.0" encoding="utf-8"?>
+<file path=ppt/slides/slide18.xml><?xml version="1.0" encoding="utf-8"?>
+<p:sld xmlns:a="http://schemas.openxmlformats.org/drawingml/2006/main" xmlns:r="http://schemas.openxmlformats.org/officeDocument/2006/relationships" xmlns:p="http://schemas.openxmlformats.org/presentationml/2006/main">
+  <p:cSld>
+    <p:spTree>
+      <p:nvGrpSpPr>
+        <p:cNvPr id="1" name=""/>
+        <p:cNvGrpSpPr/>
+        <p:nvPr/>
+      </p:nvGrpSpPr>
+      <p:grpSpPr>
+        <a:xfrm>
+          <a:off x="0" y="0"/>
+          <a:ext cx="0" cy="0"/>
+          <a:chOff x="0" y="0"/>
+          <a:chExt cx="0" cy="0"/>
+        </a:xfrm>
+      </p:grpSpPr>
+      <p:sp>
+        <p:nvSpPr>
+          <p:cNvPr id="4" name="Background">
+            <a:extLst>
+              <a:ext uri="{FF2B5EF4-FFF2-40B4-BE49-F238E27FC236}">
+                <a16:creationId xmlns:a16="http://schemas.microsoft.com/office/drawing/2014/main" id="{9B9763EB-0295-473F-9413-2DC172440F59}"/>
+              </a:ext>
+            </a:extLst>
+          </p:cNvPr>
+          <p:cNvSpPr/>
+          <p:nvPr/>
+        </p:nvSpPr>
+        <p:spPr>
+          <a:xfrm>
+            <a:off x="0" y="0"/>
+            <a:ext cx="12192000" cy="6858000"/>
+          </a:xfrm>
+          <a:prstGeom prst="rect">
+            <a:avLst/>
+          </a:prstGeom>
+          <a:solidFill>
+            <a:srgbClr val="5475B9"/>
+          </a:solidFill>
+          <a:ln>
+            <a:solidFill>
+              <a:srgbClr val="5475B9"/>
+            </a:solidFill>
+          </a:ln>
+        </p:spPr>
+        <p:style>
+          <a:lnRef idx="2">
+            <a:schemeClr val="accent1">
+              <a:shade val="50000"/>
+            </a:schemeClr>
+          </a:lnRef>
+          <a:fillRef idx="1">
+            <a:schemeClr val="accent1"/>
+          </a:fillRef>
+          <a:effectRef idx="0">
+            <a:schemeClr val="accent1"/>
+          </a:effectRef>
+          <a:fontRef idx="minor">
+            <a:schemeClr val="lt1"/>
+          </a:fontRef>
+        </p:style>
+        <p:txBody>
+          <a:bodyPr rtlCol="0" anchor="ctr"/>
+          <a:lstStyle/>
+          <a:p>
+            <a:pPr algn="ctr"/>
+            <a:endParaRPr lang="pt-PT"/>
+          </a:p>
+        </p:txBody>
+      </p:sp>
+      <p:grpSp>
+        <p:nvGrpSpPr>
+          <p:cNvPr id="35" name="Fat">
+            <a:extLst>
+              <a:ext uri="{FF2B5EF4-FFF2-40B4-BE49-F238E27FC236}">
+                <a16:creationId xmlns:a16="http://schemas.microsoft.com/office/drawing/2014/main" id="{CD497DCE-3BE1-42A3-9A6F-25EDF39F2069}"/>
+              </a:ext>
+            </a:extLst>
+          </p:cNvPr>
+          <p:cNvGrpSpPr/>
+          <p:nvPr/>
+        </p:nvGrpSpPr>
+        <p:grpSpPr>
+          <a:xfrm>
+            <a:off x="3308313" y="1804133"/>
+            <a:ext cx="5575373" cy="3609096"/>
+            <a:chOff x="4790963" y="2155824"/>
+            <a:chExt cx="5575373" cy="3609096"/>
+          </a:xfrm>
+          <a:effectLst>
+            <a:outerShdw blurRad="63500" sx="102000" sy="102000" algn="ctr" rotWithShape="0">
+              <a:prstClr val="black">
+                <a:alpha val="40000"/>
+              </a:prstClr>
+            </a:outerShdw>
+          </a:effectLst>
+        </p:grpSpPr>
+        <p:grpSp>
+          <p:nvGrpSpPr>
+            <p:cNvPr id="36" name="Sad person">
+              <a:extLst>
+                <a:ext uri="{FF2B5EF4-FFF2-40B4-BE49-F238E27FC236}">
+                  <a16:creationId xmlns:a16="http://schemas.microsoft.com/office/drawing/2014/main" id="{A61AD86A-0B61-49E6-99EC-F8331ED98FB8}"/>
+                </a:ext>
+              </a:extLst>
+            </p:cNvPr>
+            <p:cNvGrpSpPr/>
+            <p:nvPr/>
+          </p:nvGrpSpPr>
+          <p:grpSpPr>
+            <a:xfrm>
+              <a:off x="4790963" y="2155824"/>
+              <a:ext cx="5575373" cy="3052151"/>
+              <a:chOff x="2797107" y="2172433"/>
+              <a:chExt cx="5575373" cy="3052151"/>
+            </a:xfrm>
+          </p:grpSpPr>
+          <p:pic>
+            <p:nvPicPr>
+              <p:cNvPr id="38" name="Graphic 37">
+                <a:extLst>
+                  <a:ext uri="{FF2B5EF4-FFF2-40B4-BE49-F238E27FC236}">
+                    <a16:creationId xmlns:a16="http://schemas.microsoft.com/office/drawing/2014/main" id="{642A9689-2AB5-404F-AB01-77AAFB0669DA}"/>
+                  </a:ext>
+                </a:extLst>
+              </p:cNvPr>
+              <p:cNvPicPr>
+                <a:picLocks noChangeAspect="1"/>
+              </p:cNvPicPr>
+              <p:nvPr/>
+            </p:nvPicPr>
+            <p:blipFill>
+              <a:blip r:embed="rId2">
+                <a:extLst>
+                  <a:ext uri="{28A0092B-C50C-407E-A947-70E740481C1C}">
+                    <a14:useLocalDpi xmlns:a14="http://schemas.microsoft.com/office/drawing/2010/main" val="0"/>
+                  </a:ext>
+                  <a:ext uri="{96DAC541-7B7A-43D3-8B79-37D633B846F1}">
+                    <asvg:svgBlip xmlns:asvg="http://schemas.microsoft.com/office/drawing/2016/SVG/main" r:embed="rId3"/>
+                  </a:ext>
+                </a:extLst>
+              </a:blip>
+              <a:stretch>
+                <a:fillRect/>
+              </a:stretch>
+            </p:blipFill>
+            <p:spPr>
+              <a:xfrm flipV="1">
+                <a:off x="2797107" y="3011362"/>
+                <a:ext cx="5575373" cy="2213222"/>
+              </a:xfrm>
+              <a:prstGeom prst="rect">
+                <a:avLst/>
+              </a:prstGeom>
+            </p:spPr>
+          </p:pic>
+          <p:pic>
+            <p:nvPicPr>
+              <p:cNvPr id="39" name="Graphic 38">
+                <a:extLst>
+                  <a:ext uri="{FF2B5EF4-FFF2-40B4-BE49-F238E27FC236}">
+                    <a16:creationId xmlns:a16="http://schemas.microsoft.com/office/drawing/2014/main" id="{4379C689-221C-4C8D-948B-3FC9E7BC46C8}"/>
+                  </a:ext>
+                </a:extLst>
+              </p:cNvPr>
+              <p:cNvPicPr>
+                <a:picLocks noChangeAspect="1"/>
+              </p:cNvPicPr>
+              <p:nvPr/>
+            </p:nvPicPr>
+            <p:blipFill>
+              <a:blip r:embed="rId4">
+                <a:extLst>
+                  <a:ext uri="{28A0092B-C50C-407E-A947-70E740481C1C}">
+                    <a14:useLocalDpi xmlns:a14="http://schemas.microsoft.com/office/drawing/2010/main" val="0"/>
+                  </a:ext>
+                  <a:ext uri="{96DAC541-7B7A-43D3-8B79-37D633B846F1}">
+                    <asvg:svgBlip xmlns:asvg="http://schemas.microsoft.com/office/drawing/2016/SVG/main" r:embed="rId5"/>
+                  </a:ext>
+                </a:extLst>
+              </a:blip>
+              <a:stretch>
+                <a:fillRect/>
+              </a:stretch>
+            </p:blipFill>
+            <p:spPr>
+              <a:xfrm>
+                <a:off x="4724441" y="2172433"/>
+                <a:ext cx="1631216" cy="1631216"/>
+              </a:xfrm>
+              <a:prstGeom prst="rect">
+                <a:avLst/>
+              </a:prstGeom>
+            </p:spPr>
+          </p:pic>
+        </p:grpSp>
+        <p:pic>
+          <p:nvPicPr>
+            <p:cNvPr id="37" name="Graphic 36">
+              <a:extLst>
+                <a:ext uri="{FF2B5EF4-FFF2-40B4-BE49-F238E27FC236}">
+                  <a16:creationId xmlns:a16="http://schemas.microsoft.com/office/drawing/2014/main" id="{5F1C7289-04B0-40FF-AD3A-3852A7E32454}"/>
+                </a:ext>
+              </a:extLst>
+            </p:cNvPr>
+            <p:cNvPicPr>
+              <a:picLocks noChangeAspect="1"/>
+            </p:cNvPicPr>
+            <p:nvPr/>
+          </p:nvPicPr>
+          <p:blipFill>
+            <a:blip r:embed="rId6">
+              <a:extLst>
+                <a:ext uri="{28A0092B-C50C-407E-A947-70E740481C1C}">
+                  <a14:useLocalDpi xmlns:a14="http://schemas.microsoft.com/office/drawing/2010/main" val="0"/>
+                </a:ext>
+                <a:ext uri="{96DAC541-7B7A-43D3-8B79-37D633B846F1}">
+                  <asvg:svgBlip xmlns:asvg="http://schemas.microsoft.com/office/drawing/2016/SVG/main" r:embed="rId7"/>
+                </a:ext>
+              </a:extLst>
+            </a:blip>
+            <a:stretch>
+              <a:fillRect/>
+            </a:stretch>
+          </p:blipFill>
+          <p:spPr>
+            <a:xfrm>
+              <a:off x="6391883" y="3391386"/>
+              <a:ext cx="2373534" cy="2373534"/>
+            </a:xfrm>
+            <a:prstGeom prst="rect">
+              <a:avLst/>
+            </a:prstGeom>
+          </p:spPr>
+        </p:pic>
+      </p:grpSp>
+    </p:spTree>
+    <p:extLst>
+      <p:ext uri="{BB962C8B-B14F-4D97-AF65-F5344CB8AC3E}">
+        <p14:creationId xmlns:p14="http://schemas.microsoft.com/office/powerpoint/2010/main" val="201085003"/>
+      </p:ext>
+    </p:extLst>
+  </p:cSld>
+  <p:clrMapOvr>
+    <a:masterClrMapping/>
+  </p:clrMapOvr>
+  <mc:AlternateContent xmlns:mc="http://schemas.openxmlformats.org/markup-compatibility/2006" xmlns:p15="http://schemas.microsoft.com/office/powerpoint/2012/main">
+    <mc:Choice Requires="p15">
+      <p:transition xmlns:p14="http://schemas.microsoft.com/office/powerpoint/2010/main" spd="slow" p14:dur="1250">
+        <p15:prstTrans prst="peelOff"/>
+      </p:transition>
+    </mc:Choice>
+    <mc:Fallback xmlns="">
+      <p:transition spd="slow">
+        <p:fade/>
+      </p:transition>
+    </mc:Fallback>
+  </mc:AlternateContent>
+  <p:timing>
+    <p:tnLst>
+      <p:par>
+        <p:cTn id="1" dur="indefinite" restart="never" nodeType="tmRoot">
+          <p:childTnLst>
+            <p:seq concurrent="1" nextAc="seek">
+              <p:cTn id="2" dur="indefinite" nodeType="mainSeq">
+                <p:childTnLst>
+                  <p:par>
+                    <p:cTn id="3" fill="hold">
+                      <p:stCondLst>
+                        <p:cond delay="indefinite"/>
+                        <p:cond evt="onBegin" delay="0">
+                          <p:tn val="2"/>
+                        </p:cond>
+                      </p:stCondLst>
+                      <p:childTnLst>
+                        <p:par>
+                          <p:cTn id="4" fill="hold">
+                            <p:stCondLst>
+                              <p:cond delay="0"/>
+                            </p:stCondLst>
+                            <p:childTnLst>
+                              <p:par>
+                                <p:cTn id="5" presetID="10" presetClass="entr" presetSubtype="0" fill="hold" nodeType="afterEffect">
+                                  <p:stCondLst>
+                                    <p:cond delay="0"/>
+                                  </p:stCondLst>
+                                  <p:childTnLst>
+                                    <p:set>
+                                      <p:cBhvr>
+                                        <p:cTn id="6" dur="1" fill="hold">
+                                          <p:stCondLst>
+                                            <p:cond delay="0"/>
+                                          </p:stCondLst>
+                                        </p:cTn>
+                                        <p:tgtEl>
+                                          <p:spTgt spid="35"/>
+                                        </p:tgtEl>
+                                        <p:attrNameLst>
+                                          <p:attrName>style.visibility</p:attrName>
+                                        </p:attrNameLst>
+                                      </p:cBhvr>
+                                      <p:to>
+                                        <p:strVal val="visible"/>
+                                      </p:to>
+                                    </p:set>
+                                    <p:animEffect transition="in" filter="fade">
+                                      <p:cBhvr>
+                                        <p:cTn id="7" dur="500"/>
+                                        <p:tgtEl>
+                                          <p:spTgt spid="35"/>
+                                        </p:tgtEl>
+                                      </p:cBhvr>
+                                    </p:animEffect>
+                                  </p:childTnLst>
+                                </p:cTn>
+                              </p:par>
+                            </p:childTnLst>
+                          </p:cTn>
+                        </p:par>
+                        <p:par>
+                          <p:cTn id="8" fill="hold">
+                            <p:stCondLst>
+                              <p:cond delay="500"/>
+                            </p:stCondLst>
+                            <p:childTnLst>
+                              <p:par>
+                                <p:cTn id="9" presetID="6" presetClass="emph" presetSubtype="0" repeatCount="indefinite" autoRev="1" fill="hold" nodeType="afterEffect">
+                                  <p:stCondLst>
+                                    <p:cond delay="0"/>
+                                  </p:stCondLst>
+                                  <p:endCondLst>
+                                    <p:cond evt="onNext" delay="0">
+                                      <p:tgtEl>
+                                        <p:sldTgt/>
+                                      </p:tgtEl>
+                                    </p:cond>
+                                  </p:endCondLst>
+                                  <p:childTnLst>
+                                    <p:animScale>
+                                      <p:cBhvr>
+                                        <p:cTn id="10" dur="2000" fill="hold"/>
+                                        <p:tgtEl>
+                                          <p:spTgt spid="35"/>
+                                        </p:tgtEl>
+                                      </p:cBhvr>
+                                      <p:by x="150000" y="150000"/>
+                                    </p:animScale>
+                                  </p:childTnLst>
+                                </p:cTn>
+                              </p:par>
+                            </p:childTnLst>
+                          </p:cTn>
+                        </p:par>
+                      </p:childTnLst>
+                    </p:cTn>
+                  </p:par>
+                </p:childTnLst>
+              </p:cTn>
+              <p:prevCondLst>
+                <p:cond evt="onPrev" delay="0">
+                  <p:tgtEl>
+                    <p:sldTgt/>
+                  </p:tgtEl>
+                </p:cond>
+              </p:prevCondLst>
+              <p:nextCondLst>
+                <p:cond evt="onNext" delay="0">
+                  <p:tgtEl>
+                    <p:sldTgt/>
+                  </p:tgtEl>
+                </p:cond>
+              </p:nextCondLst>
+            </p:seq>
+          </p:childTnLst>
+        </p:cTn>
+      </p:par>
+    </p:tnLst>
+  </p:timing>
+</p:sld>
+</file>
+
+<file path=ppt/slides/slide19.xml><?xml version="1.0" encoding="utf-8"?>
 <p:sld xmlns:a="http://schemas.openxmlformats.org/drawingml/2006/main" xmlns:r="http://schemas.openxmlformats.org/officeDocument/2006/relationships" xmlns:p="http://schemas.openxmlformats.org/presentationml/2006/main">
   <p:cSld>
     <p:spTree>
@@ -12239,7 +12174,7 @@
 </p:sld>
 </file>
 
-<file path=ppt/slides/slide18.xml><?xml version="1.0" encoding="utf-8"?>
+<file path=ppt/slides/slide2.xml><?xml version="1.0" encoding="utf-8"?>
 <p:sld xmlns:a="http://schemas.openxmlformats.org/drawingml/2006/main" xmlns:r="http://schemas.openxmlformats.org/officeDocument/2006/relationships" xmlns:p="http://schemas.openxmlformats.org/presentationml/2006/main">
   <p:cSld>
     <p:spTree>
@@ -12258,10 +12193,10 @@
       </p:grpSpPr>
       <p:sp>
         <p:nvSpPr>
-          <p:cNvPr id="4" name="Background">
+          <p:cNvPr id="28" name="Ground">
             <a:extLst>
               <a:ext uri="{FF2B5EF4-FFF2-40B4-BE49-F238E27FC236}">
-                <a16:creationId xmlns:a16="http://schemas.microsoft.com/office/drawing/2014/main" id="{9B9763EB-0295-473F-9413-2DC172440F59}"/>
+                <a16:creationId xmlns:a16="http://schemas.microsoft.com/office/drawing/2014/main" id="{4B45E666-343E-4796-B93B-8AE48005A126}"/>
               </a:ext>
             </a:extLst>
           </p:cNvPr>
@@ -12270,20 +12205,15 @@
         </p:nvSpPr>
         <p:spPr>
           <a:xfrm>
-            <a:off x="0" y="0"/>
-            <a:ext cx="12192000" cy="6858000"/>
+            <a:off x="-349250" y="704850"/>
+            <a:ext cx="14655800" cy="6467289"/>
           </a:xfrm>
           <a:prstGeom prst="rect">
             <a:avLst/>
           </a:prstGeom>
           <a:solidFill>
-            <a:srgbClr val="5475B9"/>
+            <a:srgbClr val="A078A8"/>
           </a:solidFill>
-          <a:ln>
-            <a:solidFill>
-              <a:srgbClr val="5475B9"/>
-            </a:solidFill>
-          </a:ln>
         </p:spPr>
         <p:style>
           <a:lnRef idx="2">
@@ -12310,12 +12240,107 @@
           </a:p>
         </p:txBody>
       </p:sp>
+      <p:sp>
+        <p:nvSpPr>
+          <p:cNvPr id="29" name="Sky">
+            <a:extLst>
+              <a:ext uri="{FF2B5EF4-FFF2-40B4-BE49-F238E27FC236}">
+                <a16:creationId xmlns:a16="http://schemas.microsoft.com/office/drawing/2014/main" id="{F198B20F-BBF5-4724-A94A-B3F1120A5511}"/>
+              </a:ext>
+            </a:extLst>
+          </p:cNvPr>
+          <p:cNvSpPr/>
+          <p:nvPr/>
+        </p:nvSpPr>
+        <p:spPr>
+          <a:xfrm rot="21419124">
+            <a:off x="-629117" y="-435276"/>
+            <a:ext cx="15315880" cy="2081010"/>
+          </a:xfrm>
+          <a:prstGeom prst="rect">
+            <a:avLst/>
+          </a:prstGeom>
+          <a:solidFill>
+            <a:srgbClr val="002060"/>
+          </a:solidFill>
+        </p:spPr>
+        <p:style>
+          <a:lnRef idx="2">
+            <a:schemeClr val="accent1">
+              <a:shade val="50000"/>
+            </a:schemeClr>
+          </a:lnRef>
+          <a:fillRef idx="1">
+            <a:schemeClr val="accent1"/>
+          </a:fillRef>
+          <a:effectRef idx="0">
+            <a:schemeClr val="accent1"/>
+          </a:effectRef>
+          <a:fontRef idx="minor">
+            <a:schemeClr val="lt1"/>
+          </a:fontRef>
+        </p:style>
+        <p:txBody>
+          <a:bodyPr rtlCol="0" anchor="ctr"/>
+          <a:lstStyle/>
+          <a:p>
+            <a:pPr algn="ctr"/>
+            <a:endParaRPr lang="pt-PT"/>
+          </a:p>
+        </p:txBody>
+      </p:sp>
+      <p:pic>
+        <p:nvPicPr>
+          <p:cNvPr id="21" name="HairBack">
+            <a:extLst>
+              <a:ext uri="{FF2B5EF4-FFF2-40B4-BE49-F238E27FC236}">
+                <a16:creationId xmlns:a16="http://schemas.microsoft.com/office/drawing/2014/main" id="{2A15F6F4-ACCA-403D-86AD-F9D8C1BC1AF2}"/>
+              </a:ext>
+            </a:extLst>
+          </p:cNvPr>
+          <p:cNvPicPr>
+            <a:picLocks noChangeAspect="1"/>
+          </p:cNvPicPr>
+          <p:nvPr/>
+        </p:nvPicPr>
+        <p:blipFill>
+          <a:blip r:embed="rId2">
+            <a:extLst>
+              <a:ext uri="{28A0092B-C50C-407E-A947-70E740481C1C}">
+                <a14:useLocalDpi xmlns:a14="http://schemas.microsoft.com/office/drawing/2010/main" val="0"/>
+              </a:ext>
+              <a:ext uri="{96DAC541-7B7A-43D3-8B79-37D633B846F1}">
+                <asvg:svgBlip xmlns:asvg="http://schemas.microsoft.com/office/drawing/2016/SVG/main" r:embed="rId3"/>
+              </a:ext>
+            </a:extLst>
+          </a:blip>
+          <a:stretch>
+            <a:fillRect/>
+          </a:stretch>
+        </p:blipFill>
+        <p:spPr>
+          <a:xfrm>
+            <a:off x="396240" y="1500677"/>
+            <a:ext cx="2819400" cy="3301629"/>
+          </a:xfrm>
+          <a:prstGeom prst="rect">
+            <a:avLst/>
+          </a:prstGeom>
+          <a:effectLst>
+            <a:outerShdw blurRad="63500" sx="102000" sy="102000" algn="ctr" rotWithShape="0">
+              <a:prstClr val="black">
+                <a:alpha val="40000"/>
+              </a:prstClr>
+            </a:outerShdw>
+          </a:effectLst>
+        </p:spPr>
+      </p:pic>
       <p:grpSp>
         <p:nvGrpSpPr>
-          <p:cNvPr id="35" name="Fat">
+          <p:cNvPr id="27" name="Body">
             <a:extLst>
               <a:ext uri="{FF2B5EF4-FFF2-40B4-BE49-F238E27FC236}">
-                <a16:creationId xmlns:a16="http://schemas.microsoft.com/office/drawing/2014/main" id="{CD497DCE-3BE1-42A3-9A6F-25EDF39F2069}"/>
+                <a16:creationId xmlns:a16="http://schemas.microsoft.com/office/drawing/2014/main" id="{27C29D04-ED9B-4782-B37C-BAAA6FB6D6CA}"/>
               </a:ext>
             </a:extLst>
           </p:cNvPr>
@@ -12324,124 +12349,64 @@
         </p:nvGrpSpPr>
         <p:grpSpPr>
           <a:xfrm>
-            <a:off x="3308313" y="1804133"/>
-            <a:ext cx="5575373" cy="3609096"/>
-            <a:chOff x="4790963" y="2155824"/>
-            <a:chExt cx="5575373" cy="3609096"/>
+            <a:off x="-1391266" y="1649774"/>
+            <a:ext cx="6567207" cy="4920636"/>
+            <a:chOff x="-834275" y="2216706"/>
+            <a:chExt cx="6567207" cy="4920636"/>
           </a:xfrm>
-          <a:effectLst>
-            <a:outerShdw blurRad="63500" sx="102000" sy="102000" algn="ctr" rotWithShape="0">
-              <a:prstClr val="black">
-                <a:alpha val="40000"/>
-              </a:prstClr>
-            </a:outerShdw>
-          </a:effectLst>
         </p:grpSpPr>
-        <p:grpSp>
-          <p:nvGrpSpPr>
-            <p:cNvPr id="36" name="Sad person">
+        <p:pic>
+          <p:nvPicPr>
+            <p:cNvPr id="23" name="BodyBack">
               <a:extLst>
                 <a:ext uri="{FF2B5EF4-FFF2-40B4-BE49-F238E27FC236}">
-                  <a16:creationId xmlns:a16="http://schemas.microsoft.com/office/drawing/2014/main" id="{A61AD86A-0B61-49E6-99EC-F8331ED98FB8}"/>
+                  <a16:creationId xmlns:a16="http://schemas.microsoft.com/office/drawing/2014/main" id="{E8AE166F-A39D-4A75-A59D-162F043650D6}"/>
                 </a:ext>
               </a:extLst>
             </p:cNvPr>
-            <p:cNvGrpSpPr/>
+            <p:cNvPicPr>
+              <a:picLocks noChangeAspect="1"/>
+            </p:cNvPicPr>
             <p:nvPr/>
-          </p:nvGrpSpPr>
-          <p:grpSpPr>
-            <a:xfrm>
-              <a:off x="4790963" y="2155824"/>
-              <a:ext cx="5575373" cy="3052151"/>
-              <a:chOff x="2797107" y="2172433"/>
-              <a:chExt cx="5575373" cy="3052151"/>
+          </p:nvPicPr>
+          <p:blipFill>
+            <a:blip r:embed="rId4">
+              <a:extLst>
+                <a:ext uri="{28A0092B-C50C-407E-A947-70E740481C1C}">
+                  <a14:useLocalDpi xmlns:a14="http://schemas.microsoft.com/office/drawing/2010/main" val="0"/>
+                </a:ext>
+                <a:ext uri="{96DAC541-7B7A-43D3-8B79-37D633B846F1}">
+                  <asvg:svgBlip xmlns:asvg="http://schemas.microsoft.com/office/drawing/2016/SVG/main" r:embed="rId5"/>
+                </a:ext>
+              </a:extLst>
+            </a:blip>
+            <a:stretch>
+              <a:fillRect/>
+            </a:stretch>
+          </p:blipFill>
+          <p:spPr>
+            <a:xfrm flipH="1">
+              <a:off x="-618296" y="2753312"/>
+              <a:ext cx="6135250" cy="4217759"/>
             </a:xfrm>
-          </p:grpSpPr>
-          <p:pic>
-            <p:nvPicPr>
-              <p:cNvPr id="38" name="Graphic 37">
-                <a:extLst>
-                  <a:ext uri="{FF2B5EF4-FFF2-40B4-BE49-F238E27FC236}">
-                    <a16:creationId xmlns:a16="http://schemas.microsoft.com/office/drawing/2014/main" id="{642A9689-2AB5-404F-AB01-77AAFB0669DA}"/>
-                  </a:ext>
-                </a:extLst>
-              </p:cNvPr>
-              <p:cNvPicPr>
-                <a:picLocks noChangeAspect="1"/>
-              </p:cNvPicPr>
-              <p:nvPr/>
-            </p:nvPicPr>
-            <p:blipFill>
-              <a:blip r:embed="rId2">
-                <a:extLst>
-                  <a:ext uri="{28A0092B-C50C-407E-A947-70E740481C1C}">
-                    <a14:useLocalDpi xmlns:a14="http://schemas.microsoft.com/office/drawing/2010/main" val="0"/>
-                  </a:ext>
-                  <a:ext uri="{96DAC541-7B7A-43D3-8B79-37D633B846F1}">
-                    <asvg:svgBlip xmlns:asvg="http://schemas.microsoft.com/office/drawing/2016/SVG/main" r:embed="rId3"/>
-                  </a:ext>
-                </a:extLst>
-              </a:blip>
-              <a:stretch>
-                <a:fillRect/>
-              </a:stretch>
-            </p:blipFill>
-            <p:spPr>
-              <a:xfrm flipV="1">
-                <a:off x="2797107" y="3011362"/>
-                <a:ext cx="5575373" cy="2213222"/>
-              </a:xfrm>
-              <a:prstGeom prst="rect">
-                <a:avLst/>
-              </a:prstGeom>
-            </p:spPr>
-          </p:pic>
-          <p:pic>
-            <p:nvPicPr>
-              <p:cNvPr id="39" name="Graphic 38">
-                <a:extLst>
-                  <a:ext uri="{FF2B5EF4-FFF2-40B4-BE49-F238E27FC236}">
-                    <a16:creationId xmlns:a16="http://schemas.microsoft.com/office/drawing/2014/main" id="{4379C689-221C-4C8D-948B-3FC9E7BC46C8}"/>
-                  </a:ext>
-                </a:extLst>
-              </p:cNvPr>
-              <p:cNvPicPr>
-                <a:picLocks noChangeAspect="1"/>
-              </p:cNvPicPr>
-              <p:nvPr/>
-            </p:nvPicPr>
-            <p:blipFill>
-              <a:blip r:embed="rId4">
-                <a:extLst>
-                  <a:ext uri="{28A0092B-C50C-407E-A947-70E740481C1C}">
-                    <a14:useLocalDpi xmlns:a14="http://schemas.microsoft.com/office/drawing/2010/main" val="0"/>
-                  </a:ext>
-                  <a:ext uri="{96DAC541-7B7A-43D3-8B79-37D633B846F1}">
-                    <asvg:svgBlip xmlns:asvg="http://schemas.microsoft.com/office/drawing/2016/SVG/main" r:embed="rId5"/>
-                  </a:ext>
-                </a:extLst>
-              </a:blip>
-              <a:stretch>
-                <a:fillRect/>
-              </a:stretch>
-            </p:blipFill>
-            <p:spPr>
-              <a:xfrm>
-                <a:off x="4724441" y="2172433"/>
-                <a:ext cx="1631216" cy="1631216"/>
-              </a:xfrm>
-              <a:prstGeom prst="rect">
-                <a:avLst/>
-              </a:prstGeom>
-            </p:spPr>
-          </p:pic>
-        </p:grpSp>
+            <a:prstGeom prst="rect">
+              <a:avLst/>
+            </a:prstGeom>
+            <a:effectLst>
+              <a:outerShdw blurRad="63500" sx="102000" sy="102000" algn="ctr" rotWithShape="0">
+                <a:prstClr val="black">
+                  <a:alpha val="40000"/>
+                </a:prstClr>
+              </a:outerShdw>
+            </a:effectLst>
+          </p:spPr>
+        </p:pic>
         <p:pic>
           <p:nvPicPr>
-            <p:cNvPr id="37" name="Graphic 36">
+            <p:cNvPr id="25" name="BodyFront">
               <a:extLst>
                 <a:ext uri="{FF2B5EF4-FFF2-40B4-BE49-F238E27FC236}">
-                  <a16:creationId xmlns:a16="http://schemas.microsoft.com/office/drawing/2014/main" id="{5F1C7289-04B0-40FF-AD3A-3852A7E32454}"/>
+                  <a16:creationId xmlns:a16="http://schemas.microsoft.com/office/drawing/2014/main" id="{4E6A676A-1BBC-43E4-BA66-5A1A1A4D3196}"/>
                 </a:ext>
               </a:extLst>
             </p:cNvPr>
@@ -12467,8 +12432,427 @@
           </p:blipFill>
           <p:spPr>
             <a:xfrm>
-              <a:off x="6391883" y="3391386"/>
-              <a:ext cx="2373534" cy="2373534"/>
+              <a:off x="-834275" y="2753312"/>
+              <a:ext cx="6567207" cy="4384030"/>
+            </a:xfrm>
+            <a:prstGeom prst="rect">
+              <a:avLst/>
+            </a:prstGeom>
+          </p:spPr>
+        </p:pic>
+        <p:pic>
+          <p:nvPicPr>
+            <p:cNvPr id="19" name="Face">
+              <a:extLst>
+                <a:ext uri="{FF2B5EF4-FFF2-40B4-BE49-F238E27FC236}">
+                  <a16:creationId xmlns:a16="http://schemas.microsoft.com/office/drawing/2014/main" id="{773EF3D4-0222-440C-99D0-235EBC2D09FA}"/>
+                </a:ext>
+              </a:extLst>
+            </p:cNvPr>
+            <p:cNvPicPr>
+              <a:picLocks noChangeAspect="1"/>
+            </p:cNvPicPr>
+            <p:nvPr/>
+          </p:nvPicPr>
+          <p:blipFill>
+            <a:blip r:embed="rId8">
+              <a:extLst>
+                <a:ext uri="{28A0092B-C50C-407E-A947-70E740481C1C}">
+                  <a14:useLocalDpi xmlns:a14="http://schemas.microsoft.com/office/drawing/2010/main" val="0"/>
+                </a:ext>
+                <a:ext uri="{96DAC541-7B7A-43D3-8B79-37D633B846F1}">
+                  <asvg:svgBlip xmlns:asvg="http://schemas.microsoft.com/office/drawing/2016/SVG/main" r:embed="rId9"/>
+                </a:ext>
+              </a:extLst>
+            </a:blip>
+            <a:stretch>
+              <a:fillRect/>
+            </a:stretch>
+          </p:blipFill>
+          <p:spPr>
+            <a:xfrm>
+              <a:off x="1301669" y="2216706"/>
+              <a:ext cx="2295320" cy="2295320"/>
+            </a:xfrm>
+            <a:prstGeom prst="rect">
+              <a:avLst/>
+            </a:prstGeom>
+            <a:effectLst>
+              <a:outerShdw blurRad="63500" sx="102000" sy="102000" algn="ctr" rotWithShape="0">
+                <a:prstClr val="black">
+                  <a:alpha val="40000"/>
+                </a:prstClr>
+              </a:outerShdw>
+            </a:effectLst>
+          </p:spPr>
+        </p:pic>
+      </p:grpSp>
+      <p:pic>
+        <p:nvPicPr>
+          <p:cNvPr id="17" name="FrontHair">
+            <a:extLst>
+              <a:ext uri="{FF2B5EF4-FFF2-40B4-BE49-F238E27FC236}">
+                <a16:creationId xmlns:a16="http://schemas.microsoft.com/office/drawing/2014/main" id="{7B7D30FA-3DEF-4ED3-A388-552E0236842F}"/>
+              </a:ext>
+            </a:extLst>
+          </p:cNvPr>
+          <p:cNvPicPr>
+            <a:picLocks noChangeAspect="1"/>
+          </p:cNvPicPr>
+          <p:nvPr/>
+        </p:nvPicPr>
+        <p:blipFill>
+          <a:blip r:embed="rId10">
+            <a:extLst>
+              <a:ext uri="{28A0092B-C50C-407E-A947-70E740481C1C}">
+                <a14:useLocalDpi xmlns:a14="http://schemas.microsoft.com/office/drawing/2010/main" val="0"/>
+              </a:ext>
+              <a:ext uri="{96DAC541-7B7A-43D3-8B79-37D633B846F1}">
+                <asvg:svgBlip xmlns:asvg="http://schemas.microsoft.com/office/drawing/2016/SVG/main" r:embed="rId11"/>
+              </a:ext>
+            </a:extLst>
+          </a:blip>
+          <a:stretch>
+            <a:fillRect/>
+          </a:stretch>
+        </p:blipFill>
+        <p:spPr>
+          <a:xfrm>
+            <a:off x="826125" y="1120167"/>
+            <a:ext cx="2132426" cy="2132426"/>
+          </a:xfrm>
+          <a:prstGeom prst="rect">
+            <a:avLst/>
+          </a:prstGeom>
+          <a:effectLst>
+            <a:outerShdw blurRad="50800" dist="38100" dir="5400000" algn="t" rotWithShape="0">
+              <a:prstClr val="black">
+                <a:alpha val="40000"/>
+              </a:prstClr>
+            </a:outerShdw>
+          </a:effectLst>
+        </p:spPr>
+      </p:pic>
+      <p:pic>
+        <p:nvPicPr>
+          <p:cNvPr id="13" name="CatHead">
+            <a:extLst>
+              <a:ext uri="{FF2B5EF4-FFF2-40B4-BE49-F238E27FC236}">
+                <a16:creationId xmlns:a16="http://schemas.microsoft.com/office/drawing/2014/main" id="{2A050B60-C6B4-48C8-B06F-906846FDF354}"/>
+              </a:ext>
+            </a:extLst>
+          </p:cNvPr>
+          <p:cNvPicPr>
+            <a:picLocks noChangeAspect="1"/>
+          </p:cNvPicPr>
+          <p:nvPr/>
+        </p:nvPicPr>
+        <p:blipFill>
+          <a:blip r:embed="rId12">
+            <a:extLst>
+              <a:ext uri="{28A0092B-C50C-407E-A947-70E740481C1C}">
+                <a14:useLocalDpi xmlns:a14="http://schemas.microsoft.com/office/drawing/2010/main" val="0"/>
+              </a:ext>
+              <a:ext uri="{96DAC541-7B7A-43D3-8B79-37D633B846F1}">
+                <asvg:svgBlip xmlns:asvg="http://schemas.microsoft.com/office/drawing/2016/SVG/main" r:embed="rId13"/>
+              </a:ext>
+            </a:extLst>
+          </a:blip>
+          <a:stretch>
+            <a:fillRect/>
+          </a:stretch>
+        </p:blipFill>
+        <p:spPr>
+          <a:xfrm>
+            <a:off x="5644549" y="662912"/>
+            <a:ext cx="2563920" cy="2563920"/>
+          </a:xfrm>
+          <a:prstGeom prst="rect">
+            <a:avLst/>
+          </a:prstGeom>
+        </p:spPr>
+      </p:pic>
+      <p:pic>
+        <p:nvPicPr>
+          <p:cNvPr id="4" name="CatBody">
+            <a:extLst>
+              <a:ext uri="{FF2B5EF4-FFF2-40B4-BE49-F238E27FC236}">
+                <a16:creationId xmlns:a16="http://schemas.microsoft.com/office/drawing/2014/main" id="{9570227D-78ED-46D5-BBD6-70EFA8A90241}"/>
+              </a:ext>
+            </a:extLst>
+          </p:cNvPr>
+          <p:cNvPicPr>
+            <a:picLocks noChangeAspect="1"/>
+          </p:cNvPicPr>
+          <p:nvPr/>
+        </p:nvPicPr>
+        <p:blipFill>
+          <a:blip r:embed="rId14">
+            <a:extLst>
+              <a:ext uri="{28A0092B-C50C-407E-A947-70E740481C1C}">
+                <a14:useLocalDpi xmlns:a14="http://schemas.microsoft.com/office/drawing/2010/main" val="0"/>
+              </a:ext>
+              <a:ext uri="{96DAC541-7B7A-43D3-8B79-37D633B846F1}">
+                <asvg:svgBlip xmlns:asvg="http://schemas.microsoft.com/office/drawing/2016/SVG/main" r:embed="rId15"/>
+              </a:ext>
+            </a:extLst>
+          </a:blip>
+          <a:stretch>
+            <a:fillRect/>
+          </a:stretch>
+        </p:blipFill>
+        <p:spPr>
+          <a:xfrm rot="5400000">
+            <a:off x="6506108" y="43255"/>
+            <a:ext cx="4286250" cy="4286250"/>
+          </a:xfrm>
+          <a:prstGeom prst="rect">
+            <a:avLst/>
+          </a:prstGeom>
+        </p:spPr>
+      </p:pic>
+      <p:grpSp>
+        <p:nvGrpSpPr>
+          <p:cNvPr id="10" name="Stripe">
+            <a:extLst>
+              <a:ext uri="{FF2B5EF4-FFF2-40B4-BE49-F238E27FC236}">
+                <a16:creationId xmlns:a16="http://schemas.microsoft.com/office/drawing/2014/main" id="{A8B5EDF1-1807-4727-AAC2-35A19B5AFB80}"/>
+              </a:ext>
+            </a:extLst>
+          </p:cNvPr>
+          <p:cNvGrpSpPr/>
+          <p:nvPr/>
+        </p:nvGrpSpPr>
+        <p:grpSpPr>
+          <a:xfrm>
+            <a:off x="7338849" y="1493699"/>
+            <a:ext cx="2508417" cy="1385360"/>
+            <a:chOff x="7338849" y="1493699"/>
+            <a:chExt cx="2508417" cy="1385360"/>
+          </a:xfrm>
+        </p:grpSpPr>
+        <p:pic>
+          <p:nvPicPr>
+            <p:cNvPr id="9" name="Stripe6">
+              <a:extLst>
+                <a:ext uri="{FF2B5EF4-FFF2-40B4-BE49-F238E27FC236}">
+                  <a16:creationId xmlns:a16="http://schemas.microsoft.com/office/drawing/2014/main" id="{2521DDD3-64A9-4351-8AF7-CF2858FFE68F}"/>
+                </a:ext>
+              </a:extLst>
+            </p:cNvPr>
+            <p:cNvPicPr>
+              <a:picLocks noChangeAspect="1"/>
+            </p:cNvPicPr>
+            <p:nvPr/>
+          </p:nvPicPr>
+          <p:blipFill rotWithShape="1">
+            <a:blip r:embed="rId16">
+              <a:extLst>
+                <a:ext uri="{28A0092B-C50C-407E-A947-70E740481C1C}">
+                  <a14:useLocalDpi xmlns:a14="http://schemas.microsoft.com/office/drawing/2010/main" val="0"/>
+                </a:ext>
+                <a:ext uri="{96DAC541-7B7A-43D3-8B79-37D633B846F1}">
+                  <asvg:svgBlip xmlns:asvg="http://schemas.microsoft.com/office/drawing/2016/SVG/main" r:embed="rId17"/>
+                </a:ext>
+              </a:extLst>
+            </a:blip>
+            <a:srcRect l="25695" t="28451" r="29411" b="52720"/>
+            <a:stretch/>
+          </p:blipFill>
+          <p:spPr>
+            <a:xfrm rot="16200000">
+              <a:off x="7188948" y="1895868"/>
+              <a:ext cx="1385360" cy="581022"/>
+            </a:xfrm>
+            <a:prstGeom prst="rect">
+              <a:avLst/>
+            </a:prstGeom>
+          </p:spPr>
+        </p:pic>
+        <p:pic>
+          <p:nvPicPr>
+            <p:cNvPr id="18" name="Stripe5">
+              <a:extLst>
+                <a:ext uri="{FF2B5EF4-FFF2-40B4-BE49-F238E27FC236}">
+                  <a16:creationId xmlns:a16="http://schemas.microsoft.com/office/drawing/2014/main" id="{B997254A-36D7-4F48-B803-A3D3FF588958}"/>
+                </a:ext>
+              </a:extLst>
+            </p:cNvPr>
+            <p:cNvPicPr>
+              <a:picLocks noChangeAspect="1"/>
+            </p:cNvPicPr>
+            <p:nvPr/>
+          </p:nvPicPr>
+          <p:blipFill rotWithShape="1">
+            <a:blip r:embed="rId16">
+              <a:extLst>
+                <a:ext uri="{28A0092B-C50C-407E-A947-70E740481C1C}">
+                  <a14:useLocalDpi xmlns:a14="http://schemas.microsoft.com/office/drawing/2010/main" val="0"/>
+                </a:ext>
+                <a:ext uri="{96DAC541-7B7A-43D3-8B79-37D633B846F1}">
+                  <asvg:svgBlip xmlns:asvg="http://schemas.microsoft.com/office/drawing/2016/SVG/main" r:embed="rId17"/>
+                </a:ext>
+              </a:extLst>
+            </a:blip>
+            <a:srcRect l="25695" t="28451" r="29411" b="52720"/>
+            <a:stretch/>
+          </p:blipFill>
+          <p:spPr>
+            <a:xfrm rot="16200000">
+              <a:off x="8082979" y="1993693"/>
+              <a:ext cx="1132507" cy="474975"/>
+            </a:xfrm>
+            <a:prstGeom prst="rect">
+              <a:avLst/>
+            </a:prstGeom>
+          </p:spPr>
+        </p:pic>
+        <p:pic>
+          <p:nvPicPr>
+            <p:cNvPr id="20" name="Stripe4">
+              <a:extLst>
+                <a:ext uri="{FF2B5EF4-FFF2-40B4-BE49-F238E27FC236}">
+                  <a16:creationId xmlns:a16="http://schemas.microsoft.com/office/drawing/2014/main" id="{CC13B003-29CC-403D-9E1F-406C56F26DC3}"/>
+                </a:ext>
+              </a:extLst>
+            </p:cNvPr>
+            <p:cNvPicPr>
+              <a:picLocks noChangeAspect="1"/>
+            </p:cNvPicPr>
+            <p:nvPr/>
+          </p:nvPicPr>
+          <p:blipFill rotWithShape="1">
+            <a:blip r:embed="rId16">
+              <a:extLst>
+                <a:ext uri="{28A0092B-C50C-407E-A947-70E740481C1C}">
+                  <a14:useLocalDpi xmlns:a14="http://schemas.microsoft.com/office/drawing/2010/main" val="0"/>
+                </a:ext>
+                <a:ext uri="{96DAC541-7B7A-43D3-8B79-37D633B846F1}">
+                  <asvg:svgBlip xmlns:asvg="http://schemas.microsoft.com/office/drawing/2016/SVG/main" r:embed="rId17"/>
+                </a:ext>
+              </a:extLst>
+            </a:blip>
+            <a:srcRect l="25695" t="28451" r="29411" b="52720"/>
+            <a:stretch/>
+          </p:blipFill>
+          <p:spPr>
+            <a:xfrm rot="16200000">
+              <a:off x="7742513" y="1978540"/>
+              <a:ext cx="1132507" cy="474975"/>
+            </a:xfrm>
+            <a:prstGeom prst="rect">
+              <a:avLst/>
+            </a:prstGeom>
+          </p:spPr>
+        </p:pic>
+        <p:pic>
+          <p:nvPicPr>
+            <p:cNvPr id="22" name="Stripe3">
+              <a:extLst>
+                <a:ext uri="{FF2B5EF4-FFF2-40B4-BE49-F238E27FC236}">
+                  <a16:creationId xmlns:a16="http://schemas.microsoft.com/office/drawing/2014/main" id="{DBEB6E58-4F5D-4B94-9777-98FC2613D9A1}"/>
+                </a:ext>
+              </a:extLst>
+            </p:cNvPr>
+            <p:cNvPicPr>
+              <a:picLocks noChangeAspect="1"/>
+            </p:cNvPicPr>
+            <p:nvPr/>
+          </p:nvPicPr>
+          <p:blipFill rotWithShape="1">
+            <a:blip r:embed="rId16">
+              <a:extLst>
+                <a:ext uri="{28A0092B-C50C-407E-A947-70E740481C1C}">
+                  <a14:useLocalDpi xmlns:a14="http://schemas.microsoft.com/office/drawing/2010/main" val="0"/>
+                </a:ext>
+                <a:ext uri="{96DAC541-7B7A-43D3-8B79-37D633B846F1}">
+                  <asvg:svgBlip xmlns:asvg="http://schemas.microsoft.com/office/drawing/2016/SVG/main" r:embed="rId17"/>
+                </a:ext>
+              </a:extLst>
+            </a:blip>
+            <a:srcRect l="25695" t="28451" r="29411" b="52720"/>
+            <a:stretch/>
+          </p:blipFill>
+          <p:spPr>
+            <a:xfrm rot="16200000">
+              <a:off x="8579814" y="1955869"/>
+              <a:ext cx="1132507" cy="474975"/>
+            </a:xfrm>
+            <a:prstGeom prst="rect">
+              <a:avLst/>
+            </a:prstGeom>
+          </p:spPr>
+        </p:pic>
+        <p:pic>
+          <p:nvPicPr>
+            <p:cNvPr id="24" name="Stripe2">
+              <a:extLst>
+                <a:ext uri="{FF2B5EF4-FFF2-40B4-BE49-F238E27FC236}">
+                  <a16:creationId xmlns:a16="http://schemas.microsoft.com/office/drawing/2014/main" id="{013894B1-B36B-4F0E-B2E1-9D268157312B}"/>
+                </a:ext>
+              </a:extLst>
+            </p:cNvPr>
+            <p:cNvPicPr>
+              <a:picLocks noChangeAspect="1"/>
+            </p:cNvPicPr>
+            <p:nvPr/>
+          </p:nvPicPr>
+          <p:blipFill rotWithShape="1">
+            <a:blip r:embed="rId16">
+              <a:extLst>
+                <a:ext uri="{28A0092B-C50C-407E-A947-70E740481C1C}">
+                  <a14:useLocalDpi xmlns:a14="http://schemas.microsoft.com/office/drawing/2010/main" val="0"/>
+                </a:ext>
+                <a:ext uri="{96DAC541-7B7A-43D3-8B79-37D633B846F1}">
+                  <asvg:svgBlip xmlns:asvg="http://schemas.microsoft.com/office/drawing/2016/SVG/main" r:embed="rId17"/>
+                </a:ext>
+              </a:extLst>
+            </a:blip>
+            <a:srcRect l="25695" t="28451" r="29411" b="52720"/>
+            <a:stretch/>
+          </p:blipFill>
+          <p:spPr>
+            <a:xfrm rot="16200000">
+              <a:off x="9043525" y="1948892"/>
+              <a:ext cx="1132507" cy="474975"/>
+            </a:xfrm>
+            <a:prstGeom prst="rect">
+              <a:avLst/>
+            </a:prstGeom>
+          </p:spPr>
+        </p:pic>
+        <p:pic>
+          <p:nvPicPr>
+            <p:cNvPr id="26" name="Stripe1">
+              <a:extLst>
+                <a:ext uri="{FF2B5EF4-FFF2-40B4-BE49-F238E27FC236}">
+                  <a16:creationId xmlns:a16="http://schemas.microsoft.com/office/drawing/2014/main" id="{7DDD1D7A-0304-4579-9A44-BEE686EBBCB1}"/>
+                </a:ext>
+              </a:extLst>
+            </p:cNvPr>
+            <p:cNvPicPr>
+              <a:picLocks noChangeAspect="1"/>
+            </p:cNvPicPr>
+            <p:nvPr/>
+          </p:nvPicPr>
+          <p:blipFill rotWithShape="1">
+            <a:blip r:embed="rId16">
+              <a:extLst>
+                <a:ext uri="{28A0092B-C50C-407E-A947-70E740481C1C}">
+                  <a14:useLocalDpi xmlns:a14="http://schemas.microsoft.com/office/drawing/2010/main" val="0"/>
+                </a:ext>
+                <a:ext uri="{96DAC541-7B7A-43D3-8B79-37D633B846F1}">
+                  <asvg:svgBlip xmlns:asvg="http://schemas.microsoft.com/office/drawing/2016/SVG/main" r:embed="rId17"/>
+                </a:ext>
+              </a:extLst>
+            </a:blip>
+            <a:srcRect l="25695" t="28451" r="29411" b="52720"/>
+            <a:stretch/>
+          </p:blipFill>
+          <p:spPr>
+            <a:xfrm rot="16200000">
+              <a:off x="6811623" y="2068286"/>
+              <a:ext cx="1290638" cy="236186"/>
             </a:xfrm>
             <a:prstGeom prst="rect">
               <a:avLst/>
@@ -12476,10 +12860,49 @@
           </p:spPr>
         </p:pic>
       </p:grpSp>
+      <p:pic>
+        <p:nvPicPr>
+          <p:cNvPr id="8" name="Tree">
+            <a:extLst>
+              <a:ext uri="{FF2B5EF4-FFF2-40B4-BE49-F238E27FC236}">
+                <a16:creationId xmlns:a16="http://schemas.microsoft.com/office/drawing/2014/main" id="{BA8C8DDA-85BB-4693-8C82-D8ED30C64B34}"/>
+              </a:ext>
+            </a:extLst>
+          </p:cNvPr>
+          <p:cNvPicPr>
+            <a:picLocks noChangeAspect="1"/>
+          </p:cNvPicPr>
+          <p:nvPr/>
+        </p:nvPicPr>
+        <p:blipFill>
+          <a:blip r:embed="rId18">
+            <a:extLst>
+              <a:ext uri="{28A0092B-C50C-407E-A947-70E740481C1C}">
+                <a14:useLocalDpi xmlns:a14="http://schemas.microsoft.com/office/drawing/2010/main" val="0"/>
+              </a:ext>
+              <a:ext uri="{96DAC541-7B7A-43D3-8B79-37D633B846F1}">
+                <asvg:svgBlip xmlns:asvg="http://schemas.microsoft.com/office/drawing/2016/SVG/main" r:embed="rId19"/>
+              </a:ext>
+            </a:extLst>
+          </a:blip>
+          <a:stretch>
+            <a:fillRect/>
+          </a:stretch>
+        </p:blipFill>
+        <p:spPr>
+          <a:xfrm flipH="1">
+            <a:off x="2958551" y="-271001"/>
+            <a:ext cx="10866339" cy="7682879"/>
+          </a:xfrm>
+          <a:prstGeom prst="rect">
+            <a:avLst/>
+          </a:prstGeom>
+        </p:spPr>
+      </p:pic>
     </p:spTree>
     <p:extLst>
       <p:ext uri="{BB962C8B-B14F-4D97-AF65-F5344CB8AC3E}">
-        <p14:creationId xmlns:p14="http://schemas.microsoft.com/office/powerpoint/2010/main" val="201085003"/>
+        <p14:creationId xmlns:p14="http://schemas.microsoft.com/office/powerpoint/2010/main" val="1552272272"/>
       </p:ext>
     </p:extLst>
   </p:cSld>
@@ -12522,7 +12945,7 @@
                             </p:stCondLst>
                             <p:childTnLst>
                               <p:par>
-                                <p:cTn id="5" presetID="10" presetClass="entr" presetSubtype="0" fill="hold" nodeType="afterEffect">
+                                <p:cTn id="5" presetID="2" presetClass="entr" presetSubtype="1" fill="hold" nodeType="withEffect">
                                   <p:stCondLst>
                                     <p:cond delay="0"/>
                                   </p:stCondLst>
@@ -12535,7 +12958,7 @@
                                           </p:stCondLst>
                                         </p:cTn>
                                         <p:tgtEl>
-                                          <p:spTgt spid="35"/>
+                                          <p:spTgt spid="17"/>
                                         </p:tgtEl>
                                         <p:attrNameLst>
                                           <p:attrName>style.visibility</p:attrName>
@@ -12545,28 +12968,203 @@
                                         <p:strVal val="visible"/>
                                       </p:to>
                                     </p:set>
-                                    <p:animEffect transition="in" filter="fade">
-                                      <p:cBhvr>
-                                        <p:cTn id="7" dur="500"/>
-                                        <p:tgtEl>
-                                          <p:spTgt spid="35"/>
-                                        </p:tgtEl>
-                                      </p:cBhvr>
-                                    </p:animEffect>
+                                    <p:anim calcmode="lin" valueType="num">
+                                      <p:cBhvr additive="base">
+                                        <p:cTn id="7" dur="1000" fill="hold"/>
+                                        <p:tgtEl>
+                                          <p:spTgt spid="17"/>
+                                        </p:tgtEl>
+                                        <p:attrNameLst>
+                                          <p:attrName>ppt_x</p:attrName>
+                                        </p:attrNameLst>
+                                      </p:cBhvr>
+                                      <p:tavLst>
+                                        <p:tav tm="0">
+                                          <p:val>
+                                            <p:strVal val="#ppt_x"/>
+                                          </p:val>
+                                        </p:tav>
+                                        <p:tav tm="100000">
+                                          <p:val>
+                                            <p:strVal val="#ppt_x"/>
+                                          </p:val>
+                                        </p:tav>
+                                      </p:tavLst>
+                                    </p:anim>
+                                    <p:anim calcmode="lin" valueType="num">
+                                      <p:cBhvr additive="base">
+                                        <p:cTn id="8" dur="1000" fill="hold"/>
+                                        <p:tgtEl>
+                                          <p:spTgt spid="17"/>
+                                        </p:tgtEl>
+                                        <p:attrNameLst>
+                                          <p:attrName>ppt_y</p:attrName>
+                                        </p:attrNameLst>
+                                      </p:cBhvr>
+                                      <p:tavLst>
+                                        <p:tav tm="0">
+                                          <p:val>
+                                            <p:strVal val="0-#ppt_h/2"/>
+                                          </p:val>
+                                        </p:tav>
+                                        <p:tav tm="100000">
+                                          <p:val>
+                                            <p:strVal val="#ppt_y"/>
+                                          </p:val>
+                                        </p:tav>
+                                      </p:tavLst>
+                                    </p:anim>
                                   </p:childTnLst>
                                 </p:cTn>
                               </p:par>
-                            </p:childTnLst>
-                          </p:cTn>
-                        </p:par>
-                        <p:par>
-                          <p:cTn id="8" fill="hold">
-                            <p:stCondLst>
-                              <p:cond delay="500"/>
-                            </p:stCondLst>
-                            <p:childTnLst>
                               <p:par>
-                                <p:cTn id="9" presetID="6" presetClass="emph" presetSubtype="0" repeatCount="indefinite" autoRev="1" fill="hold" nodeType="afterEffect">
+                                <p:cTn id="9" presetID="2" presetClass="entr" presetSubtype="8" fill="hold" nodeType="withEffect">
+                                  <p:stCondLst>
+                                    <p:cond delay="0"/>
+                                  </p:stCondLst>
+                                  <p:childTnLst>
+                                    <p:set>
+                                      <p:cBhvr>
+                                        <p:cTn id="10" dur="1" fill="hold">
+                                          <p:stCondLst>
+                                            <p:cond delay="0"/>
+                                          </p:stCondLst>
+                                        </p:cTn>
+                                        <p:tgtEl>
+                                          <p:spTgt spid="21"/>
+                                        </p:tgtEl>
+                                        <p:attrNameLst>
+                                          <p:attrName>style.visibility</p:attrName>
+                                        </p:attrNameLst>
+                                      </p:cBhvr>
+                                      <p:to>
+                                        <p:strVal val="visible"/>
+                                      </p:to>
+                                    </p:set>
+                                    <p:anim calcmode="lin" valueType="num">
+                                      <p:cBhvr additive="base">
+                                        <p:cTn id="11" dur="1000" fill="hold"/>
+                                        <p:tgtEl>
+                                          <p:spTgt spid="21"/>
+                                        </p:tgtEl>
+                                        <p:attrNameLst>
+                                          <p:attrName>ppt_x</p:attrName>
+                                        </p:attrNameLst>
+                                      </p:cBhvr>
+                                      <p:tavLst>
+                                        <p:tav tm="0">
+                                          <p:val>
+                                            <p:strVal val="0-#ppt_w/2"/>
+                                          </p:val>
+                                        </p:tav>
+                                        <p:tav tm="100000">
+                                          <p:val>
+                                            <p:strVal val="#ppt_x"/>
+                                          </p:val>
+                                        </p:tav>
+                                      </p:tavLst>
+                                    </p:anim>
+                                    <p:anim calcmode="lin" valueType="num">
+                                      <p:cBhvr additive="base">
+                                        <p:cTn id="12" dur="1000" fill="hold"/>
+                                        <p:tgtEl>
+                                          <p:spTgt spid="21"/>
+                                        </p:tgtEl>
+                                        <p:attrNameLst>
+                                          <p:attrName>ppt_y</p:attrName>
+                                        </p:attrNameLst>
+                                      </p:cBhvr>
+                                      <p:tavLst>
+                                        <p:tav tm="0">
+                                          <p:val>
+                                            <p:strVal val="#ppt_y"/>
+                                          </p:val>
+                                        </p:tav>
+                                        <p:tav tm="100000">
+                                          <p:val>
+                                            <p:strVal val="#ppt_y"/>
+                                          </p:val>
+                                        </p:tav>
+                                      </p:tavLst>
+                                    </p:anim>
+                                  </p:childTnLst>
+                                </p:cTn>
+                              </p:par>
+                              <p:par>
+                                <p:cTn id="13" presetID="2" presetClass="entr" presetSubtype="4" fill="hold" nodeType="withEffect">
+                                  <p:stCondLst>
+                                    <p:cond delay="0"/>
+                                  </p:stCondLst>
+                                  <p:childTnLst>
+                                    <p:set>
+                                      <p:cBhvr>
+                                        <p:cTn id="14" dur="1" fill="hold">
+                                          <p:stCondLst>
+                                            <p:cond delay="0"/>
+                                          </p:stCondLst>
+                                        </p:cTn>
+                                        <p:tgtEl>
+                                          <p:spTgt spid="27"/>
+                                        </p:tgtEl>
+                                        <p:attrNameLst>
+                                          <p:attrName>style.visibility</p:attrName>
+                                        </p:attrNameLst>
+                                      </p:cBhvr>
+                                      <p:to>
+                                        <p:strVal val="visible"/>
+                                      </p:to>
+                                    </p:set>
+                                    <p:anim calcmode="lin" valueType="num">
+                                      <p:cBhvr additive="base">
+                                        <p:cTn id="15" dur="1000" fill="hold"/>
+                                        <p:tgtEl>
+                                          <p:spTgt spid="27"/>
+                                        </p:tgtEl>
+                                        <p:attrNameLst>
+                                          <p:attrName>ppt_x</p:attrName>
+                                        </p:attrNameLst>
+                                      </p:cBhvr>
+                                      <p:tavLst>
+                                        <p:tav tm="0">
+                                          <p:val>
+                                            <p:strVal val="#ppt_x"/>
+                                          </p:val>
+                                        </p:tav>
+                                        <p:tav tm="100000">
+                                          <p:val>
+                                            <p:strVal val="#ppt_x"/>
+                                          </p:val>
+                                        </p:tav>
+                                      </p:tavLst>
+                                    </p:anim>
+                                    <p:anim calcmode="lin" valueType="num">
+                                      <p:cBhvr additive="base">
+                                        <p:cTn id="16" dur="1000" fill="hold"/>
+                                        <p:tgtEl>
+                                          <p:spTgt spid="27"/>
+                                        </p:tgtEl>
+                                        <p:attrNameLst>
+                                          <p:attrName>ppt_y</p:attrName>
+                                        </p:attrNameLst>
+                                      </p:cBhvr>
+                                      <p:tavLst>
+                                        <p:tav tm="0">
+                                          <p:val>
+                                            <p:strVal val="1+#ppt_h/2"/>
+                                          </p:val>
+                                        </p:tav>
+                                        <p:tav tm="100000">
+                                          <p:val>
+                                            <p:strVal val="#ppt_y"/>
+                                          </p:val>
+                                        </p:tav>
+                                      </p:tavLst>
+                                    </p:anim>
+                                  </p:childTnLst>
+                                </p:cTn>
+                              </p:par>
+                              <p:par>
+                                <p:cTn id="17" presetID="32" presetClass="emph" presetSubtype="0" repeatCount="indefinite" fill="hold" nodeType="withEffect">
                                   <p:stCondLst>
                                     <p:cond delay="0"/>
                                   </p:stCondLst>
@@ -12578,15 +13176,350 @@
                                     </p:cond>
                                   </p:endCondLst>
                                   <p:childTnLst>
-                                    <p:animScale>
+                                    <p:animRot by="120000">
                                       <p:cBhvr>
-                                        <p:cTn id="10" dur="2000" fill="hold"/>
-                                        <p:tgtEl>
-                                          <p:spTgt spid="35"/>
-                                        </p:tgtEl>
-                                      </p:cBhvr>
-                                      <p:by x="150000" y="150000"/>
-                                    </p:animScale>
+                                        <p:cTn id="18" dur="200" fill="hold">
+                                          <p:stCondLst>
+                                            <p:cond delay="0"/>
+                                          </p:stCondLst>
+                                        </p:cTn>
+                                        <p:tgtEl>
+                                          <p:spTgt spid="21"/>
+                                        </p:tgtEl>
+                                        <p:attrNameLst>
+                                          <p:attrName>r</p:attrName>
+                                        </p:attrNameLst>
+                                      </p:cBhvr>
+                                    </p:animRot>
+                                    <p:animRot by="-240000">
+                                      <p:cBhvr>
+                                        <p:cTn id="19" dur="400" fill="hold">
+                                          <p:stCondLst>
+                                            <p:cond delay="400"/>
+                                          </p:stCondLst>
+                                        </p:cTn>
+                                        <p:tgtEl>
+                                          <p:spTgt spid="21"/>
+                                        </p:tgtEl>
+                                        <p:attrNameLst>
+                                          <p:attrName>r</p:attrName>
+                                        </p:attrNameLst>
+                                      </p:cBhvr>
+                                    </p:animRot>
+                                    <p:animRot by="240000">
+                                      <p:cBhvr>
+                                        <p:cTn id="20" dur="400" fill="hold">
+                                          <p:stCondLst>
+                                            <p:cond delay="800"/>
+                                          </p:stCondLst>
+                                        </p:cTn>
+                                        <p:tgtEl>
+                                          <p:spTgt spid="21"/>
+                                        </p:tgtEl>
+                                        <p:attrNameLst>
+                                          <p:attrName>r</p:attrName>
+                                        </p:attrNameLst>
+                                      </p:cBhvr>
+                                    </p:animRot>
+                                    <p:animRot by="-240000">
+                                      <p:cBhvr>
+                                        <p:cTn id="21" dur="400" fill="hold">
+                                          <p:stCondLst>
+                                            <p:cond delay="1200"/>
+                                          </p:stCondLst>
+                                        </p:cTn>
+                                        <p:tgtEl>
+                                          <p:spTgt spid="21"/>
+                                        </p:tgtEl>
+                                        <p:attrNameLst>
+                                          <p:attrName>r</p:attrName>
+                                        </p:attrNameLst>
+                                      </p:cBhvr>
+                                    </p:animRot>
+                                    <p:animRot by="120000">
+                                      <p:cBhvr>
+                                        <p:cTn id="22" dur="400" fill="hold">
+                                          <p:stCondLst>
+                                            <p:cond delay="1600"/>
+                                          </p:stCondLst>
+                                        </p:cTn>
+                                        <p:tgtEl>
+                                          <p:spTgt spid="21"/>
+                                        </p:tgtEl>
+                                        <p:attrNameLst>
+                                          <p:attrName>r</p:attrName>
+                                        </p:attrNameLst>
+                                      </p:cBhvr>
+                                    </p:animRot>
+                                  </p:childTnLst>
+                                </p:cTn>
+                              </p:par>
+                              <p:par>
+                                <p:cTn id="23" presetID="10" presetClass="entr" presetSubtype="0" fill="hold" nodeType="withEffect">
+                                  <p:stCondLst>
+                                    <p:cond delay="0"/>
+                                  </p:stCondLst>
+                                  <p:childTnLst>
+                                    <p:set>
+                                      <p:cBhvr>
+                                        <p:cTn id="24" dur="1" fill="hold">
+                                          <p:stCondLst>
+                                            <p:cond delay="0"/>
+                                          </p:stCondLst>
+                                        </p:cTn>
+                                        <p:tgtEl>
+                                          <p:spTgt spid="4"/>
+                                        </p:tgtEl>
+                                        <p:attrNameLst>
+                                          <p:attrName>style.visibility</p:attrName>
+                                        </p:attrNameLst>
+                                      </p:cBhvr>
+                                      <p:to>
+                                        <p:strVal val="visible"/>
+                                      </p:to>
+                                    </p:set>
+                                    <p:animEffect transition="in" filter="fade">
+                                      <p:cBhvr>
+                                        <p:cTn id="25" dur="500"/>
+                                        <p:tgtEl>
+                                          <p:spTgt spid="4"/>
+                                        </p:tgtEl>
+                                      </p:cBhvr>
+                                    </p:animEffect>
+                                  </p:childTnLst>
+                                </p:cTn>
+                              </p:par>
+                            </p:childTnLst>
+                          </p:cTn>
+                        </p:par>
+                        <p:par>
+                          <p:cTn id="26" fill="hold">
+                            <p:stCondLst>
+                              <p:cond delay="2000"/>
+                            </p:stCondLst>
+                            <p:childTnLst>
+                              <p:par>
+                                <p:cTn id="27" presetID="22" presetClass="entr" presetSubtype="4" fill="hold" nodeType="afterEffect">
+                                  <p:stCondLst>
+                                    <p:cond delay="0"/>
+                                  </p:stCondLst>
+                                  <p:childTnLst>
+                                    <p:set>
+                                      <p:cBhvr>
+                                        <p:cTn id="28" dur="1" fill="hold">
+                                          <p:stCondLst>
+                                            <p:cond delay="0"/>
+                                          </p:stCondLst>
+                                        </p:cTn>
+                                        <p:tgtEl>
+                                          <p:spTgt spid="10"/>
+                                        </p:tgtEl>
+                                        <p:attrNameLst>
+                                          <p:attrName>style.visibility</p:attrName>
+                                        </p:attrNameLst>
+                                      </p:cBhvr>
+                                      <p:to>
+                                        <p:strVal val="visible"/>
+                                      </p:to>
+                                    </p:set>
+                                    <p:animEffect transition="in" filter="wipe(down)">
+                                      <p:cBhvr>
+                                        <p:cTn id="29" dur="500"/>
+                                        <p:tgtEl>
+                                          <p:spTgt spid="10"/>
+                                        </p:tgtEl>
+                                      </p:cBhvr>
+                                    </p:animEffect>
+                                  </p:childTnLst>
+                                </p:cTn>
+                              </p:par>
+                            </p:childTnLst>
+                          </p:cTn>
+                        </p:par>
+                        <p:par>
+                          <p:cTn id="30" fill="hold">
+                            <p:stCondLst>
+                              <p:cond delay="2500"/>
+                            </p:stCondLst>
+                            <p:childTnLst>
+                              <p:par>
+                                <p:cTn id="31" presetID="47" presetClass="entr" presetSubtype="0" fill="hold" nodeType="afterEffect">
+                                  <p:stCondLst>
+                                    <p:cond delay="0"/>
+                                  </p:stCondLst>
+                                  <p:childTnLst>
+                                    <p:set>
+                                      <p:cBhvr>
+                                        <p:cTn id="32" dur="1" fill="hold">
+                                          <p:stCondLst>
+                                            <p:cond delay="0"/>
+                                          </p:stCondLst>
+                                        </p:cTn>
+                                        <p:tgtEl>
+                                          <p:spTgt spid="13"/>
+                                        </p:tgtEl>
+                                        <p:attrNameLst>
+                                          <p:attrName>style.visibility</p:attrName>
+                                        </p:attrNameLst>
+                                      </p:cBhvr>
+                                      <p:to>
+                                        <p:strVal val="visible"/>
+                                      </p:to>
+                                    </p:set>
+                                    <p:animEffect transition="in" filter="fade">
+                                      <p:cBhvr>
+                                        <p:cTn id="33" dur="1000"/>
+                                        <p:tgtEl>
+                                          <p:spTgt spid="13"/>
+                                        </p:tgtEl>
+                                      </p:cBhvr>
+                                    </p:animEffect>
+                                    <p:anim calcmode="lin" valueType="num">
+                                      <p:cBhvr>
+                                        <p:cTn id="34" dur="1000" fill="hold"/>
+                                        <p:tgtEl>
+                                          <p:spTgt spid="13"/>
+                                        </p:tgtEl>
+                                        <p:attrNameLst>
+                                          <p:attrName>ppt_x</p:attrName>
+                                        </p:attrNameLst>
+                                      </p:cBhvr>
+                                      <p:tavLst>
+                                        <p:tav tm="0">
+                                          <p:val>
+                                            <p:strVal val="#ppt_x"/>
+                                          </p:val>
+                                        </p:tav>
+                                        <p:tav tm="100000">
+                                          <p:val>
+                                            <p:strVal val="#ppt_x"/>
+                                          </p:val>
+                                        </p:tav>
+                                      </p:tavLst>
+                                    </p:anim>
+                                    <p:anim calcmode="lin" valueType="num">
+                                      <p:cBhvr>
+                                        <p:cTn id="35" dur="1000" fill="hold"/>
+                                        <p:tgtEl>
+                                          <p:spTgt spid="13"/>
+                                        </p:tgtEl>
+                                        <p:attrNameLst>
+                                          <p:attrName>ppt_y</p:attrName>
+                                        </p:attrNameLst>
+                                      </p:cBhvr>
+                                      <p:tavLst>
+                                        <p:tav tm="0">
+                                          <p:val>
+                                            <p:strVal val="#ppt_y-.1"/>
+                                          </p:val>
+                                        </p:tav>
+                                        <p:tav tm="100000">
+                                          <p:val>
+                                            <p:strVal val="#ppt_y"/>
+                                          </p:val>
+                                        </p:tav>
+                                      </p:tavLst>
+                                    </p:anim>
+                                  </p:childTnLst>
+                                </p:cTn>
+                              </p:par>
+                            </p:childTnLst>
+                          </p:cTn>
+                        </p:par>
+                        <p:par>
+                          <p:cTn id="36" fill="hold">
+                            <p:stCondLst>
+                              <p:cond delay="3500"/>
+                            </p:stCondLst>
+                            <p:childTnLst>
+                              <p:par>
+                                <p:cTn id="37" presetID="32" presetClass="emph" presetSubtype="0" repeatCount="indefinite" fill="hold" nodeType="afterEffect">
+                                  <p:stCondLst>
+                                    <p:cond delay="500"/>
+                                  </p:stCondLst>
+                                  <p:endCondLst>
+                                    <p:cond evt="onNext" delay="0">
+                                      <p:tgtEl>
+                                        <p:sldTgt/>
+                                      </p:tgtEl>
+                                    </p:cond>
+                                  </p:endCondLst>
+                                  <p:childTnLst>
+                                    <p:animRot by="120000">
+                                      <p:cBhvr>
+                                        <p:cTn id="38" dur="200" fill="hold">
+                                          <p:stCondLst>
+                                            <p:cond delay="0"/>
+                                          </p:stCondLst>
+                                        </p:cTn>
+                                        <p:tgtEl>
+                                          <p:spTgt spid="13"/>
+                                        </p:tgtEl>
+                                        <p:attrNameLst>
+                                          <p:attrName>r</p:attrName>
+                                        </p:attrNameLst>
+                                      </p:cBhvr>
+                                    </p:animRot>
+                                    <p:animRot by="-240000">
+                                      <p:cBhvr>
+                                        <p:cTn id="39" dur="400" fill="hold">
+                                          <p:stCondLst>
+                                            <p:cond delay="400"/>
+                                          </p:stCondLst>
+                                        </p:cTn>
+                                        <p:tgtEl>
+                                          <p:spTgt spid="13"/>
+                                        </p:tgtEl>
+                                        <p:attrNameLst>
+                                          <p:attrName>r</p:attrName>
+                                        </p:attrNameLst>
+                                      </p:cBhvr>
+                                    </p:animRot>
+                                    <p:animRot by="240000">
+                                      <p:cBhvr>
+                                        <p:cTn id="40" dur="400" fill="hold">
+                                          <p:stCondLst>
+                                            <p:cond delay="800"/>
+                                          </p:stCondLst>
+                                        </p:cTn>
+                                        <p:tgtEl>
+                                          <p:spTgt spid="13"/>
+                                        </p:tgtEl>
+                                        <p:attrNameLst>
+                                          <p:attrName>r</p:attrName>
+                                        </p:attrNameLst>
+                                      </p:cBhvr>
+                                    </p:animRot>
+                                    <p:animRot by="-240000">
+                                      <p:cBhvr>
+                                        <p:cTn id="41" dur="400" fill="hold">
+                                          <p:stCondLst>
+                                            <p:cond delay="1200"/>
+                                          </p:stCondLst>
+                                        </p:cTn>
+                                        <p:tgtEl>
+                                          <p:spTgt spid="13"/>
+                                        </p:tgtEl>
+                                        <p:attrNameLst>
+                                          <p:attrName>r</p:attrName>
+                                        </p:attrNameLst>
+                                      </p:cBhvr>
+                                    </p:animRot>
+                                    <p:animRot by="120000">
+                                      <p:cBhvr>
+                                        <p:cTn id="42" dur="400" fill="hold">
+                                          <p:stCondLst>
+                                            <p:cond delay="1600"/>
+                                          </p:stCondLst>
+                                        </p:cTn>
+                                        <p:tgtEl>
+                                          <p:spTgt spid="13"/>
+                                        </p:tgtEl>
+                                        <p:attrNameLst>
+                                          <p:attrName>r</p:attrName>
+                                        </p:attrNameLst>
+                                      </p:cBhvr>
+                                    </p:animRot>
                                   </p:childTnLst>
                                 </p:cTn>
                               </p:par>
@@ -12621,7 +13554,7 @@
 </p:sld>
 </file>
 
-<file path=ppt/slides/slide19.xml><?xml version="1.0" encoding="utf-8"?>
+<file path=ppt/slides/slide20.xml><?xml version="1.0" encoding="utf-8"?>
 <p:sld xmlns:a="http://schemas.openxmlformats.org/drawingml/2006/main" xmlns:r="http://schemas.openxmlformats.org/officeDocument/2006/relationships" xmlns:p="http://schemas.openxmlformats.org/presentationml/2006/main">
   <p:cSld>
     <p:spTree>
@@ -12981,417 +13914,7 @@
 </p:sld>
 </file>
 
-<file path=ppt/slides/slide2.xml><?xml version="1.0" encoding="utf-8"?>
-<p:sld xmlns:a="http://schemas.openxmlformats.org/drawingml/2006/main" xmlns:r="http://schemas.openxmlformats.org/officeDocument/2006/relationships" xmlns:p="http://schemas.openxmlformats.org/presentationml/2006/main">
-  <p:cSld>
-    <p:spTree>
-      <p:nvGrpSpPr>
-        <p:cNvPr id="1" name=""/>
-        <p:cNvGrpSpPr/>
-        <p:nvPr/>
-      </p:nvGrpSpPr>
-      <p:grpSpPr>
-        <a:xfrm>
-          <a:off x="0" y="0"/>
-          <a:ext cx="0" cy="0"/>
-          <a:chOff x="0" y="0"/>
-          <a:chExt cx="0" cy="0"/>
-        </a:xfrm>
-      </p:grpSpPr>
-      <p:sp>
-        <p:nvSpPr>
-          <p:cNvPr id="5" name="Background">
-            <a:extLst>
-              <a:ext uri="{FF2B5EF4-FFF2-40B4-BE49-F238E27FC236}">
-                <a16:creationId xmlns:a16="http://schemas.microsoft.com/office/drawing/2014/main" id="{A3DE7918-D53B-47AE-9AE8-9E18C9BB2D57}"/>
-              </a:ext>
-            </a:extLst>
-          </p:cNvPr>
-          <p:cNvSpPr/>
-          <p:nvPr/>
-        </p:nvSpPr>
-        <p:spPr>
-          <a:xfrm>
-            <a:off x="-590550" y="0"/>
-            <a:ext cx="13220700" cy="6858000"/>
-          </a:xfrm>
-          <a:prstGeom prst="rect">
-            <a:avLst/>
-          </a:prstGeom>
-          <a:solidFill>
-            <a:srgbClr val="FFCA64"/>
-          </a:solidFill>
-          <a:ln>
-            <a:solidFill>
-              <a:srgbClr val="5475B9"/>
-            </a:solidFill>
-          </a:ln>
-        </p:spPr>
-        <p:style>
-          <a:lnRef idx="2">
-            <a:schemeClr val="accent1">
-              <a:shade val="50000"/>
-            </a:schemeClr>
-          </a:lnRef>
-          <a:fillRef idx="1">
-            <a:schemeClr val="accent1"/>
-          </a:fillRef>
-          <a:effectRef idx="0">
-            <a:schemeClr val="accent1"/>
-          </a:effectRef>
-          <a:fontRef idx="minor">
-            <a:schemeClr val="lt1"/>
-          </a:fontRef>
-        </p:style>
-        <p:txBody>
-          <a:bodyPr rtlCol="0" anchor="ctr"/>
-          <a:lstStyle/>
-          <a:p>
-            <a:pPr algn="ctr"/>
-            <a:endParaRPr lang="pt-PT"/>
-          </a:p>
-        </p:txBody>
-      </p:sp>
-      <p:sp>
-        <p:nvSpPr>
-          <p:cNvPr id="2" name="Thought Bubble">
-            <a:extLst>
-              <a:ext uri="{FF2B5EF4-FFF2-40B4-BE49-F238E27FC236}">
-                <a16:creationId xmlns:a16="http://schemas.microsoft.com/office/drawing/2014/main" id="{B36EC161-B1B1-4D8F-B7AC-7D0052EC6BFF}"/>
-              </a:ext>
-            </a:extLst>
-          </p:cNvPr>
-          <p:cNvSpPr/>
-          <p:nvPr/>
-        </p:nvSpPr>
-        <p:spPr>
-          <a:xfrm>
-            <a:off x="2174079" y="438418"/>
-            <a:ext cx="7843839" cy="5360041"/>
-          </a:xfrm>
-          <a:prstGeom prst="cloudCallout">
-            <a:avLst/>
-          </a:prstGeom>
-          <a:solidFill>
-            <a:srgbClr val="5475B9"/>
-          </a:solidFill>
-          <a:ln>
-            <a:noFill/>
-          </a:ln>
-          <a:effectLst>
-            <a:outerShdw blurRad="63500" sx="102000" sy="102000" algn="ctr" rotWithShape="0">
-              <a:prstClr val="black">
-                <a:alpha val="40000"/>
-              </a:prstClr>
-            </a:outerShdw>
-          </a:effectLst>
-        </p:spPr>
-        <p:style>
-          <a:lnRef idx="2">
-            <a:schemeClr val="accent1">
-              <a:shade val="50000"/>
-            </a:schemeClr>
-          </a:lnRef>
-          <a:fillRef idx="1">
-            <a:schemeClr val="accent1"/>
-          </a:fillRef>
-          <a:effectRef idx="0">
-            <a:schemeClr val="accent1"/>
-          </a:effectRef>
-          <a:fontRef idx="minor">
-            <a:schemeClr val="lt1"/>
-          </a:fontRef>
-        </p:style>
-        <p:txBody>
-          <a:bodyPr rtlCol="0" anchor="ctr"/>
-          <a:lstStyle/>
-          <a:p>
-            <a:pPr algn="ctr"/>
-            <a:endParaRPr lang="pt-PT"/>
-          </a:p>
-        </p:txBody>
-      </p:sp>
-      <p:sp>
-        <p:nvSpPr>
-          <p:cNvPr id="4" name="Question">
-            <a:extLst>
-              <a:ext uri="{FF2B5EF4-FFF2-40B4-BE49-F238E27FC236}">
-                <a16:creationId xmlns:a16="http://schemas.microsoft.com/office/drawing/2014/main" id="{ECBB1324-424B-4168-9955-3950751E7C91}"/>
-              </a:ext>
-            </a:extLst>
-          </p:cNvPr>
-          <p:cNvSpPr/>
-          <p:nvPr/>
-        </p:nvSpPr>
-        <p:spPr>
-          <a:xfrm>
-            <a:off x="4324878" y="305068"/>
-            <a:ext cx="3542243" cy="6247864"/>
-          </a:xfrm>
-          <a:prstGeom prst="rect">
-            <a:avLst/>
-          </a:prstGeom>
-          <a:noFill/>
-        </p:spPr>
-        <p:txBody>
-          <a:bodyPr wrap="square" lIns="91440" tIns="45720" rIns="91440" bIns="45720">
-            <a:spAutoFit/>
-          </a:bodyPr>
-          <a:lstStyle/>
-          <a:p>
-            <a:pPr algn="ctr"/>
-            <a:r>
-              <a:rPr lang="en-US" sz="40000" b="0" cap="none" spc="0" dirty="0">
-                <a:ln w="0"/>
-                <a:solidFill>
-                  <a:schemeClr val="tx1"/>
-                </a:solidFill>
-                <a:effectLst>
-                  <a:outerShdw blurRad="38100" dist="19050" dir="2700000" algn="tl" rotWithShape="0">
-                    <a:schemeClr val="dk1">
-                      <a:alpha val="40000"/>
-                    </a:schemeClr>
-                  </a:outerShdw>
-                </a:effectLst>
-                <a:latin typeface="Microsoft Sans Serif" panose="020B0604020202020204" pitchFamily="34" charset="0"/>
-              </a:rPr>
-              <a:t>?</a:t>
-            </a:r>
-          </a:p>
-        </p:txBody>
-      </p:sp>
-    </p:spTree>
-    <p:extLst>
-      <p:ext uri="{BB962C8B-B14F-4D97-AF65-F5344CB8AC3E}">
-        <p14:creationId xmlns:p14="http://schemas.microsoft.com/office/powerpoint/2010/main" val="2420079348"/>
-      </p:ext>
-    </p:extLst>
-  </p:cSld>
-  <p:clrMapOvr>
-    <a:masterClrMapping/>
-  </p:clrMapOvr>
-  <mc:AlternateContent xmlns:mc="http://schemas.openxmlformats.org/markup-compatibility/2006" xmlns:p15="http://schemas.microsoft.com/office/powerpoint/2012/main">
-    <mc:Choice Requires="p15">
-      <p:transition xmlns:p14="http://schemas.microsoft.com/office/powerpoint/2010/main" spd="slow" p14:dur="1250">
-        <p15:prstTrans prst="peelOff"/>
-      </p:transition>
-    </mc:Choice>
-    <mc:Fallback xmlns="">
-      <p:transition spd="slow">
-        <p:fade/>
-      </p:transition>
-    </mc:Fallback>
-  </mc:AlternateContent>
-  <p:timing>
-    <p:tnLst>
-      <p:par>
-        <p:cTn id="1" dur="indefinite" restart="never" nodeType="tmRoot">
-          <p:childTnLst>
-            <p:seq concurrent="1" nextAc="seek">
-              <p:cTn id="2" dur="indefinite" nodeType="mainSeq">
-                <p:childTnLst>
-                  <p:par>
-                    <p:cTn id="3" fill="hold">
-                      <p:stCondLst>
-                        <p:cond delay="indefinite"/>
-                        <p:cond evt="onBegin" delay="0">
-                          <p:tn val="2"/>
-                        </p:cond>
-                      </p:stCondLst>
-                      <p:childTnLst>
-                        <p:par>
-                          <p:cTn id="4" fill="hold">
-                            <p:stCondLst>
-                              <p:cond delay="0"/>
-                            </p:stCondLst>
-                            <p:childTnLst>
-                              <p:par>
-                                <p:cTn id="5" presetID="10" presetClass="entr" presetSubtype="0" fill="hold" grpId="0" nodeType="withEffect">
-                                  <p:stCondLst>
-                                    <p:cond delay="0"/>
-                                  </p:stCondLst>
-                                  <p:childTnLst>
-                                    <p:set>
-                                      <p:cBhvr>
-                                        <p:cTn id="6" dur="1" fill="hold">
-                                          <p:stCondLst>
-                                            <p:cond delay="0"/>
-                                          </p:stCondLst>
-                                        </p:cTn>
-                                        <p:tgtEl>
-                                          <p:spTgt spid="2"/>
-                                        </p:tgtEl>
-                                        <p:attrNameLst>
-                                          <p:attrName>style.visibility</p:attrName>
-                                        </p:attrNameLst>
-                                      </p:cBhvr>
-                                      <p:to>
-                                        <p:strVal val="visible"/>
-                                      </p:to>
-                                    </p:set>
-                                    <p:animEffect transition="in" filter="fade">
-                                      <p:cBhvr>
-                                        <p:cTn id="7" dur="500"/>
-                                        <p:tgtEl>
-                                          <p:spTgt spid="2"/>
-                                        </p:tgtEl>
-                                      </p:cBhvr>
-                                    </p:animEffect>
-                                  </p:childTnLst>
-                                </p:cTn>
-                              </p:par>
-                              <p:par>
-                                <p:cTn id="8" presetID="2" presetClass="entr" presetSubtype="4" fill="hold" grpId="1" nodeType="withEffect">
-                                  <p:stCondLst>
-                                    <p:cond delay="0"/>
-                                  </p:stCondLst>
-                                  <p:childTnLst>
-                                    <p:set>
-                                      <p:cBhvr>
-                                        <p:cTn id="9" dur="1" fill="hold">
-                                          <p:stCondLst>
-                                            <p:cond delay="0"/>
-                                          </p:stCondLst>
-                                        </p:cTn>
-                                        <p:tgtEl>
-                                          <p:spTgt spid="4"/>
-                                        </p:tgtEl>
-                                        <p:attrNameLst>
-                                          <p:attrName>style.visibility</p:attrName>
-                                        </p:attrNameLst>
-                                      </p:cBhvr>
-                                      <p:to>
-                                        <p:strVal val="visible"/>
-                                      </p:to>
-                                    </p:set>
-                                    <p:anim calcmode="lin" valueType="num">
-                                      <p:cBhvr additive="base">
-                                        <p:cTn id="10" dur="500" fill="hold"/>
-                                        <p:tgtEl>
-                                          <p:spTgt spid="4"/>
-                                        </p:tgtEl>
-                                        <p:attrNameLst>
-                                          <p:attrName>ppt_x</p:attrName>
-                                        </p:attrNameLst>
-                                      </p:cBhvr>
-                                      <p:tavLst>
-                                        <p:tav tm="0">
-                                          <p:val>
-                                            <p:strVal val="#ppt_x"/>
-                                          </p:val>
-                                        </p:tav>
-                                        <p:tav tm="100000">
-                                          <p:val>
-                                            <p:strVal val="#ppt_x"/>
-                                          </p:val>
-                                        </p:tav>
-                                      </p:tavLst>
-                                    </p:anim>
-                                    <p:anim calcmode="lin" valueType="num">
-                                      <p:cBhvr additive="base">
-                                        <p:cTn id="11" dur="500" fill="hold"/>
-                                        <p:tgtEl>
-                                          <p:spTgt spid="4"/>
-                                        </p:tgtEl>
-                                        <p:attrNameLst>
-                                          <p:attrName>ppt_y</p:attrName>
-                                        </p:attrNameLst>
-                                      </p:cBhvr>
-                                      <p:tavLst>
-                                        <p:tav tm="0">
-                                          <p:val>
-                                            <p:strVal val="1+#ppt_h/2"/>
-                                          </p:val>
-                                        </p:tav>
-                                        <p:tav tm="100000">
-                                          <p:val>
-                                            <p:strVal val="#ppt_y"/>
-                                          </p:val>
-                                        </p:tav>
-                                      </p:tavLst>
-                                    </p:anim>
-                                  </p:childTnLst>
-                                </p:cTn>
-                              </p:par>
-                            </p:childTnLst>
-                          </p:cTn>
-                        </p:par>
-                        <p:par>
-                          <p:cTn id="12" fill="hold">
-                            <p:stCondLst>
-                              <p:cond delay="500"/>
-                            </p:stCondLst>
-                            <p:childTnLst>
-                              <p:par>
-                                <p:cTn id="13" presetID="26" presetClass="emph" presetSubtype="0" repeatCount="indefinite" grpId="0" nodeType="afterEffect">
-                                  <p:stCondLst>
-                                    <p:cond delay="0"/>
-                                  </p:stCondLst>
-                                  <p:endCondLst>
-                                    <p:cond evt="onNext" delay="0">
-                                      <p:tgtEl>
-                                        <p:sldTgt/>
-                                      </p:tgtEl>
-                                    </p:cond>
-                                  </p:endCondLst>
-                                  <p:childTnLst>
-                                    <p:animEffect transition="out" filter="fade">
-                                      <p:cBhvr>
-                                        <p:cTn id="14" dur="1000" tmFilter="0, 0; .2, .5; .8, .5; 1, 0"/>
-                                        <p:tgtEl>
-                                          <p:spTgt spid="4"/>
-                                        </p:tgtEl>
-                                      </p:cBhvr>
-                                    </p:animEffect>
-                                    <p:animScale>
-                                      <p:cBhvr>
-                                        <p:cTn id="15" dur="500" autoRev="1" fill="hold"/>
-                                        <p:tgtEl>
-                                          <p:spTgt spid="4"/>
-                                        </p:tgtEl>
-                                      </p:cBhvr>
-                                      <p:by x="105000" y="105000"/>
-                                    </p:animScale>
-                                  </p:childTnLst>
-                                </p:cTn>
-                              </p:par>
-                            </p:childTnLst>
-                          </p:cTn>
-                        </p:par>
-                      </p:childTnLst>
-                    </p:cTn>
-                  </p:par>
-                </p:childTnLst>
-              </p:cTn>
-              <p:prevCondLst>
-                <p:cond evt="onPrev" delay="0">
-                  <p:tgtEl>
-                    <p:sldTgt/>
-                  </p:tgtEl>
-                </p:cond>
-              </p:prevCondLst>
-              <p:nextCondLst>
-                <p:cond evt="onNext" delay="0">
-                  <p:tgtEl>
-                    <p:sldTgt/>
-                  </p:tgtEl>
-                </p:cond>
-              </p:nextCondLst>
-            </p:seq>
-          </p:childTnLst>
-        </p:cTn>
-      </p:par>
-    </p:tnLst>
-    <p:bldLst>
-      <p:bldP spid="2" grpId="0" animBg="1"/>
-      <p:bldP spid="4" grpId="0"/>
-      <p:bldP spid="4" grpId="1"/>
-    </p:bldLst>
-  </p:timing>
-</p:sld>
-</file>
-
-<file path=ppt/slides/slide20.xml><?xml version="1.0" encoding="utf-8"?>
+<file path=ppt/slides/slide21.xml><?xml version="1.0" encoding="utf-8"?>
 <p:sld xmlns:a="http://schemas.openxmlformats.org/drawingml/2006/main" xmlns:r="http://schemas.openxmlformats.org/officeDocument/2006/relationships" xmlns:p="http://schemas.openxmlformats.org/presentationml/2006/main">
   <p:cSld>
     <p:spTree>
@@ -13801,7 +14324,7 @@
 </p:sld>
 </file>
 
-<file path=ppt/slides/slide21.xml><?xml version="1.0" encoding="utf-8"?>
+<file path=ppt/slides/slide22.xml><?xml version="1.0" encoding="utf-8"?>
 <p:sld xmlns:a="http://schemas.openxmlformats.org/drawingml/2006/main" xmlns:r="http://schemas.openxmlformats.org/officeDocument/2006/relationships" xmlns:p="http://schemas.openxmlformats.org/presentationml/2006/main">
   <p:cSld>
     <p:spTree>
@@ -14779,7 +15302,7 @@
 </p:sld>
 </file>
 
-<file path=ppt/slides/slide22.xml><?xml version="1.0" encoding="utf-8"?>
+<file path=ppt/slides/slide23.xml><?xml version="1.0" encoding="utf-8"?>
 <p:sld xmlns:a="http://schemas.openxmlformats.org/drawingml/2006/main" xmlns:r="http://schemas.openxmlformats.org/officeDocument/2006/relationships" xmlns:p="http://schemas.openxmlformats.org/presentationml/2006/main">
   <p:cSld>
     <p:spTree>
@@ -15672,7 +16195,7 @@
 </p:sld>
 </file>
 
-<file path=ppt/slides/slide23.xml><?xml version="1.0" encoding="utf-8"?>
+<file path=ppt/slides/slide24.xml><?xml version="1.0" encoding="utf-8"?>
 <p:sld xmlns:a="http://schemas.openxmlformats.org/drawingml/2006/main" xmlns:r="http://schemas.openxmlformats.org/officeDocument/2006/relationships" xmlns:p="http://schemas.openxmlformats.org/presentationml/2006/main">
   <p:cSld>
     <p:spTree>
@@ -16324,7 +16847,7 @@
 </p:sld>
 </file>
 
-<file path=ppt/slides/slide24.xml><?xml version="1.0" encoding="utf-8"?>
+<file path=ppt/slides/slide25.xml><?xml version="1.0" encoding="utf-8"?>
 <p:sld xmlns:a="http://schemas.openxmlformats.org/drawingml/2006/main" xmlns:r="http://schemas.openxmlformats.org/officeDocument/2006/relationships" xmlns:p="http://schemas.openxmlformats.org/presentationml/2006/main">
   <p:cSld>
     <p:spTree>
@@ -17217,7 +17740,7 @@
 </p:sld>
 </file>
 
-<file path=ppt/slides/slide25.xml><?xml version="1.0" encoding="utf-8"?>
+<file path=ppt/slides/slide26.xml><?xml version="1.0" encoding="utf-8"?>
 <p:sld xmlns:a="http://schemas.openxmlformats.org/drawingml/2006/main" xmlns:r="http://schemas.openxmlformats.org/officeDocument/2006/relationships" xmlns:p="http://schemas.openxmlformats.org/presentationml/2006/main">
   <p:cSld>
     <p:spTree>
@@ -17826,7 +18349,7 @@
 </p:sld>
 </file>
 
-<file path=ppt/slides/slide26.xml><?xml version="1.0" encoding="utf-8"?>
+<file path=ppt/slides/slide27.xml><?xml version="1.0" encoding="utf-8"?>
 <p:sld xmlns:a="http://schemas.openxmlformats.org/drawingml/2006/main" xmlns:r="http://schemas.openxmlformats.org/officeDocument/2006/relationships" xmlns:p="http://schemas.openxmlformats.org/presentationml/2006/main">
   <p:cSld>
     <p:spTree>
@@ -18719,7 +19242,7 @@
 </p:sld>
 </file>
 
-<file path=ppt/slides/slide27.xml><?xml version="1.0" encoding="utf-8"?>
+<file path=ppt/slides/slide28.xml><?xml version="1.0" encoding="utf-8"?>
 <p:sld xmlns:a="http://schemas.openxmlformats.org/drawingml/2006/main" xmlns:r="http://schemas.openxmlformats.org/officeDocument/2006/relationships" xmlns:p="http://schemas.openxmlformats.org/presentationml/2006/main">
   <p:cSld>
     <p:spTree>
@@ -19547,7 +20070,7 @@
 </p:sld>
 </file>
 
-<file path=ppt/slides/slide28.xml><?xml version="1.0" encoding="utf-8"?>
+<file path=ppt/slides/slide29.xml><?xml version="1.0" encoding="utf-8"?>
 <p:sld xmlns:a="http://schemas.openxmlformats.org/drawingml/2006/main" xmlns:r="http://schemas.openxmlformats.org/officeDocument/2006/relationships" xmlns:p="http://schemas.openxmlformats.org/presentationml/2006/main">
   <p:cSld>
     <p:spTree>
@@ -20440,7 +20963,417 @@
 </p:sld>
 </file>
 
-<file path=ppt/slides/slide29.xml><?xml version="1.0" encoding="utf-8"?>
+<file path=ppt/slides/slide3.xml><?xml version="1.0" encoding="utf-8"?>
+<p:sld xmlns:a="http://schemas.openxmlformats.org/drawingml/2006/main" xmlns:r="http://schemas.openxmlformats.org/officeDocument/2006/relationships" xmlns:p="http://schemas.openxmlformats.org/presentationml/2006/main">
+  <p:cSld>
+    <p:spTree>
+      <p:nvGrpSpPr>
+        <p:cNvPr id="1" name=""/>
+        <p:cNvGrpSpPr/>
+        <p:nvPr/>
+      </p:nvGrpSpPr>
+      <p:grpSpPr>
+        <a:xfrm>
+          <a:off x="0" y="0"/>
+          <a:ext cx="0" cy="0"/>
+          <a:chOff x="0" y="0"/>
+          <a:chExt cx="0" cy="0"/>
+        </a:xfrm>
+      </p:grpSpPr>
+      <p:sp>
+        <p:nvSpPr>
+          <p:cNvPr id="5" name="Background">
+            <a:extLst>
+              <a:ext uri="{FF2B5EF4-FFF2-40B4-BE49-F238E27FC236}">
+                <a16:creationId xmlns:a16="http://schemas.microsoft.com/office/drawing/2014/main" id="{A3DE7918-D53B-47AE-9AE8-9E18C9BB2D57}"/>
+              </a:ext>
+            </a:extLst>
+          </p:cNvPr>
+          <p:cNvSpPr/>
+          <p:nvPr/>
+        </p:nvSpPr>
+        <p:spPr>
+          <a:xfrm>
+            <a:off x="-590550" y="0"/>
+            <a:ext cx="13220700" cy="6858000"/>
+          </a:xfrm>
+          <a:prstGeom prst="rect">
+            <a:avLst/>
+          </a:prstGeom>
+          <a:solidFill>
+            <a:srgbClr val="FFCA64"/>
+          </a:solidFill>
+          <a:ln>
+            <a:solidFill>
+              <a:srgbClr val="5475B9"/>
+            </a:solidFill>
+          </a:ln>
+        </p:spPr>
+        <p:style>
+          <a:lnRef idx="2">
+            <a:schemeClr val="accent1">
+              <a:shade val="50000"/>
+            </a:schemeClr>
+          </a:lnRef>
+          <a:fillRef idx="1">
+            <a:schemeClr val="accent1"/>
+          </a:fillRef>
+          <a:effectRef idx="0">
+            <a:schemeClr val="accent1"/>
+          </a:effectRef>
+          <a:fontRef idx="minor">
+            <a:schemeClr val="lt1"/>
+          </a:fontRef>
+        </p:style>
+        <p:txBody>
+          <a:bodyPr rtlCol="0" anchor="ctr"/>
+          <a:lstStyle/>
+          <a:p>
+            <a:pPr algn="ctr"/>
+            <a:endParaRPr lang="pt-PT"/>
+          </a:p>
+        </p:txBody>
+      </p:sp>
+      <p:sp>
+        <p:nvSpPr>
+          <p:cNvPr id="2" name="Thought Bubble">
+            <a:extLst>
+              <a:ext uri="{FF2B5EF4-FFF2-40B4-BE49-F238E27FC236}">
+                <a16:creationId xmlns:a16="http://schemas.microsoft.com/office/drawing/2014/main" id="{B36EC161-B1B1-4D8F-B7AC-7D0052EC6BFF}"/>
+              </a:ext>
+            </a:extLst>
+          </p:cNvPr>
+          <p:cNvSpPr/>
+          <p:nvPr/>
+        </p:nvSpPr>
+        <p:spPr>
+          <a:xfrm>
+            <a:off x="2174079" y="438418"/>
+            <a:ext cx="7843839" cy="5360041"/>
+          </a:xfrm>
+          <a:prstGeom prst="cloudCallout">
+            <a:avLst/>
+          </a:prstGeom>
+          <a:solidFill>
+            <a:srgbClr val="5475B9"/>
+          </a:solidFill>
+          <a:ln>
+            <a:noFill/>
+          </a:ln>
+          <a:effectLst>
+            <a:outerShdw blurRad="63500" sx="102000" sy="102000" algn="ctr" rotWithShape="0">
+              <a:prstClr val="black">
+                <a:alpha val="40000"/>
+              </a:prstClr>
+            </a:outerShdw>
+          </a:effectLst>
+        </p:spPr>
+        <p:style>
+          <a:lnRef idx="2">
+            <a:schemeClr val="accent1">
+              <a:shade val="50000"/>
+            </a:schemeClr>
+          </a:lnRef>
+          <a:fillRef idx="1">
+            <a:schemeClr val="accent1"/>
+          </a:fillRef>
+          <a:effectRef idx="0">
+            <a:schemeClr val="accent1"/>
+          </a:effectRef>
+          <a:fontRef idx="minor">
+            <a:schemeClr val="lt1"/>
+          </a:fontRef>
+        </p:style>
+        <p:txBody>
+          <a:bodyPr rtlCol="0" anchor="ctr"/>
+          <a:lstStyle/>
+          <a:p>
+            <a:pPr algn="ctr"/>
+            <a:endParaRPr lang="pt-PT"/>
+          </a:p>
+        </p:txBody>
+      </p:sp>
+      <p:sp>
+        <p:nvSpPr>
+          <p:cNvPr id="4" name="Question">
+            <a:extLst>
+              <a:ext uri="{FF2B5EF4-FFF2-40B4-BE49-F238E27FC236}">
+                <a16:creationId xmlns:a16="http://schemas.microsoft.com/office/drawing/2014/main" id="{ECBB1324-424B-4168-9955-3950751E7C91}"/>
+              </a:ext>
+            </a:extLst>
+          </p:cNvPr>
+          <p:cNvSpPr/>
+          <p:nvPr/>
+        </p:nvSpPr>
+        <p:spPr>
+          <a:xfrm>
+            <a:off x="4324878" y="305068"/>
+            <a:ext cx="3542243" cy="6247864"/>
+          </a:xfrm>
+          <a:prstGeom prst="rect">
+            <a:avLst/>
+          </a:prstGeom>
+          <a:noFill/>
+        </p:spPr>
+        <p:txBody>
+          <a:bodyPr wrap="square" lIns="91440" tIns="45720" rIns="91440" bIns="45720">
+            <a:spAutoFit/>
+          </a:bodyPr>
+          <a:lstStyle/>
+          <a:p>
+            <a:pPr algn="ctr"/>
+            <a:r>
+              <a:rPr lang="en-US" sz="40000" b="0" cap="none" spc="0" dirty="0">
+                <a:ln w="0"/>
+                <a:solidFill>
+                  <a:schemeClr val="tx1"/>
+                </a:solidFill>
+                <a:effectLst>
+                  <a:outerShdw blurRad="38100" dist="19050" dir="2700000" algn="tl" rotWithShape="0">
+                    <a:schemeClr val="dk1">
+                      <a:alpha val="40000"/>
+                    </a:schemeClr>
+                  </a:outerShdw>
+                </a:effectLst>
+                <a:latin typeface="Microsoft Sans Serif" panose="020B0604020202020204" pitchFamily="34" charset="0"/>
+              </a:rPr>
+              <a:t>?</a:t>
+            </a:r>
+          </a:p>
+        </p:txBody>
+      </p:sp>
+    </p:spTree>
+    <p:extLst>
+      <p:ext uri="{BB962C8B-B14F-4D97-AF65-F5344CB8AC3E}">
+        <p14:creationId xmlns:p14="http://schemas.microsoft.com/office/powerpoint/2010/main" val="2420079348"/>
+      </p:ext>
+    </p:extLst>
+  </p:cSld>
+  <p:clrMapOvr>
+    <a:masterClrMapping/>
+  </p:clrMapOvr>
+  <mc:AlternateContent xmlns:mc="http://schemas.openxmlformats.org/markup-compatibility/2006" xmlns:p15="http://schemas.microsoft.com/office/powerpoint/2012/main">
+    <mc:Choice Requires="p15">
+      <p:transition xmlns:p14="http://schemas.microsoft.com/office/powerpoint/2010/main" spd="slow" p14:dur="1250">
+        <p15:prstTrans prst="peelOff"/>
+      </p:transition>
+    </mc:Choice>
+    <mc:Fallback xmlns="">
+      <p:transition spd="slow">
+        <p:fade/>
+      </p:transition>
+    </mc:Fallback>
+  </mc:AlternateContent>
+  <p:timing>
+    <p:tnLst>
+      <p:par>
+        <p:cTn id="1" dur="indefinite" restart="never" nodeType="tmRoot">
+          <p:childTnLst>
+            <p:seq concurrent="1" nextAc="seek">
+              <p:cTn id="2" dur="indefinite" nodeType="mainSeq">
+                <p:childTnLst>
+                  <p:par>
+                    <p:cTn id="3" fill="hold">
+                      <p:stCondLst>
+                        <p:cond delay="indefinite"/>
+                        <p:cond evt="onBegin" delay="0">
+                          <p:tn val="2"/>
+                        </p:cond>
+                      </p:stCondLst>
+                      <p:childTnLst>
+                        <p:par>
+                          <p:cTn id="4" fill="hold">
+                            <p:stCondLst>
+                              <p:cond delay="0"/>
+                            </p:stCondLst>
+                            <p:childTnLst>
+                              <p:par>
+                                <p:cTn id="5" presetID="10" presetClass="entr" presetSubtype="0" fill="hold" grpId="0" nodeType="withEffect">
+                                  <p:stCondLst>
+                                    <p:cond delay="0"/>
+                                  </p:stCondLst>
+                                  <p:childTnLst>
+                                    <p:set>
+                                      <p:cBhvr>
+                                        <p:cTn id="6" dur="1" fill="hold">
+                                          <p:stCondLst>
+                                            <p:cond delay="0"/>
+                                          </p:stCondLst>
+                                        </p:cTn>
+                                        <p:tgtEl>
+                                          <p:spTgt spid="2"/>
+                                        </p:tgtEl>
+                                        <p:attrNameLst>
+                                          <p:attrName>style.visibility</p:attrName>
+                                        </p:attrNameLst>
+                                      </p:cBhvr>
+                                      <p:to>
+                                        <p:strVal val="visible"/>
+                                      </p:to>
+                                    </p:set>
+                                    <p:animEffect transition="in" filter="fade">
+                                      <p:cBhvr>
+                                        <p:cTn id="7" dur="500"/>
+                                        <p:tgtEl>
+                                          <p:spTgt spid="2"/>
+                                        </p:tgtEl>
+                                      </p:cBhvr>
+                                    </p:animEffect>
+                                  </p:childTnLst>
+                                </p:cTn>
+                              </p:par>
+                              <p:par>
+                                <p:cTn id="8" presetID="2" presetClass="entr" presetSubtype="4" fill="hold" grpId="1" nodeType="withEffect">
+                                  <p:stCondLst>
+                                    <p:cond delay="0"/>
+                                  </p:stCondLst>
+                                  <p:childTnLst>
+                                    <p:set>
+                                      <p:cBhvr>
+                                        <p:cTn id="9" dur="1" fill="hold">
+                                          <p:stCondLst>
+                                            <p:cond delay="0"/>
+                                          </p:stCondLst>
+                                        </p:cTn>
+                                        <p:tgtEl>
+                                          <p:spTgt spid="4"/>
+                                        </p:tgtEl>
+                                        <p:attrNameLst>
+                                          <p:attrName>style.visibility</p:attrName>
+                                        </p:attrNameLst>
+                                      </p:cBhvr>
+                                      <p:to>
+                                        <p:strVal val="visible"/>
+                                      </p:to>
+                                    </p:set>
+                                    <p:anim calcmode="lin" valueType="num">
+                                      <p:cBhvr additive="base">
+                                        <p:cTn id="10" dur="500" fill="hold"/>
+                                        <p:tgtEl>
+                                          <p:spTgt spid="4"/>
+                                        </p:tgtEl>
+                                        <p:attrNameLst>
+                                          <p:attrName>ppt_x</p:attrName>
+                                        </p:attrNameLst>
+                                      </p:cBhvr>
+                                      <p:tavLst>
+                                        <p:tav tm="0">
+                                          <p:val>
+                                            <p:strVal val="#ppt_x"/>
+                                          </p:val>
+                                        </p:tav>
+                                        <p:tav tm="100000">
+                                          <p:val>
+                                            <p:strVal val="#ppt_x"/>
+                                          </p:val>
+                                        </p:tav>
+                                      </p:tavLst>
+                                    </p:anim>
+                                    <p:anim calcmode="lin" valueType="num">
+                                      <p:cBhvr additive="base">
+                                        <p:cTn id="11" dur="500" fill="hold"/>
+                                        <p:tgtEl>
+                                          <p:spTgt spid="4"/>
+                                        </p:tgtEl>
+                                        <p:attrNameLst>
+                                          <p:attrName>ppt_y</p:attrName>
+                                        </p:attrNameLst>
+                                      </p:cBhvr>
+                                      <p:tavLst>
+                                        <p:tav tm="0">
+                                          <p:val>
+                                            <p:strVal val="1+#ppt_h/2"/>
+                                          </p:val>
+                                        </p:tav>
+                                        <p:tav tm="100000">
+                                          <p:val>
+                                            <p:strVal val="#ppt_y"/>
+                                          </p:val>
+                                        </p:tav>
+                                      </p:tavLst>
+                                    </p:anim>
+                                  </p:childTnLst>
+                                </p:cTn>
+                              </p:par>
+                            </p:childTnLst>
+                          </p:cTn>
+                        </p:par>
+                        <p:par>
+                          <p:cTn id="12" fill="hold">
+                            <p:stCondLst>
+                              <p:cond delay="500"/>
+                            </p:stCondLst>
+                            <p:childTnLst>
+                              <p:par>
+                                <p:cTn id="13" presetID="26" presetClass="emph" presetSubtype="0" repeatCount="indefinite" grpId="0" nodeType="afterEffect">
+                                  <p:stCondLst>
+                                    <p:cond delay="0"/>
+                                  </p:stCondLst>
+                                  <p:endCondLst>
+                                    <p:cond evt="onNext" delay="0">
+                                      <p:tgtEl>
+                                        <p:sldTgt/>
+                                      </p:tgtEl>
+                                    </p:cond>
+                                  </p:endCondLst>
+                                  <p:childTnLst>
+                                    <p:animEffect transition="out" filter="fade">
+                                      <p:cBhvr>
+                                        <p:cTn id="14" dur="1000" tmFilter="0, 0; .2, .5; .8, .5; 1, 0"/>
+                                        <p:tgtEl>
+                                          <p:spTgt spid="4"/>
+                                        </p:tgtEl>
+                                      </p:cBhvr>
+                                    </p:animEffect>
+                                    <p:animScale>
+                                      <p:cBhvr>
+                                        <p:cTn id="15" dur="500" autoRev="1" fill="hold"/>
+                                        <p:tgtEl>
+                                          <p:spTgt spid="4"/>
+                                        </p:tgtEl>
+                                      </p:cBhvr>
+                                      <p:by x="105000" y="105000"/>
+                                    </p:animScale>
+                                  </p:childTnLst>
+                                </p:cTn>
+                              </p:par>
+                            </p:childTnLst>
+                          </p:cTn>
+                        </p:par>
+                      </p:childTnLst>
+                    </p:cTn>
+                  </p:par>
+                </p:childTnLst>
+              </p:cTn>
+              <p:prevCondLst>
+                <p:cond evt="onPrev" delay="0">
+                  <p:tgtEl>
+                    <p:sldTgt/>
+                  </p:tgtEl>
+                </p:cond>
+              </p:prevCondLst>
+              <p:nextCondLst>
+                <p:cond evt="onNext" delay="0">
+                  <p:tgtEl>
+                    <p:sldTgt/>
+                  </p:tgtEl>
+                </p:cond>
+              </p:nextCondLst>
+            </p:seq>
+          </p:childTnLst>
+        </p:cTn>
+      </p:par>
+    </p:tnLst>
+    <p:bldLst>
+      <p:bldP spid="2" grpId="0" animBg="1"/>
+      <p:bldP spid="4" grpId="0"/>
+      <p:bldP spid="4" grpId="1"/>
+    </p:bldLst>
+  </p:timing>
+</p:sld>
+</file>
+
+<file path=ppt/slides/slide30.xml><?xml version="1.0" encoding="utf-8"?>
 <p:sld xmlns:a="http://schemas.openxmlformats.org/drawingml/2006/main" xmlns:r="http://schemas.openxmlformats.org/officeDocument/2006/relationships" xmlns:p="http://schemas.openxmlformats.org/presentationml/2006/main">
   <p:cSld>
     <p:spTree>
@@ -20948,7 +21881,1401 @@
 </p:sld>
 </file>
 
-<file path=ppt/slides/slide3.xml><?xml version="1.0" encoding="utf-8"?>
+<file path=ppt/slides/slide31.xml><?xml version="1.0" encoding="utf-8"?>
+<p:sld xmlns:a="http://schemas.openxmlformats.org/drawingml/2006/main" xmlns:r="http://schemas.openxmlformats.org/officeDocument/2006/relationships" xmlns:p="http://schemas.openxmlformats.org/presentationml/2006/main">
+  <p:cSld>
+    <p:spTree>
+      <p:nvGrpSpPr>
+        <p:cNvPr id="1" name=""/>
+        <p:cNvGrpSpPr/>
+        <p:nvPr/>
+      </p:nvGrpSpPr>
+      <p:grpSpPr>
+        <a:xfrm>
+          <a:off x="0" y="0"/>
+          <a:ext cx="0" cy="0"/>
+          <a:chOff x="0" y="0"/>
+          <a:chExt cx="0" cy="0"/>
+        </a:xfrm>
+      </p:grpSpPr>
+      <p:sp>
+        <p:nvSpPr>
+          <p:cNvPr id="4" name="Background">
+            <a:extLst>
+              <a:ext uri="{FF2B5EF4-FFF2-40B4-BE49-F238E27FC236}">
+                <a16:creationId xmlns:a16="http://schemas.microsoft.com/office/drawing/2014/main" id="{6586C8CB-A7CC-403F-B8E1-EF89AE8DAF59}"/>
+              </a:ext>
+            </a:extLst>
+          </p:cNvPr>
+          <p:cNvSpPr/>
+          <p:nvPr/>
+        </p:nvSpPr>
+        <p:spPr>
+          <a:xfrm>
+            <a:off x="-590550" y="0"/>
+            <a:ext cx="13220700" cy="6858000"/>
+          </a:xfrm>
+          <a:prstGeom prst="rect">
+            <a:avLst/>
+          </a:prstGeom>
+          <a:solidFill>
+            <a:srgbClr val="5475B9"/>
+          </a:solidFill>
+          <a:ln>
+            <a:solidFill>
+              <a:srgbClr val="5475B9"/>
+            </a:solidFill>
+          </a:ln>
+        </p:spPr>
+        <p:style>
+          <a:lnRef idx="2">
+            <a:schemeClr val="accent1">
+              <a:shade val="50000"/>
+            </a:schemeClr>
+          </a:lnRef>
+          <a:fillRef idx="1">
+            <a:schemeClr val="accent1"/>
+          </a:fillRef>
+          <a:effectRef idx="0">
+            <a:schemeClr val="accent1"/>
+          </a:effectRef>
+          <a:fontRef idx="minor">
+            <a:schemeClr val="lt1"/>
+          </a:fontRef>
+        </p:style>
+        <p:txBody>
+          <a:bodyPr rtlCol="0" anchor="ctr"/>
+          <a:lstStyle/>
+          <a:p>
+            <a:pPr algn="ctr"/>
+            <a:endParaRPr lang="pt-PT"/>
+          </a:p>
+        </p:txBody>
+      </p:sp>
+      <p:sp>
+        <p:nvSpPr>
+          <p:cNvPr id="5" name="Five">
+            <a:extLst>
+              <a:ext uri="{FF2B5EF4-FFF2-40B4-BE49-F238E27FC236}">
+                <a16:creationId xmlns:a16="http://schemas.microsoft.com/office/drawing/2014/main" id="{2BBE8026-94B6-4E87-9349-07F619559CB5}"/>
+              </a:ext>
+            </a:extLst>
+          </p:cNvPr>
+          <p:cNvSpPr/>
+          <p:nvPr/>
+        </p:nvSpPr>
+        <p:spPr>
+          <a:xfrm>
+            <a:off x="-114300" y="1272450"/>
+            <a:ext cx="12420600" cy="3170099"/>
+          </a:xfrm>
+          <a:prstGeom prst="rect">
+            <a:avLst/>
+          </a:prstGeom>
+          <a:noFill/>
+          <a:effectLst>
+            <a:outerShdw blurRad="63500" sx="102000" sy="102000" algn="ctr" rotWithShape="0">
+              <a:prstClr val="black">
+                <a:alpha val="40000"/>
+              </a:prstClr>
+            </a:outerShdw>
+          </a:effectLst>
+        </p:spPr>
+        <p:txBody>
+          <a:bodyPr wrap="square" lIns="91440" tIns="45720" rIns="91440" bIns="45720">
+            <a:spAutoFit/>
+          </a:bodyPr>
+          <a:lstStyle/>
+          <a:p>
+            <a:pPr algn="ctr"/>
+            <a:r>
+              <a:rPr lang="en-US" sz="20000" dirty="0">
+                <a:ln w="0"/>
+                <a:effectLst>
+                  <a:outerShdw blurRad="38100" dist="19050" dir="2700000" algn="tl" rotWithShape="0">
+                    <a:schemeClr val="dk1">
+                      <a:alpha val="40000"/>
+                    </a:schemeClr>
+                  </a:outerShdw>
+                </a:effectLst>
+                <a:latin typeface="Microsoft Sans Serif" panose="020B0604020202020204" pitchFamily="34" charset="0"/>
+              </a:rPr>
+              <a:t>SMART</a:t>
+            </a:r>
+            <a:endParaRPr lang="en-US" sz="20000" b="0" cap="none" spc="0" dirty="0">
+              <a:ln w="0"/>
+              <a:solidFill>
+                <a:schemeClr val="tx1"/>
+              </a:solidFill>
+              <a:effectLst>
+                <a:outerShdw blurRad="38100" dist="19050" dir="2700000" algn="tl" rotWithShape="0">
+                  <a:schemeClr val="dk1">
+                    <a:alpha val="40000"/>
+                  </a:schemeClr>
+                </a:outerShdw>
+              </a:effectLst>
+              <a:latin typeface="Microsoft Sans Serif" panose="020B0604020202020204" pitchFamily="34" charset="0"/>
+            </a:endParaRPr>
+          </a:p>
+        </p:txBody>
+      </p:sp>
+      <p:grpSp>
+        <p:nvGrpSpPr>
+          <p:cNvPr id="15" name="SmartGuy">
+            <a:extLst>
+              <a:ext uri="{FF2B5EF4-FFF2-40B4-BE49-F238E27FC236}">
+                <a16:creationId xmlns:a16="http://schemas.microsoft.com/office/drawing/2014/main" id="{523B407A-54B6-485B-AABA-1100D4AFFFCA}"/>
+              </a:ext>
+            </a:extLst>
+          </p:cNvPr>
+          <p:cNvGrpSpPr/>
+          <p:nvPr/>
+        </p:nvGrpSpPr>
+        <p:grpSpPr>
+          <a:xfrm>
+            <a:off x="4434748" y="3761426"/>
+            <a:ext cx="3170099" cy="3327736"/>
+            <a:chOff x="4434748" y="3761426"/>
+            <a:chExt cx="3170099" cy="3327736"/>
+          </a:xfrm>
+        </p:grpSpPr>
+        <p:pic>
+          <p:nvPicPr>
+            <p:cNvPr id="9" name="Graphic 8">
+              <a:extLst>
+                <a:ext uri="{FF2B5EF4-FFF2-40B4-BE49-F238E27FC236}">
+                  <a16:creationId xmlns:a16="http://schemas.microsoft.com/office/drawing/2014/main" id="{39B142CC-3DC8-4AC2-80DD-AC24B6B16627}"/>
+                </a:ext>
+              </a:extLst>
+            </p:cNvPr>
+            <p:cNvPicPr>
+              <a:picLocks noChangeAspect="1"/>
+            </p:cNvPicPr>
+            <p:nvPr/>
+          </p:nvPicPr>
+          <p:blipFill>
+            <a:blip r:embed="rId2">
+              <a:extLst>
+                <a:ext uri="{28A0092B-C50C-407E-A947-70E740481C1C}">
+                  <a14:useLocalDpi xmlns:a14="http://schemas.microsoft.com/office/drawing/2010/main" val="0"/>
+                </a:ext>
+                <a:ext uri="{96DAC541-7B7A-43D3-8B79-37D633B846F1}">
+                  <asvg:svgBlip xmlns:asvg="http://schemas.microsoft.com/office/drawing/2016/SVG/main" r:embed="rId3"/>
+                </a:ext>
+              </a:extLst>
+            </a:blip>
+            <a:stretch>
+              <a:fillRect/>
+            </a:stretch>
+          </p:blipFill>
+          <p:spPr>
+            <a:xfrm flipV="1">
+              <a:off x="4617674" y="3761426"/>
+              <a:ext cx="2804249" cy="2804249"/>
+            </a:xfrm>
+            <a:prstGeom prst="rect">
+              <a:avLst/>
+            </a:prstGeom>
+          </p:spPr>
+        </p:pic>
+        <p:pic>
+          <p:nvPicPr>
+            <p:cNvPr id="7" name="Graphic 6">
+              <a:extLst>
+                <a:ext uri="{FF2B5EF4-FFF2-40B4-BE49-F238E27FC236}">
+                  <a16:creationId xmlns:a16="http://schemas.microsoft.com/office/drawing/2014/main" id="{8F16A017-C776-440B-A12A-1D7D78C08746}"/>
+                </a:ext>
+              </a:extLst>
+            </p:cNvPr>
+            <p:cNvPicPr>
+              <a:picLocks noChangeAspect="1"/>
+            </p:cNvPicPr>
+            <p:nvPr/>
+          </p:nvPicPr>
+          <p:blipFill>
+            <a:blip r:embed="rId4">
+              <a:extLst>
+                <a:ext uri="{28A0092B-C50C-407E-A947-70E740481C1C}">
+                  <a14:useLocalDpi xmlns:a14="http://schemas.microsoft.com/office/drawing/2010/main" val="0"/>
+                </a:ext>
+                <a:ext uri="{96DAC541-7B7A-43D3-8B79-37D633B846F1}">
+                  <asvg:svgBlip xmlns:asvg="http://schemas.microsoft.com/office/drawing/2016/SVG/main" r:embed="rId5"/>
+                </a:ext>
+              </a:extLst>
+            </a:blip>
+            <a:stretch>
+              <a:fillRect/>
+            </a:stretch>
+          </p:blipFill>
+          <p:spPr>
+            <a:xfrm>
+              <a:off x="4434748" y="3919063"/>
+              <a:ext cx="3170099" cy="3170099"/>
+            </a:xfrm>
+            <a:prstGeom prst="rect">
+              <a:avLst/>
+            </a:prstGeom>
+          </p:spPr>
+        </p:pic>
+        <p:pic>
+          <p:nvPicPr>
+            <p:cNvPr id="14" name="Graphic 13">
+              <a:extLst>
+                <a:ext uri="{FF2B5EF4-FFF2-40B4-BE49-F238E27FC236}">
+                  <a16:creationId xmlns:a16="http://schemas.microsoft.com/office/drawing/2014/main" id="{7719C963-BA9D-4722-A701-BF93391A7465}"/>
+                </a:ext>
+              </a:extLst>
+            </p:cNvPr>
+            <p:cNvPicPr>
+              <a:picLocks noChangeAspect="1"/>
+            </p:cNvPicPr>
+            <p:nvPr/>
+          </p:nvPicPr>
+          <p:blipFill>
+            <a:blip r:embed="rId6">
+              <a:extLst>
+                <a:ext uri="{28A0092B-C50C-407E-A947-70E740481C1C}">
+                  <a14:useLocalDpi xmlns:a14="http://schemas.microsoft.com/office/drawing/2010/main" val="0"/>
+                </a:ext>
+                <a:ext uri="{96DAC541-7B7A-43D3-8B79-37D633B846F1}">
+                  <asvg:svgBlip xmlns:asvg="http://schemas.microsoft.com/office/drawing/2016/SVG/main" r:embed="rId7"/>
+                </a:ext>
+              </a:extLst>
+            </a:blip>
+            <a:stretch>
+              <a:fillRect/>
+            </a:stretch>
+          </p:blipFill>
+          <p:spPr>
+            <a:xfrm>
+              <a:off x="5541624" y="5772622"/>
+              <a:ext cx="956345" cy="626144"/>
+            </a:xfrm>
+            <a:prstGeom prst="rect">
+              <a:avLst/>
+            </a:prstGeom>
+          </p:spPr>
+        </p:pic>
+      </p:grpSp>
+    </p:spTree>
+    <p:extLst>
+      <p:ext uri="{BB962C8B-B14F-4D97-AF65-F5344CB8AC3E}">
+        <p14:creationId xmlns:p14="http://schemas.microsoft.com/office/powerpoint/2010/main" val="3486211392"/>
+      </p:ext>
+    </p:extLst>
+  </p:cSld>
+  <p:clrMapOvr>
+    <a:masterClrMapping/>
+  </p:clrMapOvr>
+  <mc:AlternateContent xmlns:mc="http://schemas.openxmlformats.org/markup-compatibility/2006" xmlns:p15="http://schemas.microsoft.com/office/powerpoint/2012/main">
+    <mc:Choice Requires="p15">
+      <p:transition xmlns:p14="http://schemas.microsoft.com/office/powerpoint/2010/main" spd="slow" p14:dur="1250">
+        <p15:prstTrans prst="peelOff"/>
+      </p:transition>
+    </mc:Choice>
+    <mc:Fallback xmlns="">
+      <p:transition spd="slow">
+        <p:fade/>
+      </p:transition>
+    </mc:Fallback>
+  </mc:AlternateContent>
+  <p:timing>
+    <p:tnLst>
+      <p:par>
+        <p:cTn id="1" dur="indefinite" restart="never" nodeType="tmRoot">
+          <p:childTnLst>
+            <p:seq concurrent="1" nextAc="seek">
+              <p:cTn id="2" dur="indefinite" nodeType="mainSeq">
+                <p:childTnLst>
+                  <p:par>
+                    <p:cTn id="3" fill="hold">
+                      <p:stCondLst>
+                        <p:cond delay="indefinite"/>
+                        <p:cond evt="onBegin" delay="0">
+                          <p:tn val="2"/>
+                        </p:cond>
+                      </p:stCondLst>
+                      <p:childTnLst>
+                        <p:par>
+                          <p:cTn id="4" fill="hold">
+                            <p:stCondLst>
+                              <p:cond delay="0"/>
+                            </p:stCondLst>
+                            <p:childTnLst>
+                              <p:par>
+                                <p:cTn id="5" presetID="2" presetClass="entr" presetSubtype="8" fill="hold" grpId="0" nodeType="withEffect">
+                                  <p:stCondLst>
+                                    <p:cond delay="0"/>
+                                  </p:stCondLst>
+                                  <p:childTnLst>
+                                    <p:set>
+                                      <p:cBhvr>
+                                        <p:cTn id="6" dur="1" fill="hold">
+                                          <p:stCondLst>
+                                            <p:cond delay="0"/>
+                                          </p:stCondLst>
+                                        </p:cTn>
+                                        <p:tgtEl>
+                                          <p:spTgt spid="5"/>
+                                        </p:tgtEl>
+                                        <p:attrNameLst>
+                                          <p:attrName>style.visibility</p:attrName>
+                                        </p:attrNameLst>
+                                      </p:cBhvr>
+                                      <p:to>
+                                        <p:strVal val="visible"/>
+                                      </p:to>
+                                    </p:set>
+                                    <p:anim calcmode="lin" valueType="num">
+                                      <p:cBhvr additive="base">
+                                        <p:cTn id="7" dur="500" fill="hold"/>
+                                        <p:tgtEl>
+                                          <p:spTgt spid="5"/>
+                                        </p:tgtEl>
+                                        <p:attrNameLst>
+                                          <p:attrName>ppt_x</p:attrName>
+                                        </p:attrNameLst>
+                                      </p:cBhvr>
+                                      <p:tavLst>
+                                        <p:tav tm="0">
+                                          <p:val>
+                                            <p:strVal val="0-#ppt_w/2"/>
+                                          </p:val>
+                                        </p:tav>
+                                        <p:tav tm="100000">
+                                          <p:val>
+                                            <p:strVal val="#ppt_x"/>
+                                          </p:val>
+                                        </p:tav>
+                                      </p:tavLst>
+                                    </p:anim>
+                                    <p:anim calcmode="lin" valueType="num">
+                                      <p:cBhvr additive="base">
+                                        <p:cTn id="8" dur="500" fill="hold"/>
+                                        <p:tgtEl>
+                                          <p:spTgt spid="5"/>
+                                        </p:tgtEl>
+                                        <p:attrNameLst>
+                                          <p:attrName>ppt_y</p:attrName>
+                                        </p:attrNameLst>
+                                      </p:cBhvr>
+                                      <p:tavLst>
+                                        <p:tav tm="0">
+                                          <p:val>
+                                            <p:strVal val="#ppt_y"/>
+                                          </p:val>
+                                        </p:tav>
+                                        <p:tav tm="100000">
+                                          <p:val>
+                                            <p:strVal val="#ppt_y"/>
+                                          </p:val>
+                                        </p:tav>
+                                      </p:tavLst>
+                                    </p:anim>
+                                  </p:childTnLst>
+                                </p:cTn>
+                              </p:par>
+                              <p:par>
+                                <p:cTn id="9" presetID="2" presetClass="entr" presetSubtype="4" fill="hold" nodeType="withEffect">
+                                  <p:stCondLst>
+                                    <p:cond delay="0"/>
+                                  </p:stCondLst>
+                                  <p:childTnLst>
+                                    <p:set>
+                                      <p:cBhvr>
+                                        <p:cTn id="10" dur="1" fill="hold">
+                                          <p:stCondLst>
+                                            <p:cond delay="0"/>
+                                          </p:stCondLst>
+                                        </p:cTn>
+                                        <p:tgtEl>
+                                          <p:spTgt spid="15"/>
+                                        </p:tgtEl>
+                                        <p:attrNameLst>
+                                          <p:attrName>style.visibility</p:attrName>
+                                        </p:attrNameLst>
+                                      </p:cBhvr>
+                                      <p:to>
+                                        <p:strVal val="visible"/>
+                                      </p:to>
+                                    </p:set>
+                                    <p:anim calcmode="lin" valueType="num">
+                                      <p:cBhvr additive="base">
+                                        <p:cTn id="11" dur="500" fill="hold"/>
+                                        <p:tgtEl>
+                                          <p:spTgt spid="15"/>
+                                        </p:tgtEl>
+                                        <p:attrNameLst>
+                                          <p:attrName>ppt_x</p:attrName>
+                                        </p:attrNameLst>
+                                      </p:cBhvr>
+                                      <p:tavLst>
+                                        <p:tav tm="0">
+                                          <p:val>
+                                            <p:strVal val="#ppt_x"/>
+                                          </p:val>
+                                        </p:tav>
+                                        <p:tav tm="100000">
+                                          <p:val>
+                                            <p:strVal val="#ppt_x"/>
+                                          </p:val>
+                                        </p:tav>
+                                      </p:tavLst>
+                                    </p:anim>
+                                    <p:anim calcmode="lin" valueType="num">
+                                      <p:cBhvr additive="base">
+                                        <p:cTn id="12" dur="500" fill="hold"/>
+                                        <p:tgtEl>
+                                          <p:spTgt spid="15"/>
+                                        </p:tgtEl>
+                                        <p:attrNameLst>
+                                          <p:attrName>ppt_y</p:attrName>
+                                        </p:attrNameLst>
+                                      </p:cBhvr>
+                                      <p:tavLst>
+                                        <p:tav tm="0">
+                                          <p:val>
+                                            <p:strVal val="1+#ppt_h/2"/>
+                                          </p:val>
+                                        </p:tav>
+                                        <p:tav tm="100000">
+                                          <p:val>
+                                            <p:strVal val="#ppt_y"/>
+                                          </p:val>
+                                        </p:tav>
+                                      </p:tavLst>
+                                    </p:anim>
+                                  </p:childTnLst>
+                                </p:cTn>
+                              </p:par>
+                            </p:childTnLst>
+                          </p:cTn>
+                        </p:par>
+                      </p:childTnLst>
+                    </p:cTn>
+                  </p:par>
+                </p:childTnLst>
+              </p:cTn>
+              <p:prevCondLst>
+                <p:cond evt="onPrev" delay="0">
+                  <p:tgtEl>
+                    <p:sldTgt/>
+                  </p:tgtEl>
+                </p:cond>
+              </p:prevCondLst>
+              <p:nextCondLst>
+                <p:cond evt="onNext" delay="0">
+                  <p:tgtEl>
+                    <p:sldTgt/>
+                  </p:tgtEl>
+                </p:cond>
+              </p:nextCondLst>
+            </p:seq>
+          </p:childTnLst>
+        </p:cTn>
+      </p:par>
+    </p:tnLst>
+    <p:bldLst>
+      <p:bldP spid="5" grpId="0"/>
+    </p:bldLst>
+  </p:timing>
+</p:sld>
+</file>
+
+<file path=ppt/slides/slide32.xml><?xml version="1.0" encoding="utf-8"?>
+<p:sld xmlns:a="http://schemas.openxmlformats.org/drawingml/2006/main" xmlns:r="http://schemas.openxmlformats.org/officeDocument/2006/relationships" xmlns:p="http://schemas.openxmlformats.org/presentationml/2006/main">
+  <p:cSld>
+    <p:spTree>
+      <p:nvGrpSpPr>
+        <p:cNvPr id="1" name=""/>
+        <p:cNvGrpSpPr/>
+        <p:nvPr/>
+      </p:nvGrpSpPr>
+      <p:grpSpPr>
+        <a:xfrm>
+          <a:off x="0" y="0"/>
+          <a:ext cx="0" cy="0"/>
+          <a:chOff x="0" y="0"/>
+          <a:chExt cx="0" cy="0"/>
+        </a:xfrm>
+      </p:grpSpPr>
+      <p:sp>
+        <p:nvSpPr>
+          <p:cNvPr id="5" name="Background">
+            <a:extLst>
+              <a:ext uri="{FF2B5EF4-FFF2-40B4-BE49-F238E27FC236}">
+                <a16:creationId xmlns:a16="http://schemas.microsoft.com/office/drawing/2014/main" id="{A3DE7918-D53B-47AE-9AE8-9E18C9BB2D57}"/>
+              </a:ext>
+            </a:extLst>
+          </p:cNvPr>
+          <p:cNvSpPr/>
+          <p:nvPr/>
+        </p:nvSpPr>
+        <p:spPr>
+          <a:xfrm>
+            <a:off x="-590550" y="0"/>
+            <a:ext cx="13220700" cy="6858000"/>
+          </a:xfrm>
+          <a:prstGeom prst="rect">
+            <a:avLst/>
+          </a:prstGeom>
+          <a:solidFill>
+            <a:srgbClr val="FFCA64"/>
+          </a:solidFill>
+          <a:ln>
+            <a:solidFill>
+              <a:srgbClr val="5475B9"/>
+            </a:solidFill>
+          </a:ln>
+        </p:spPr>
+        <p:style>
+          <a:lnRef idx="2">
+            <a:schemeClr val="accent1">
+              <a:shade val="50000"/>
+            </a:schemeClr>
+          </a:lnRef>
+          <a:fillRef idx="1">
+            <a:schemeClr val="accent1"/>
+          </a:fillRef>
+          <a:effectRef idx="0">
+            <a:schemeClr val="accent1"/>
+          </a:effectRef>
+          <a:fontRef idx="minor">
+            <a:schemeClr val="lt1"/>
+          </a:fontRef>
+        </p:style>
+        <p:txBody>
+          <a:bodyPr rtlCol="0" anchor="ctr"/>
+          <a:lstStyle/>
+          <a:p>
+            <a:pPr algn="ctr"/>
+            <a:endParaRPr lang="pt-PT"/>
+          </a:p>
+        </p:txBody>
+      </p:sp>
+      <p:sp>
+        <p:nvSpPr>
+          <p:cNvPr id="2" name="Thought Bubble">
+            <a:extLst>
+              <a:ext uri="{FF2B5EF4-FFF2-40B4-BE49-F238E27FC236}">
+                <a16:creationId xmlns:a16="http://schemas.microsoft.com/office/drawing/2014/main" id="{B36EC161-B1B1-4D8F-B7AC-7D0052EC6BFF}"/>
+              </a:ext>
+            </a:extLst>
+          </p:cNvPr>
+          <p:cNvSpPr/>
+          <p:nvPr/>
+        </p:nvSpPr>
+        <p:spPr>
+          <a:xfrm>
+            <a:off x="2174079" y="438418"/>
+            <a:ext cx="7843839" cy="5360041"/>
+          </a:xfrm>
+          <a:prstGeom prst="cloudCallout">
+            <a:avLst/>
+          </a:prstGeom>
+          <a:solidFill>
+            <a:srgbClr val="5475B9"/>
+          </a:solidFill>
+          <a:ln>
+            <a:noFill/>
+          </a:ln>
+          <a:effectLst>
+            <a:outerShdw blurRad="63500" sx="102000" sy="102000" algn="ctr" rotWithShape="0">
+              <a:prstClr val="black">
+                <a:alpha val="40000"/>
+              </a:prstClr>
+            </a:outerShdw>
+          </a:effectLst>
+        </p:spPr>
+        <p:style>
+          <a:lnRef idx="2">
+            <a:schemeClr val="accent1">
+              <a:shade val="50000"/>
+            </a:schemeClr>
+          </a:lnRef>
+          <a:fillRef idx="1">
+            <a:schemeClr val="accent1"/>
+          </a:fillRef>
+          <a:effectRef idx="0">
+            <a:schemeClr val="accent1"/>
+          </a:effectRef>
+          <a:fontRef idx="minor">
+            <a:schemeClr val="lt1"/>
+          </a:fontRef>
+        </p:style>
+        <p:txBody>
+          <a:bodyPr rtlCol="0" anchor="ctr"/>
+          <a:lstStyle/>
+          <a:p>
+            <a:pPr algn="ctr"/>
+            <a:endParaRPr lang="pt-PT"/>
+          </a:p>
+        </p:txBody>
+      </p:sp>
+      <p:sp>
+        <p:nvSpPr>
+          <p:cNvPr id="4" name="Question">
+            <a:extLst>
+              <a:ext uri="{FF2B5EF4-FFF2-40B4-BE49-F238E27FC236}">
+                <a16:creationId xmlns:a16="http://schemas.microsoft.com/office/drawing/2014/main" id="{ECBB1324-424B-4168-9955-3950751E7C91}"/>
+              </a:ext>
+            </a:extLst>
+          </p:cNvPr>
+          <p:cNvSpPr/>
+          <p:nvPr/>
+        </p:nvSpPr>
+        <p:spPr>
+          <a:xfrm>
+            <a:off x="4324878" y="305068"/>
+            <a:ext cx="3542243" cy="6247864"/>
+          </a:xfrm>
+          <a:prstGeom prst="rect">
+            <a:avLst/>
+          </a:prstGeom>
+          <a:noFill/>
+        </p:spPr>
+        <p:txBody>
+          <a:bodyPr wrap="square" lIns="91440" tIns="45720" rIns="91440" bIns="45720">
+            <a:spAutoFit/>
+          </a:bodyPr>
+          <a:lstStyle/>
+          <a:p>
+            <a:pPr algn="ctr"/>
+            <a:r>
+              <a:rPr lang="en-US" sz="40000" b="0" cap="none" spc="0" dirty="0">
+                <a:ln w="0"/>
+                <a:solidFill>
+                  <a:schemeClr val="tx1"/>
+                </a:solidFill>
+                <a:effectLst>
+                  <a:outerShdw blurRad="38100" dist="19050" dir="2700000" algn="tl" rotWithShape="0">
+                    <a:schemeClr val="dk1">
+                      <a:alpha val="40000"/>
+                    </a:schemeClr>
+                  </a:outerShdw>
+                </a:effectLst>
+                <a:latin typeface="Microsoft Sans Serif" panose="020B0604020202020204" pitchFamily="34" charset="0"/>
+              </a:rPr>
+              <a:t>?</a:t>
+            </a:r>
+          </a:p>
+        </p:txBody>
+      </p:sp>
+    </p:spTree>
+    <p:extLst>
+      <p:ext uri="{BB962C8B-B14F-4D97-AF65-F5344CB8AC3E}">
+        <p14:creationId xmlns:p14="http://schemas.microsoft.com/office/powerpoint/2010/main" val="3962891946"/>
+      </p:ext>
+    </p:extLst>
+  </p:cSld>
+  <p:clrMapOvr>
+    <a:masterClrMapping/>
+  </p:clrMapOvr>
+  <mc:AlternateContent xmlns:mc="http://schemas.openxmlformats.org/markup-compatibility/2006" xmlns:p15="http://schemas.microsoft.com/office/powerpoint/2012/main">
+    <mc:Choice Requires="p15">
+      <p:transition xmlns:p14="http://schemas.microsoft.com/office/powerpoint/2010/main" spd="slow" p14:dur="1250">
+        <p15:prstTrans prst="peelOff"/>
+      </p:transition>
+    </mc:Choice>
+    <mc:Fallback xmlns="">
+      <p:transition spd="slow">
+        <p:fade/>
+      </p:transition>
+    </mc:Fallback>
+  </mc:AlternateContent>
+  <p:timing>
+    <p:tnLst>
+      <p:par>
+        <p:cTn id="1" dur="indefinite" restart="never" nodeType="tmRoot">
+          <p:childTnLst>
+            <p:seq concurrent="1" nextAc="seek">
+              <p:cTn id="2" dur="indefinite" nodeType="mainSeq">
+                <p:childTnLst>
+                  <p:par>
+                    <p:cTn id="3" fill="hold">
+                      <p:stCondLst>
+                        <p:cond delay="indefinite"/>
+                        <p:cond evt="onBegin" delay="0">
+                          <p:tn val="2"/>
+                        </p:cond>
+                      </p:stCondLst>
+                      <p:childTnLst>
+                        <p:par>
+                          <p:cTn id="4" fill="hold">
+                            <p:stCondLst>
+                              <p:cond delay="0"/>
+                            </p:stCondLst>
+                            <p:childTnLst>
+                              <p:par>
+                                <p:cTn id="5" presetID="10" presetClass="entr" presetSubtype="0" fill="hold" grpId="0" nodeType="withEffect">
+                                  <p:stCondLst>
+                                    <p:cond delay="0"/>
+                                  </p:stCondLst>
+                                  <p:childTnLst>
+                                    <p:set>
+                                      <p:cBhvr>
+                                        <p:cTn id="6" dur="1" fill="hold">
+                                          <p:stCondLst>
+                                            <p:cond delay="0"/>
+                                          </p:stCondLst>
+                                        </p:cTn>
+                                        <p:tgtEl>
+                                          <p:spTgt spid="2"/>
+                                        </p:tgtEl>
+                                        <p:attrNameLst>
+                                          <p:attrName>style.visibility</p:attrName>
+                                        </p:attrNameLst>
+                                      </p:cBhvr>
+                                      <p:to>
+                                        <p:strVal val="visible"/>
+                                      </p:to>
+                                    </p:set>
+                                    <p:animEffect transition="in" filter="fade">
+                                      <p:cBhvr>
+                                        <p:cTn id="7" dur="500"/>
+                                        <p:tgtEl>
+                                          <p:spTgt spid="2"/>
+                                        </p:tgtEl>
+                                      </p:cBhvr>
+                                    </p:animEffect>
+                                  </p:childTnLst>
+                                </p:cTn>
+                              </p:par>
+                              <p:par>
+                                <p:cTn id="8" presetID="2" presetClass="entr" presetSubtype="4" fill="hold" grpId="1" nodeType="withEffect">
+                                  <p:stCondLst>
+                                    <p:cond delay="0"/>
+                                  </p:stCondLst>
+                                  <p:childTnLst>
+                                    <p:set>
+                                      <p:cBhvr>
+                                        <p:cTn id="9" dur="1" fill="hold">
+                                          <p:stCondLst>
+                                            <p:cond delay="0"/>
+                                          </p:stCondLst>
+                                        </p:cTn>
+                                        <p:tgtEl>
+                                          <p:spTgt spid="4"/>
+                                        </p:tgtEl>
+                                        <p:attrNameLst>
+                                          <p:attrName>style.visibility</p:attrName>
+                                        </p:attrNameLst>
+                                      </p:cBhvr>
+                                      <p:to>
+                                        <p:strVal val="visible"/>
+                                      </p:to>
+                                    </p:set>
+                                    <p:anim calcmode="lin" valueType="num">
+                                      <p:cBhvr additive="base">
+                                        <p:cTn id="10" dur="500" fill="hold"/>
+                                        <p:tgtEl>
+                                          <p:spTgt spid="4"/>
+                                        </p:tgtEl>
+                                        <p:attrNameLst>
+                                          <p:attrName>ppt_x</p:attrName>
+                                        </p:attrNameLst>
+                                      </p:cBhvr>
+                                      <p:tavLst>
+                                        <p:tav tm="0">
+                                          <p:val>
+                                            <p:strVal val="#ppt_x"/>
+                                          </p:val>
+                                        </p:tav>
+                                        <p:tav tm="100000">
+                                          <p:val>
+                                            <p:strVal val="#ppt_x"/>
+                                          </p:val>
+                                        </p:tav>
+                                      </p:tavLst>
+                                    </p:anim>
+                                    <p:anim calcmode="lin" valueType="num">
+                                      <p:cBhvr additive="base">
+                                        <p:cTn id="11" dur="500" fill="hold"/>
+                                        <p:tgtEl>
+                                          <p:spTgt spid="4"/>
+                                        </p:tgtEl>
+                                        <p:attrNameLst>
+                                          <p:attrName>ppt_y</p:attrName>
+                                        </p:attrNameLst>
+                                      </p:cBhvr>
+                                      <p:tavLst>
+                                        <p:tav tm="0">
+                                          <p:val>
+                                            <p:strVal val="1+#ppt_h/2"/>
+                                          </p:val>
+                                        </p:tav>
+                                        <p:tav tm="100000">
+                                          <p:val>
+                                            <p:strVal val="#ppt_y"/>
+                                          </p:val>
+                                        </p:tav>
+                                      </p:tavLst>
+                                    </p:anim>
+                                  </p:childTnLst>
+                                </p:cTn>
+                              </p:par>
+                            </p:childTnLst>
+                          </p:cTn>
+                        </p:par>
+                        <p:par>
+                          <p:cTn id="12" fill="hold">
+                            <p:stCondLst>
+                              <p:cond delay="500"/>
+                            </p:stCondLst>
+                            <p:childTnLst>
+                              <p:par>
+                                <p:cTn id="13" presetID="26" presetClass="emph" presetSubtype="0" repeatCount="indefinite" grpId="0" nodeType="afterEffect">
+                                  <p:stCondLst>
+                                    <p:cond delay="0"/>
+                                  </p:stCondLst>
+                                  <p:endCondLst>
+                                    <p:cond evt="onNext" delay="0">
+                                      <p:tgtEl>
+                                        <p:sldTgt/>
+                                      </p:tgtEl>
+                                    </p:cond>
+                                  </p:endCondLst>
+                                  <p:childTnLst>
+                                    <p:animEffect transition="out" filter="fade">
+                                      <p:cBhvr>
+                                        <p:cTn id="14" dur="1000" tmFilter="0, 0; .2, .5; .8, .5; 1, 0"/>
+                                        <p:tgtEl>
+                                          <p:spTgt spid="4"/>
+                                        </p:tgtEl>
+                                      </p:cBhvr>
+                                    </p:animEffect>
+                                    <p:animScale>
+                                      <p:cBhvr>
+                                        <p:cTn id="15" dur="500" autoRev="1" fill="hold"/>
+                                        <p:tgtEl>
+                                          <p:spTgt spid="4"/>
+                                        </p:tgtEl>
+                                      </p:cBhvr>
+                                      <p:by x="105000" y="105000"/>
+                                    </p:animScale>
+                                  </p:childTnLst>
+                                </p:cTn>
+                              </p:par>
+                            </p:childTnLst>
+                          </p:cTn>
+                        </p:par>
+                      </p:childTnLst>
+                    </p:cTn>
+                  </p:par>
+                </p:childTnLst>
+              </p:cTn>
+              <p:prevCondLst>
+                <p:cond evt="onPrev" delay="0">
+                  <p:tgtEl>
+                    <p:sldTgt/>
+                  </p:tgtEl>
+                </p:cond>
+              </p:prevCondLst>
+              <p:nextCondLst>
+                <p:cond evt="onNext" delay="0">
+                  <p:tgtEl>
+                    <p:sldTgt/>
+                  </p:tgtEl>
+                </p:cond>
+              </p:nextCondLst>
+            </p:seq>
+          </p:childTnLst>
+        </p:cTn>
+      </p:par>
+    </p:tnLst>
+    <p:bldLst>
+      <p:bldP spid="2" grpId="0" animBg="1"/>
+      <p:bldP spid="4" grpId="0"/>
+      <p:bldP spid="4" grpId="1"/>
+    </p:bldLst>
+  </p:timing>
+</p:sld>
+</file>
+
+<file path=ppt/slides/slide33.xml><?xml version="1.0" encoding="utf-8"?>
+<p:sld xmlns:a="http://schemas.openxmlformats.org/drawingml/2006/main" xmlns:r="http://schemas.openxmlformats.org/officeDocument/2006/relationships" xmlns:p="http://schemas.openxmlformats.org/presentationml/2006/main">
+  <p:cSld>
+    <p:spTree>
+      <p:nvGrpSpPr>
+        <p:cNvPr id="1" name=""/>
+        <p:cNvGrpSpPr/>
+        <p:nvPr/>
+      </p:nvGrpSpPr>
+      <p:grpSpPr>
+        <a:xfrm>
+          <a:off x="0" y="0"/>
+          <a:ext cx="0" cy="0"/>
+          <a:chOff x="0" y="0"/>
+          <a:chExt cx="0" cy="0"/>
+        </a:xfrm>
+      </p:grpSpPr>
+      <p:sp>
+        <p:nvSpPr>
+          <p:cNvPr id="4" name="Sky">
+            <a:extLst>
+              <a:ext uri="{FF2B5EF4-FFF2-40B4-BE49-F238E27FC236}">
+                <a16:creationId xmlns:a16="http://schemas.microsoft.com/office/drawing/2014/main" id="{1270C2F7-D613-4AFB-8C17-C92B74BB9856}"/>
+              </a:ext>
+            </a:extLst>
+          </p:cNvPr>
+          <p:cNvSpPr/>
+          <p:nvPr/>
+        </p:nvSpPr>
+        <p:spPr>
+          <a:xfrm>
+            <a:off x="0" y="0"/>
+            <a:ext cx="12192000" cy="6858000"/>
+          </a:xfrm>
+          <a:prstGeom prst="rect">
+            <a:avLst/>
+          </a:prstGeom>
+          <a:solidFill>
+            <a:srgbClr val="66CCFF"/>
+          </a:solidFill>
+          <a:ln>
+            <a:noFill/>
+          </a:ln>
+        </p:spPr>
+        <p:style>
+          <a:lnRef idx="2">
+            <a:schemeClr val="accent1">
+              <a:shade val="50000"/>
+            </a:schemeClr>
+          </a:lnRef>
+          <a:fillRef idx="1">
+            <a:schemeClr val="accent1"/>
+          </a:fillRef>
+          <a:effectRef idx="0">
+            <a:schemeClr val="accent1"/>
+          </a:effectRef>
+          <a:fontRef idx="minor">
+            <a:schemeClr val="lt1"/>
+          </a:fontRef>
+        </p:style>
+        <p:txBody>
+          <a:bodyPr rtlCol="0" anchor="ctr"/>
+          <a:lstStyle/>
+          <a:p>
+            <a:pPr algn="ctr"/>
+            <a:endParaRPr lang="pt-PT" dirty="0"/>
+          </a:p>
+        </p:txBody>
+      </p:sp>
+      <p:sp>
+        <p:nvSpPr>
+          <p:cNvPr id="5" name="Sun">
+            <a:extLst>
+              <a:ext uri="{FF2B5EF4-FFF2-40B4-BE49-F238E27FC236}">
+                <a16:creationId xmlns:a16="http://schemas.microsoft.com/office/drawing/2014/main" id="{B71EF897-ACFB-4C0B-8CD8-02A7268807F3}"/>
+              </a:ext>
+            </a:extLst>
+          </p:cNvPr>
+          <p:cNvSpPr/>
+          <p:nvPr/>
+        </p:nvSpPr>
+        <p:spPr>
+          <a:xfrm>
+            <a:off x="9055100" y="320900"/>
+            <a:ext cx="2520000" cy="2520000"/>
+          </a:xfrm>
+          <a:prstGeom prst="sun">
+            <a:avLst/>
+          </a:prstGeom>
+          <a:solidFill>
+            <a:srgbClr val="FFFF00"/>
+          </a:solidFill>
+          <a:ln>
+            <a:noFill/>
+          </a:ln>
+        </p:spPr>
+        <p:style>
+          <a:lnRef idx="2">
+            <a:schemeClr val="accent1">
+              <a:shade val="50000"/>
+            </a:schemeClr>
+          </a:lnRef>
+          <a:fillRef idx="1">
+            <a:schemeClr val="accent1"/>
+          </a:fillRef>
+          <a:effectRef idx="0">
+            <a:schemeClr val="accent1"/>
+          </a:effectRef>
+          <a:fontRef idx="minor">
+            <a:schemeClr val="lt1"/>
+          </a:fontRef>
+        </p:style>
+        <p:txBody>
+          <a:bodyPr rtlCol="0" anchor="ctr"/>
+          <a:lstStyle/>
+          <a:p>
+            <a:pPr algn="ctr"/>
+            <a:endParaRPr lang="pt-PT"/>
+          </a:p>
+        </p:txBody>
+      </p:sp>
+      <p:sp>
+        <p:nvSpPr>
+          <p:cNvPr id="9" name="Sea">
+            <a:extLst>
+              <a:ext uri="{FF2B5EF4-FFF2-40B4-BE49-F238E27FC236}">
+                <a16:creationId xmlns:a16="http://schemas.microsoft.com/office/drawing/2014/main" id="{A06EA5E7-39BB-4760-B17A-5DD58D52C6A9}"/>
+              </a:ext>
+            </a:extLst>
+          </p:cNvPr>
+          <p:cNvSpPr/>
+          <p:nvPr/>
+        </p:nvSpPr>
+        <p:spPr>
+          <a:xfrm>
+            <a:off x="-4762500" y="4730975"/>
+            <a:ext cx="21831300" cy="4895850"/>
+          </a:xfrm>
+          <a:prstGeom prst="rect">
+            <a:avLst/>
+          </a:prstGeom>
+          <a:ln>
+            <a:noFill/>
+          </a:ln>
+        </p:spPr>
+        <p:style>
+          <a:lnRef idx="2">
+            <a:schemeClr val="accent1">
+              <a:shade val="50000"/>
+            </a:schemeClr>
+          </a:lnRef>
+          <a:fillRef idx="1">
+            <a:schemeClr val="accent1"/>
+          </a:fillRef>
+          <a:effectRef idx="0">
+            <a:schemeClr val="accent1"/>
+          </a:effectRef>
+          <a:fontRef idx="minor">
+            <a:schemeClr val="lt1"/>
+          </a:fontRef>
+        </p:style>
+        <p:txBody>
+          <a:bodyPr rtlCol="0" anchor="ctr"/>
+          <a:lstStyle/>
+          <a:p>
+            <a:pPr algn="ctr"/>
+            <a:endParaRPr lang="pt-PT"/>
+          </a:p>
+        </p:txBody>
+      </p:sp>
+      <p:sp>
+        <p:nvSpPr>
+          <p:cNvPr id="8" name="Sand">
+            <a:extLst>
+              <a:ext uri="{FF2B5EF4-FFF2-40B4-BE49-F238E27FC236}">
+                <a16:creationId xmlns:a16="http://schemas.microsoft.com/office/drawing/2014/main" id="{EE813D41-0041-4ED6-A884-CEB17BAB9D2D}"/>
+              </a:ext>
+            </a:extLst>
+          </p:cNvPr>
+          <p:cNvSpPr/>
+          <p:nvPr/>
+        </p:nvSpPr>
+        <p:spPr>
+          <a:xfrm rot="11073130" flipV="1">
+            <a:off x="-509367" y="4781501"/>
+            <a:ext cx="14709799" cy="7470049"/>
+          </a:xfrm>
+          <a:prstGeom prst="wave">
+            <a:avLst/>
+          </a:prstGeom>
+          <a:solidFill>
+            <a:srgbClr val="E3E58F"/>
+          </a:solidFill>
+          <a:ln>
+            <a:noFill/>
+          </a:ln>
+        </p:spPr>
+        <p:style>
+          <a:lnRef idx="2">
+            <a:schemeClr val="accent1">
+              <a:shade val="50000"/>
+            </a:schemeClr>
+          </a:lnRef>
+          <a:fillRef idx="1">
+            <a:schemeClr val="accent1"/>
+          </a:fillRef>
+          <a:effectRef idx="0">
+            <a:schemeClr val="accent1"/>
+          </a:effectRef>
+          <a:fontRef idx="minor">
+            <a:schemeClr val="lt1"/>
+          </a:fontRef>
+        </p:style>
+        <p:txBody>
+          <a:bodyPr rtlCol="0" anchor="ctr"/>
+          <a:lstStyle/>
+          <a:p>
+            <a:pPr algn="ctr"/>
+            <a:endParaRPr lang="pt-PT"/>
+          </a:p>
+        </p:txBody>
+      </p:sp>
+    </p:spTree>
+    <p:extLst>
+      <p:ext uri="{BB962C8B-B14F-4D97-AF65-F5344CB8AC3E}">
+        <p14:creationId xmlns:p14="http://schemas.microsoft.com/office/powerpoint/2010/main" val="2663895954"/>
+      </p:ext>
+    </p:extLst>
+  </p:cSld>
+  <p:clrMapOvr>
+    <a:masterClrMapping/>
+  </p:clrMapOvr>
+  <mc:AlternateContent xmlns:mc="http://schemas.openxmlformats.org/markup-compatibility/2006" xmlns:p15="http://schemas.microsoft.com/office/powerpoint/2012/main">
+    <mc:Choice Requires="p15">
+      <p:transition xmlns:p14="http://schemas.microsoft.com/office/powerpoint/2010/main" spd="slow" p14:dur="1250">
+        <p15:prstTrans prst="peelOff"/>
+      </p:transition>
+    </mc:Choice>
+    <mc:Fallback xmlns="">
+      <p:transition spd="slow">
+        <p:fade/>
+      </p:transition>
+    </mc:Fallback>
+  </mc:AlternateContent>
+  <p:timing>
+    <p:tnLst>
+      <p:par>
+        <p:cTn id="1" dur="indefinite" restart="never" nodeType="tmRoot">
+          <p:childTnLst>
+            <p:seq concurrent="1" nextAc="seek">
+              <p:cTn id="2" dur="indefinite" nodeType="mainSeq">
+                <p:childTnLst>
+                  <p:par>
+                    <p:cTn id="3" fill="hold">
+                      <p:stCondLst>
+                        <p:cond delay="indefinite"/>
+                        <p:cond evt="onBegin" delay="0">
+                          <p:tn val="2"/>
+                        </p:cond>
+                      </p:stCondLst>
+                      <p:childTnLst>
+                        <p:par>
+                          <p:cTn id="4" fill="hold">
+                            <p:stCondLst>
+                              <p:cond delay="0"/>
+                            </p:stCondLst>
+                            <p:childTnLst>
+                              <p:par>
+                                <p:cTn id="5" presetID="2" presetClass="entr" presetSubtype="4" fill="hold" grpId="0" nodeType="withEffect">
+                                  <p:stCondLst>
+                                    <p:cond delay="0"/>
+                                  </p:stCondLst>
+                                  <p:childTnLst>
+                                    <p:set>
+                                      <p:cBhvr>
+                                        <p:cTn id="6" dur="1" fill="hold">
+                                          <p:stCondLst>
+                                            <p:cond delay="0"/>
+                                          </p:stCondLst>
+                                        </p:cTn>
+                                        <p:tgtEl>
+                                          <p:spTgt spid="5"/>
+                                        </p:tgtEl>
+                                        <p:attrNameLst>
+                                          <p:attrName>style.visibility</p:attrName>
+                                        </p:attrNameLst>
+                                      </p:cBhvr>
+                                      <p:to>
+                                        <p:strVal val="visible"/>
+                                      </p:to>
+                                    </p:set>
+                                    <p:anim calcmode="lin" valueType="num">
+                                      <p:cBhvr additive="base">
+                                        <p:cTn id="7" dur="500" fill="hold"/>
+                                        <p:tgtEl>
+                                          <p:spTgt spid="5"/>
+                                        </p:tgtEl>
+                                        <p:attrNameLst>
+                                          <p:attrName>ppt_x</p:attrName>
+                                        </p:attrNameLst>
+                                      </p:cBhvr>
+                                      <p:tavLst>
+                                        <p:tav tm="0">
+                                          <p:val>
+                                            <p:strVal val="#ppt_x"/>
+                                          </p:val>
+                                        </p:tav>
+                                        <p:tav tm="100000">
+                                          <p:val>
+                                            <p:strVal val="#ppt_x"/>
+                                          </p:val>
+                                        </p:tav>
+                                      </p:tavLst>
+                                    </p:anim>
+                                    <p:anim calcmode="lin" valueType="num">
+                                      <p:cBhvr additive="base">
+                                        <p:cTn id="8" dur="500" fill="hold"/>
+                                        <p:tgtEl>
+                                          <p:spTgt spid="5"/>
+                                        </p:tgtEl>
+                                        <p:attrNameLst>
+                                          <p:attrName>ppt_y</p:attrName>
+                                        </p:attrNameLst>
+                                      </p:cBhvr>
+                                      <p:tavLst>
+                                        <p:tav tm="0">
+                                          <p:val>
+                                            <p:strVal val="1+#ppt_h/2"/>
+                                          </p:val>
+                                        </p:tav>
+                                        <p:tav tm="100000">
+                                          <p:val>
+                                            <p:strVal val="#ppt_y"/>
+                                          </p:val>
+                                        </p:tav>
+                                      </p:tavLst>
+                                    </p:anim>
+                                  </p:childTnLst>
+                                </p:cTn>
+                              </p:par>
+                            </p:childTnLst>
+                          </p:cTn>
+                        </p:par>
+                        <p:par>
+                          <p:cTn id="9" fill="hold">
+                            <p:stCondLst>
+                              <p:cond delay="500"/>
+                            </p:stCondLst>
+                            <p:childTnLst>
+                              <p:par>
+                                <p:cTn id="10" presetID="37" presetClass="path" presetSubtype="0" repeatCount="indefinite" accel="50000" decel="50000" autoRev="1" fill="hold" grpId="0" nodeType="afterEffect">
+                                  <p:stCondLst>
+                                    <p:cond delay="0"/>
+                                  </p:stCondLst>
+                                  <p:endCondLst>
+                                    <p:cond evt="onNext" delay="0">
+                                      <p:tgtEl>
+                                        <p:sldTgt/>
+                                      </p:tgtEl>
+                                    </p:cond>
+                                  </p:endCondLst>
+                                  <p:childTnLst>
+                                    <p:animMotion origin="layout" path="M 2.5E-6 7.40741E-7 L 0.06705 0.04005 C 0.08099 0.04907 0.10195 0.05393 0.12396 0.05393 C 0.14896 0.05393 0.16901 0.04907 0.18294 0.04005 L 0.25 7.40741E-7 " pathEditMode="relative" rAng="0" ptsTypes="AAAAA">
+                                      <p:cBhvr>
+                                        <p:cTn id="11" dur="2000" fill="hold"/>
+                                        <p:tgtEl>
+                                          <p:spTgt spid="9"/>
+                                        </p:tgtEl>
+                                        <p:attrNameLst>
+                                          <p:attrName>ppt_x</p:attrName>
+                                          <p:attrName>ppt_y</p:attrName>
+                                        </p:attrNameLst>
+                                      </p:cBhvr>
+                                      <p:rCtr x="12500" y="2685"/>
+                                    </p:animMotion>
+                                  </p:childTnLst>
+                                </p:cTn>
+                              </p:par>
+                              <p:par>
+                                <p:cTn id="12" presetID="8" presetClass="emph" presetSubtype="0" repeatCount="indefinite" fill="hold" grpId="1" nodeType="withEffect">
+                                  <p:stCondLst>
+                                    <p:cond delay="0"/>
+                                  </p:stCondLst>
+                                  <p:endCondLst>
+                                    <p:cond evt="onNext" delay="0">
+                                      <p:tgtEl>
+                                        <p:sldTgt/>
+                                      </p:tgtEl>
+                                    </p:cond>
+                                  </p:endCondLst>
+                                  <p:childTnLst>
+                                    <p:animRot by="21600000">
+                                      <p:cBhvr>
+                                        <p:cTn id="13" dur="2000" fill="hold"/>
+                                        <p:tgtEl>
+                                          <p:spTgt spid="5"/>
+                                        </p:tgtEl>
+                                        <p:attrNameLst>
+                                          <p:attrName>r</p:attrName>
+                                        </p:attrNameLst>
+                                      </p:cBhvr>
+                                    </p:animRot>
+                                  </p:childTnLst>
+                                </p:cTn>
+                              </p:par>
+                            </p:childTnLst>
+                          </p:cTn>
+                        </p:par>
+                      </p:childTnLst>
+                    </p:cTn>
+                  </p:par>
+                </p:childTnLst>
+              </p:cTn>
+              <p:prevCondLst>
+                <p:cond evt="onPrev" delay="0">
+                  <p:tgtEl>
+                    <p:sldTgt/>
+                  </p:tgtEl>
+                </p:cond>
+              </p:prevCondLst>
+              <p:nextCondLst>
+                <p:cond evt="onNext" delay="0">
+                  <p:tgtEl>
+                    <p:sldTgt/>
+                  </p:tgtEl>
+                </p:cond>
+              </p:nextCondLst>
+            </p:seq>
+          </p:childTnLst>
+        </p:cTn>
+      </p:par>
+    </p:tnLst>
+    <p:bldLst>
+      <p:bldP spid="5" grpId="0" animBg="1"/>
+      <p:bldP spid="5" grpId="1" animBg="1"/>
+      <p:bldP spid="9" grpId="0" animBg="1"/>
+    </p:bldLst>
+  </p:timing>
+</p:sld>
+</file>
+
+<file path=ppt/slides/slide34.xml><?xml version="1.0" encoding="utf-8"?>
+<p:sld xmlns:a="http://schemas.openxmlformats.org/drawingml/2006/main" xmlns:r="http://schemas.openxmlformats.org/officeDocument/2006/relationships" xmlns:p="http://schemas.openxmlformats.org/presentationml/2006/main">
+  <p:cSld>
+    <p:spTree>
+      <p:nvGrpSpPr>
+        <p:cNvPr id="1" name=""/>
+        <p:cNvGrpSpPr/>
+        <p:nvPr/>
+      </p:nvGrpSpPr>
+      <p:grpSpPr>
+        <a:xfrm>
+          <a:off x="0" y="0"/>
+          <a:ext cx="0" cy="0"/>
+          <a:chOff x="0" y="0"/>
+          <a:chExt cx="0" cy="0"/>
+        </a:xfrm>
+      </p:grpSpPr>
+    </p:spTree>
+    <p:extLst>
+      <p:ext uri="{BB962C8B-B14F-4D97-AF65-F5344CB8AC3E}">
+        <p14:creationId xmlns:p14="http://schemas.microsoft.com/office/powerpoint/2010/main" val="340030815"/>
+      </p:ext>
+    </p:extLst>
+  </p:cSld>
+  <p:clrMapOvr>
+    <a:masterClrMapping/>
+  </p:clrMapOvr>
+  <mc:AlternateContent xmlns:mc="http://schemas.openxmlformats.org/markup-compatibility/2006" xmlns:p15="http://schemas.microsoft.com/office/powerpoint/2012/main">
+    <mc:Choice Requires="p15">
+      <p:transition xmlns:p14="http://schemas.microsoft.com/office/powerpoint/2010/main" spd="slow" p14:dur="1250">
+        <p15:prstTrans prst="peelOff"/>
+      </p:transition>
+    </mc:Choice>
+    <mc:Fallback xmlns="">
+      <p:transition spd="slow">
+        <p:fade/>
+      </p:transition>
+    </mc:Fallback>
+  </mc:AlternateContent>
+</p:sld>
+</file>
+
+<file path=ppt/slides/slide4.xml><?xml version="1.0" encoding="utf-8"?>
 <p:sld xmlns:a="http://schemas.openxmlformats.org/drawingml/2006/main" xmlns:r="http://schemas.openxmlformats.org/officeDocument/2006/relationships" xmlns:p="http://schemas.openxmlformats.org/presentationml/2006/main">
   <p:cSld>
     <p:spTree>
@@ -21748,1359 +24075,7 @@
 </p:sld>
 </file>
 
-<file path=ppt/slides/slide30.xml><?xml version="1.0" encoding="utf-8"?>
-<p:sld xmlns:a="http://schemas.openxmlformats.org/drawingml/2006/main" xmlns:r="http://schemas.openxmlformats.org/officeDocument/2006/relationships" xmlns:p="http://schemas.openxmlformats.org/presentationml/2006/main">
-  <p:cSld>
-    <p:spTree>
-      <p:nvGrpSpPr>
-        <p:cNvPr id="1" name=""/>
-        <p:cNvGrpSpPr/>
-        <p:nvPr/>
-      </p:nvGrpSpPr>
-      <p:grpSpPr>
-        <a:xfrm>
-          <a:off x="0" y="0"/>
-          <a:ext cx="0" cy="0"/>
-          <a:chOff x="0" y="0"/>
-          <a:chExt cx="0" cy="0"/>
-        </a:xfrm>
-      </p:grpSpPr>
-      <p:sp>
-        <p:nvSpPr>
-          <p:cNvPr id="4" name="Background">
-            <a:extLst>
-              <a:ext uri="{FF2B5EF4-FFF2-40B4-BE49-F238E27FC236}">
-                <a16:creationId xmlns:a16="http://schemas.microsoft.com/office/drawing/2014/main" id="{6586C8CB-A7CC-403F-B8E1-EF89AE8DAF59}"/>
-              </a:ext>
-            </a:extLst>
-          </p:cNvPr>
-          <p:cNvSpPr/>
-          <p:nvPr/>
-        </p:nvSpPr>
-        <p:spPr>
-          <a:xfrm>
-            <a:off x="-590550" y="0"/>
-            <a:ext cx="13220700" cy="6858000"/>
-          </a:xfrm>
-          <a:prstGeom prst="rect">
-            <a:avLst/>
-          </a:prstGeom>
-          <a:solidFill>
-            <a:srgbClr val="5475B9"/>
-          </a:solidFill>
-          <a:ln>
-            <a:solidFill>
-              <a:srgbClr val="5475B9"/>
-            </a:solidFill>
-          </a:ln>
-        </p:spPr>
-        <p:style>
-          <a:lnRef idx="2">
-            <a:schemeClr val="accent1">
-              <a:shade val="50000"/>
-            </a:schemeClr>
-          </a:lnRef>
-          <a:fillRef idx="1">
-            <a:schemeClr val="accent1"/>
-          </a:fillRef>
-          <a:effectRef idx="0">
-            <a:schemeClr val="accent1"/>
-          </a:effectRef>
-          <a:fontRef idx="minor">
-            <a:schemeClr val="lt1"/>
-          </a:fontRef>
-        </p:style>
-        <p:txBody>
-          <a:bodyPr rtlCol="0" anchor="ctr"/>
-          <a:lstStyle/>
-          <a:p>
-            <a:pPr algn="ctr"/>
-            <a:endParaRPr lang="pt-PT"/>
-          </a:p>
-        </p:txBody>
-      </p:sp>
-      <p:sp>
-        <p:nvSpPr>
-          <p:cNvPr id="5" name="Five">
-            <a:extLst>
-              <a:ext uri="{FF2B5EF4-FFF2-40B4-BE49-F238E27FC236}">
-                <a16:creationId xmlns:a16="http://schemas.microsoft.com/office/drawing/2014/main" id="{2BBE8026-94B6-4E87-9349-07F619559CB5}"/>
-              </a:ext>
-            </a:extLst>
-          </p:cNvPr>
-          <p:cNvSpPr/>
-          <p:nvPr/>
-        </p:nvSpPr>
-        <p:spPr>
-          <a:xfrm>
-            <a:off x="-114300" y="1272450"/>
-            <a:ext cx="12420600" cy="3170099"/>
-          </a:xfrm>
-          <a:prstGeom prst="rect">
-            <a:avLst/>
-          </a:prstGeom>
-          <a:noFill/>
-          <a:effectLst>
-            <a:outerShdw blurRad="63500" sx="102000" sy="102000" algn="ctr" rotWithShape="0">
-              <a:prstClr val="black">
-                <a:alpha val="40000"/>
-              </a:prstClr>
-            </a:outerShdw>
-          </a:effectLst>
-        </p:spPr>
-        <p:txBody>
-          <a:bodyPr wrap="square" lIns="91440" tIns="45720" rIns="91440" bIns="45720">
-            <a:spAutoFit/>
-          </a:bodyPr>
-          <a:lstStyle/>
-          <a:p>
-            <a:pPr algn="ctr"/>
-            <a:r>
-              <a:rPr lang="en-US" sz="20000" dirty="0">
-                <a:ln w="0"/>
-                <a:effectLst>
-                  <a:outerShdw blurRad="38100" dist="19050" dir="2700000" algn="tl" rotWithShape="0">
-                    <a:schemeClr val="dk1">
-                      <a:alpha val="40000"/>
-                    </a:schemeClr>
-                  </a:outerShdw>
-                </a:effectLst>
-                <a:latin typeface="Microsoft Sans Serif" panose="020B0604020202020204" pitchFamily="34" charset="0"/>
-              </a:rPr>
-              <a:t>SMART</a:t>
-            </a:r>
-            <a:endParaRPr lang="en-US" sz="20000" b="0" cap="none" spc="0" dirty="0">
-              <a:ln w="0"/>
-              <a:solidFill>
-                <a:schemeClr val="tx1"/>
-              </a:solidFill>
-              <a:effectLst>
-                <a:outerShdw blurRad="38100" dist="19050" dir="2700000" algn="tl" rotWithShape="0">
-                  <a:schemeClr val="dk1">
-                    <a:alpha val="40000"/>
-                  </a:schemeClr>
-                </a:outerShdw>
-              </a:effectLst>
-              <a:latin typeface="Microsoft Sans Serif" panose="020B0604020202020204" pitchFamily="34" charset="0"/>
-            </a:endParaRPr>
-          </a:p>
-        </p:txBody>
-      </p:sp>
-      <p:grpSp>
-        <p:nvGrpSpPr>
-          <p:cNvPr id="15" name="SmartGuy">
-            <a:extLst>
-              <a:ext uri="{FF2B5EF4-FFF2-40B4-BE49-F238E27FC236}">
-                <a16:creationId xmlns:a16="http://schemas.microsoft.com/office/drawing/2014/main" id="{523B407A-54B6-485B-AABA-1100D4AFFFCA}"/>
-              </a:ext>
-            </a:extLst>
-          </p:cNvPr>
-          <p:cNvGrpSpPr/>
-          <p:nvPr/>
-        </p:nvGrpSpPr>
-        <p:grpSpPr>
-          <a:xfrm>
-            <a:off x="4434748" y="3761426"/>
-            <a:ext cx="3170099" cy="3327736"/>
-            <a:chOff x="4434748" y="3761426"/>
-            <a:chExt cx="3170099" cy="3327736"/>
-          </a:xfrm>
-        </p:grpSpPr>
-        <p:pic>
-          <p:nvPicPr>
-            <p:cNvPr id="9" name="Graphic 8">
-              <a:extLst>
-                <a:ext uri="{FF2B5EF4-FFF2-40B4-BE49-F238E27FC236}">
-                  <a16:creationId xmlns:a16="http://schemas.microsoft.com/office/drawing/2014/main" id="{39B142CC-3DC8-4AC2-80DD-AC24B6B16627}"/>
-                </a:ext>
-              </a:extLst>
-            </p:cNvPr>
-            <p:cNvPicPr>
-              <a:picLocks noChangeAspect="1"/>
-            </p:cNvPicPr>
-            <p:nvPr/>
-          </p:nvPicPr>
-          <p:blipFill>
-            <a:blip r:embed="rId2">
-              <a:extLst>
-                <a:ext uri="{28A0092B-C50C-407E-A947-70E740481C1C}">
-                  <a14:useLocalDpi xmlns:a14="http://schemas.microsoft.com/office/drawing/2010/main" val="0"/>
-                </a:ext>
-                <a:ext uri="{96DAC541-7B7A-43D3-8B79-37D633B846F1}">
-                  <asvg:svgBlip xmlns:asvg="http://schemas.microsoft.com/office/drawing/2016/SVG/main" r:embed="rId3"/>
-                </a:ext>
-              </a:extLst>
-            </a:blip>
-            <a:stretch>
-              <a:fillRect/>
-            </a:stretch>
-          </p:blipFill>
-          <p:spPr>
-            <a:xfrm flipV="1">
-              <a:off x="4617674" y="3761426"/>
-              <a:ext cx="2804249" cy="2804249"/>
-            </a:xfrm>
-            <a:prstGeom prst="rect">
-              <a:avLst/>
-            </a:prstGeom>
-          </p:spPr>
-        </p:pic>
-        <p:pic>
-          <p:nvPicPr>
-            <p:cNvPr id="7" name="Graphic 6">
-              <a:extLst>
-                <a:ext uri="{FF2B5EF4-FFF2-40B4-BE49-F238E27FC236}">
-                  <a16:creationId xmlns:a16="http://schemas.microsoft.com/office/drawing/2014/main" id="{8F16A017-C776-440B-A12A-1D7D78C08746}"/>
-                </a:ext>
-              </a:extLst>
-            </p:cNvPr>
-            <p:cNvPicPr>
-              <a:picLocks noChangeAspect="1"/>
-            </p:cNvPicPr>
-            <p:nvPr/>
-          </p:nvPicPr>
-          <p:blipFill>
-            <a:blip r:embed="rId4">
-              <a:extLst>
-                <a:ext uri="{28A0092B-C50C-407E-A947-70E740481C1C}">
-                  <a14:useLocalDpi xmlns:a14="http://schemas.microsoft.com/office/drawing/2010/main" val="0"/>
-                </a:ext>
-                <a:ext uri="{96DAC541-7B7A-43D3-8B79-37D633B846F1}">
-                  <asvg:svgBlip xmlns:asvg="http://schemas.microsoft.com/office/drawing/2016/SVG/main" r:embed="rId5"/>
-                </a:ext>
-              </a:extLst>
-            </a:blip>
-            <a:stretch>
-              <a:fillRect/>
-            </a:stretch>
-          </p:blipFill>
-          <p:spPr>
-            <a:xfrm>
-              <a:off x="4434748" y="3919063"/>
-              <a:ext cx="3170099" cy="3170099"/>
-            </a:xfrm>
-            <a:prstGeom prst="rect">
-              <a:avLst/>
-            </a:prstGeom>
-          </p:spPr>
-        </p:pic>
-        <p:pic>
-          <p:nvPicPr>
-            <p:cNvPr id="14" name="Graphic 13">
-              <a:extLst>
-                <a:ext uri="{FF2B5EF4-FFF2-40B4-BE49-F238E27FC236}">
-                  <a16:creationId xmlns:a16="http://schemas.microsoft.com/office/drawing/2014/main" id="{7719C963-BA9D-4722-A701-BF93391A7465}"/>
-                </a:ext>
-              </a:extLst>
-            </p:cNvPr>
-            <p:cNvPicPr>
-              <a:picLocks noChangeAspect="1"/>
-            </p:cNvPicPr>
-            <p:nvPr/>
-          </p:nvPicPr>
-          <p:blipFill>
-            <a:blip r:embed="rId6">
-              <a:extLst>
-                <a:ext uri="{28A0092B-C50C-407E-A947-70E740481C1C}">
-                  <a14:useLocalDpi xmlns:a14="http://schemas.microsoft.com/office/drawing/2010/main" val="0"/>
-                </a:ext>
-                <a:ext uri="{96DAC541-7B7A-43D3-8B79-37D633B846F1}">
-                  <asvg:svgBlip xmlns:asvg="http://schemas.microsoft.com/office/drawing/2016/SVG/main" r:embed="rId7"/>
-                </a:ext>
-              </a:extLst>
-            </a:blip>
-            <a:stretch>
-              <a:fillRect/>
-            </a:stretch>
-          </p:blipFill>
-          <p:spPr>
-            <a:xfrm>
-              <a:off x="5541624" y="5772622"/>
-              <a:ext cx="956345" cy="626144"/>
-            </a:xfrm>
-            <a:prstGeom prst="rect">
-              <a:avLst/>
-            </a:prstGeom>
-          </p:spPr>
-        </p:pic>
-      </p:grpSp>
-    </p:spTree>
-    <p:extLst>
-      <p:ext uri="{BB962C8B-B14F-4D97-AF65-F5344CB8AC3E}">
-        <p14:creationId xmlns:p14="http://schemas.microsoft.com/office/powerpoint/2010/main" val="3486211392"/>
-      </p:ext>
-    </p:extLst>
-  </p:cSld>
-  <p:clrMapOvr>
-    <a:masterClrMapping/>
-  </p:clrMapOvr>
-  <mc:AlternateContent xmlns:mc="http://schemas.openxmlformats.org/markup-compatibility/2006" xmlns:p15="http://schemas.microsoft.com/office/powerpoint/2012/main">
-    <mc:Choice Requires="p15">
-      <p:transition xmlns:p14="http://schemas.microsoft.com/office/powerpoint/2010/main" spd="slow" p14:dur="1250">
-        <p15:prstTrans prst="peelOff"/>
-      </p:transition>
-    </mc:Choice>
-    <mc:Fallback xmlns="">
-      <p:transition spd="slow">
-        <p:fade/>
-      </p:transition>
-    </mc:Fallback>
-  </mc:AlternateContent>
-  <p:timing>
-    <p:tnLst>
-      <p:par>
-        <p:cTn id="1" dur="indefinite" restart="never" nodeType="tmRoot">
-          <p:childTnLst>
-            <p:seq concurrent="1" nextAc="seek">
-              <p:cTn id="2" dur="indefinite" nodeType="mainSeq">
-                <p:childTnLst>
-                  <p:par>
-                    <p:cTn id="3" fill="hold">
-                      <p:stCondLst>
-                        <p:cond delay="indefinite"/>
-                        <p:cond evt="onBegin" delay="0">
-                          <p:tn val="2"/>
-                        </p:cond>
-                      </p:stCondLst>
-                      <p:childTnLst>
-                        <p:par>
-                          <p:cTn id="4" fill="hold">
-                            <p:stCondLst>
-                              <p:cond delay="0"/>
-                            </p:stCondLst>
-                            <p:childTnLst>
-                              <p:par>
-                                <p:cTn id="5" presetID="2" presetClass="entr" presetSubtype="8" fill="hold" grpId="0" nodeType="withEffect">
-                                  <p:stCondLst>
-                                    <p:cond delay="0"/>
-                                  </p:stCondLst>
-                                  <p:childTnLst>
-                                    <p:set>
-                                      <p:cBhvr>
-                                        <p:cTn id="6" dur="1" fill="hold">
-                                          <p:stCondLst>
-                                            <p:cond delay="0"/>
-                                          </p:stCondLst>
-                                        </p:cTn>
-                                        <p:tgtEl>
-                                          <p:spTgt spid="5"/>
-                                        </p:tgtEl>
-                                        <p:attrNameLst>
-                                          <p:attrName>style.visibility</p:attrName>
-                                        </p:attrNameLst>
-                                      </p:cBhvr>
-                                      <p:to>
-                                        <p:strVal val="visible"/>
-                                      </p:to>
-                                    </p:set>
-                                    <p:anim calcmode="lin" valueType="num">
-                                      <p:cBhvr additive="base">
-                                        <p:cTn id="7" dur="500" fill="hold"/>
-                                        <p:tgtEl>
-                                          <p:spTgt spid="5"/>
-                                        </p:tgtEl>
-                                        <p:attrNameLst>
-                                          <p:attrName>ppt_x</p:attrName>
-                                        </p:attrNameLst>
-                                      </p:cBhvr>
-                                      <p:tavLst>
-                                        <p:tav tm="0">
-                                          <p:val>
-                                            <p:strVal val="0-#ppt_w/2"/>
-                                          </p:val>
-                                        </p:tav>
-                                        <p:tav tm="100000">
-                                          <p:val>
-                                            <p:strVal val="#ppt_x"/>
-                                          </p:val>
-                                        </p:tav>
-                                      </p:tavLst>
-                                    </p:anim>
-                                    <p:anim calcmode="lin" valueType="num">
-                                      <p:cBhvr additive="base">
-                                        <p:cTn id="8" dur="500" fill="hold"/>
-                                        <p:tgtEl>
-                                          <p:spTgt spid="5"/>
-                                        </p:tgtEl>
-                                        <p:attrNameLst>
-                                          <p:attrName>ppt_y</p:attrName>
-                                        </p:attrNameLst>
-                                      </p:cBhvr>
-                                      <p:tavLst>
-                                        <p:tav tm="0">
-                                          <p:val>
-                                            <p:strVal val="#ppt_y"/>
-                                          </p:val>
-                                        </p:tav>
-                                        <p:tav tm="100000">
-                                          <p:val>
-                                            <p:strVal val="#ppt_y"/>
-                                          </p:val>
-                                        </p:tav>
-                                      </p:tavLst>
-                                    </p:anim>
-                                  </p:childTnLst>
-                                </p:cTn>
-                              </p:par>
-                              <p:par>
-                                <p:cTn id="9" presetID="2" presetClass="entr" presetSubtype="4" fill="hold" nodeType="withEffect">
-                                  <p:stCondLst>
-                                    <p:cond delay="0"/>
-                                  </p:stCondLst>
-                                  <p:childTnLst>
-                                    <p:set>
-                                      <p:cBhvr>
-                                        <p:cTn id="10" dur="1" fill="hold">
-                                          <p:stCondLst>
-                                            <p:cond delay="0"/>
-                                          </p:stCondLst>
-                                        </p:cTn>
-                                        <p:tgtEl>
-                                          <p:spTgt spid="15"/>
-                                        </p:tgtEl>
-                                        <p:attrNameLst>
-                                          <p:attrName>style.visibility</p:attrName>
-                                        </p:attrNameLst>
-                                      </p:cBhvr>
-                                      <p:to>
-                                        <p:strVal val="visible"/>
-                                      </p:to>
-                                    </p:set>
-                                    <p:anim calcmode="lin" valueType="num">
-                                      <p:cBhvr additive="base">
-                                        <p:cTn id="11" dur="500" fill="hold"/>
-                                        <p:tgtEl>
-                                          <p:spTgt spid="15"/>
-                                        </p:tgtEl>
-                                        <p:attrNameLst>
-                                          <p:attrName>ppt_x</p:attrName>
-                                        </p:attrNameLst>
-                                      </p:cBhvr>
-                                      <p:tavLst>
-                                        <p:tav tm="0">
-                                          <p:val>
-                                            <p:strVal val="#ppt_x"/>
-                                          </p:val>
-                                        </p:tav>
-                                        <p:tav tm="100000">
-                                          <p:val>
-                                            <p:strVal val="#ppt_x"/>
-                                          </p:val>
-                                        </p:tav>
-                                      </p:tavLst>
-                                    </p:anim>
-                                    <p:anim calcmode="lin" valueType="num">
-                                      <p:cBhvr additive="base">
-                                        <p:cTn id="12" dur="500" fill="hold"/>
-                                        <p:tgtEl>
-                                          <p:spTgt spid="15"/>
-                                        </p:tgtEl>
-                                        <p:attrNameLst>
-                                          <p:attrName>ppt_y</p:attrName>
-                                        </p:attrNameLst>
-                                      </p:cBhvr>
-                                      <p:tavLst>
-                                        <p:tav tm="0">
-                                          <p:val>
-                                            <p:strVal val="1+#ppt_h/2"/>
-                                          </p:val>
-                                        </p:tav>
-                                        <p:tav tm="100000">
-                                          <p:val>
-                                            <p:strVal val="#ppt_y"/>
-                                          </p:val>
-                                        </p:tav>
-                                      </p:tavLst>
-                                    </p:anim>
-                                  </p:childTnLst>
-                                </p:cTn>
-                              </p:par>
-                            </p:childTnLst>
-                          </p:cTn>
-                        </p:par>
-                      </p:childTnLst>
-                    </p:cTn>
-                  </p:par>
-                </p:childTnLst>
-              </p:cTn>
-              <p:prevCondLst>
-                <p:cond evt="onPrev" delay="0">
-                  <p:tgtEl>
-                    <p:sldTgt/>
-                  </p:tgtEl>
-                </p:cond>
-              </p:prevCondLst>
-              <p:nextCondLst>
-                <p:cond evt="onNext" delay="0">
-                  <p:tgtEl>
-                    <p:sldTgt/>
-                  </p:tgtEl>
-                </p:cond>
-              </p:nextCondLst>
-            </p:seq>
-          </p:childTnLst>
-        </p:cTn>
-      </p:par>
-    </p:tnLst>
-    <p:bldLst>
-      <p:bldP spid="5" grpId="0"/>
-    </p:bldLst>
-  </p:timing>
-</p:sld>
-</file>
-
-<file path=ppt/slides/slide31.xml><?xml version="1.0" encoding="utf-8"?>
-<p:sld xmlns:a="http://schemas.openxmlformats.org/drawingml/2006/main" xmlns:r="http://schemas.openxmlformats.org/officeDocument/2006/relationships" xmlns:p="http://schemas.openxmlformats.org/presentationml/2006/main">
-  <p:cSld>
-    <p:spTree>
-      <p:nvGrpSpPr>
-        <p:cNvPr id="1" name=""/>
-        <p:cNvGrpSpPr/>
-        <p:nvPr/>
-      </p:nvGrpSpPr>
-      <p:grpSpPr>
-        <a:xfrm>
-          <a:off x="0" y="0"/>
-          <a:ext cx="0" cy="0"/>
-          <a:chOff x="0" y="0"/>
-          <a:chExt cx="0" cy="0"/>
-        </a:xfrm>
-      </p:grpSpPr>
-      <p:sp>
-        <p:nvSpPr>
-          <p:cNvPr id="5" name="Background">
-            <a:extLst>
-              <a:ext uri="{FF2B5EF4-FFF2-40B4-BE49-F238E27FC236}">
-                <a16:creationId xmlns:a16="http://schemas.microsoft.com/office/drawing/2014/main" id="{A3DE7918-D53B-47AE-9AE8-9E18C9BB2D57}"/>
-              </a:ext>
-            </a:extLst>
-          </p:cNvPr>
-          <p:cNvSpPr/>
-          <p:nvPr/>
-        </p:nvSpPr>
-        <p:spPr>
-          <a:xfrm>
-            <a:off x="-590550" y="0"/>
-            <a:ext cx="13220700" cy="6858000"/>
-          </a:xfrm>
-          <a:prstGeom prst="rect">
-            <a:avLst/>
-          </a:prstGeom>
-          <a:solidFill>
-            <a:srgbClr val="FFCA64"/>
-          </a:solidFill>
-          <a:ln>
-            <a:solidFill>
-              <a:srgbClr val="5475B9"/>
-            </a:solidFill>
-          </a:ln>
-        </p:spPr>
-        <p:style>
-          <a:lnRef idx="2">
-            <a:schemeClr val="accent1">
-              <a:shade val="50000"/>
-            </a:schemeClr>
-          </a:lnRef>
-          <a:fillRef idx="1">
-            <a:schemeClr val="accent1"/>
-          </a:fillRef>
-          <a:effectRef idx="0">
-            <a:schemeClr val="accent1"/>
-          </a:effectRef>
-          <a:fontRef idx="minor">
-            <a:schemeClr val="lt1"/>
-          </a:fontRef>
-        </p:style>
-        <p:txBody>
-          <a:bodyPr rtlCol="0" anchor="ctr"/>
-          <a:lstStyle/>
-          <a:p>
-            <a:pPr algn="ctr"/>
-            <a:endParaRPr lang="pt-PT"/>
-          </a:p>
-        </p:txBody>
-      </p:sp>
-      <p:sp>
-        <p:nvSpPr>
-          <p:cNvPr id="2" name="Thought Bubble">
-            <a:extLst>
-              <a:ext uri="{FF2B5EF4-FFF2-40B4-BE49-F238E27FC236}">
-                <a16:creationId xmlns:a16="http://schemas.microsoft.com/office/drawing/2014/main" id="{B36EC161-B1B1-4D8F-B7AC-7D0052EC6BFF}"/>
-              </a:ext>
-            </a:extLst>
-          </p:cNvPr>
-          <p:cNvSpPr/>
-          <p:nvPr/>
-        </p:nvSpPr>
-        <p:spPr>
-          <a:xfrm>
-            <a:off x="2174079" y="438418"/>
-            <a:ext cx="7843839" cy="5360041"/>
-          </a:xfrm>
-          <a:prstGeom prst="cloudCallout">
-            <a:avLst/>
-          </a:prstGeom>
-          <a:solidFill>
-            <a:srgbClr val="5475B9"/>
-          </a:solidFill>
-          <a:ln>
-            <a:noFill/>
-          </a:ln>
-          <a:effectLst>
-            <a:outerShdw blurRad="63500" sx="102000" sy="102000" algn="ctr" rotWithShape="0">
-              <a:prstClr val="black">
-                <a:alpha val="40000"/>
-              </a:prstClr>
-            </a:outerShdw>
-          </a:effectLst>
-        </p:spPr>
-        <p:style>
-          <a:lnRef idx="2">
-            <a:schemeClr val="accent1">
-              <a:shade val="50000"/>
-            </a:schemeClr>
-          </a:lnRef>
-          <a:fillRef idx="1">
-            <a:schemeClr val="accent1"/>
-          </a:fillRef>
-          <a:effectRef idx="0">
-            <a:schemeClr val="accent1"/>
-          </a:effectRef>
-          <a:fontRef idx="minor">
-            <a:schemeClr val="lt1"/>
-          </a:fontRef>
-        </p:style>
-        <p:txBody>
-          <a:bodyPr rtlCol="0" anchor="ctr"/>
-          <a:lstStyle/>
-          <a:p>
-            <a:pPr algn="ctr"/>
-            <a:endParaRPr lang="pt-PT"/>
-          </a:p>
-        </p:txBody>
-      </p:sp>
-      <p:sp>
-        <p:nvSpPr>
-          <p:cNvPr id="4" name="Question">
-            <a:extLst>
-              <a:ext uri="{FF2B5EF4-FFF2-40B4-BE49-F238E27FC236}">
-                <a16:creationId xmlns:a16="http://schemas.microsoft.com/office/drawing/2014/main" id="{ECBB1324-424B-4168-9955-3950751E7C91}"/>
-              </a:ext>
-            </a:extLst>
-          </p:cNvPr>
-          <p:cNvSpPr/>
-          <p:nvPr/>
-        </p:nvSpPr>
-        <p:spPr>
-          <a:xfrm>
-            <a:off x="4324878" y="305068"/>
-            <a:ext cx="3542243" cy="6247864"/>
-          </a:xfrm>
-          <a:prstGeom prst="rect">
-            <a:avLst/>
-          </a:prstGeom>
-          <a:noFill/>
-        </p:spPr>
-        <p:txBody>
-          <a:bodyPr wrap="square" lIns="91440" tIns="45720" rIns="91440" bIns="45720">
-            <a:spAutoFit/>
-          </a:bodyPr>
-          <a:lstStyle/>
-          <a:p>
-            <a:pPr algn="ctr"/>
-            <a:r>
-              <a:rPr lang="en-US" sz="40000" b="0" cap="none" spc="0" dirty="0">
-                <a:ln w="0"/>
-                <a:solidFill>
-                  <a:schemeClr val="tx1"/>
-                </a:solidFill>
-                <a:effectLst>
-                  <a:outerShdw blurRad="38100" dist="19050" dir="2700000" algn="tl" rotWithShape="0">
-                    <a:schemeClr val="dk1">
-                      <a:alpha val="40000"/>
-                    </a:schemeClr>
-                  </a:outerShdw>
-                </a:effectLst>
-                <a:latin typeface="Microsoft Sans Serif" panose="020B0604020202020204" pitchFamily="34" charset="0"/>
-              </a:rPr>
-              <a:t>?</a:t>
-            </a:r>
-          </a:p>
-        </p:txBody>
-      </p:sp>
-    </p:spTree>
-    <p:extLst>
-      <p:ext uri="{BB962C8B-B14F-4D97-AF65-F5344CB8AC3E}">
-        <p14:creationId xmlns:p14="http://schemas.microsoft.com/office/powerpoint/2010/main" val="3962891946"/>
-      </p:ext>
-    </p:extLst>
-  </p:cSld>
-  <p:clrMapOvr>
-    <a:masterClrMapping/>
-  </p:clrMapOvr>
-  <mc:AlternateContent xmlns:mc="http://schemas.openxmlformats.org/markup-compatibility/2006" xmlns:p15="http://schemas.microsoft.com/office/powerpoint/2012/main">
-    <mc:Choice Requires="p15">
-      <p:transition xmlns:p14="http://schemas.microsoft.com/office/powerpoint/2010/main" spd="slow" p14:dur="1250">
-        <p15:prstTrans prst="peelOff"/>
-      </p:transition>
-    </mc:Choice>
-    <mc:Fallback xmlns="">
-      <p:transition spd="slow">
-        <p:fade/>
-      </p:transition>
-    </mc:Fallback>
-  </mc:AlternateContent>
-  <p:timing>
-    <p:tnLst>
-      <p:par>
-        <p:cTn id="1" dur="indefinite" restart="never" nodeType="tmRoot">
-          <p:childTnLst>
-            <p:seq concurrent="1" nextAc="seek">
-              <p:cTn id="2" dur="indefinite" nodeType="mainSeq">
-                <p:childTnLst>
-                  <p:par>
-                    <p:cTn id="3" fill="hold">
-                      <p:stCondLst>
-                        <p:cond delay="indefinite"/>
-                        <p:cond evt="onBegin" delay="0">
-                          <p:tn val="2"/>
-                        </p:cond>
-                      </p:stCondLst>
-                      <p:childTnLst>
-                        <p:par>
-                          <p:cTn id="4" fill="hold">
-                            <p:stCondLst>
-                              <p:cond delay="0"/>
-                            </p:stCondLst>
-                            <p:childTnLst>
-                              <p:par>
-                                <p:cTn id="5" presetID="10" presetClass="entr" presetSubtype="0" fill="hold" grpId="0" nodeType="withEffect">
-                                  <p:stCondLst>
-                                    <p:cond delay="0"/>
-                                  </p:stCondLst>
-                                  <p:childTnLst>
-                                    <p:set>
-                                      <p:cBhvr>
-                                        <p:cTn id="6" dur="1" fill="hold">
-                                          <p:stCondLst>
-                                            <p:cond delay="0"/>
-                                          </p:stCondLst>
-                                        </p:cTn>
-                                        <p:tgtEl>
-                                          <p:spTgt spid="2"/>
-                                        </p:tgtEl>
-                                        <p:attrNameLst>
-                                          <p:attrName>style.visibility</p:attrName>
-                                        </p:attrNameLst>
-                                      </p:cBhvr>
-                                      <p:to>
-                                        <p:strVal val="visible"/>
-                                      </p:to>
-                                    </p:set>
-                                    <p:animEffect transition="in" filter="fade">
-                                      <p:cBhvr>
-                                        <p:cTn id="7" dur="500"/>
-                                        <p:tgtEl>
-                                          <p:spTgt spid="2"/>
-                                        </p:tgtEl>
-                                      </p:cBhvr>
-                                    </p:animEffect>
-                                  </p:childTnLst>
-                                </p:cTn>
-                              </p:par>
-                              <p:par>
-                                <p:cTn id="8" presetID="2" presetClass="entr" presetSubtype="4" fill="hold" grpId="1" nodeType="withEffect">
-                                  <p:stCondLst>
-                                    <p:cond delay="0"/>
-                                  </p:stCondLst>
-                                  <p:childTnLst>
-                                    <p:set>
-                                      <p:cBhvr>
-                                        <p:cTn id="9" dur="1" fill="hold">
-                                          <p:stCondLst>
-                                            <p:cond delay="0"/>
-                                          </p:stCondLst>
-                                        </p:cTn>
-                                        <p:tgtEl>
-                                          <p:spTgt spid="4"/>
-                                        </p:tgtEl>
-                                        <p:attrNameLst>
-                                          <p:attrName>style.visibility</p:attrName>
-                                        </p:attrNameLst>
-                                      </p:cBhvr>
-                                      <p:to>
-                                        <p:strVal val="visible"/>
-                                      </p:to>
-                                    </p:set>
-                                    <p:anim calcmode="lin" valueType="num">
-                                      <p:cBhvr additive="base">
-                                        <p:cTn id="10" dur="500" fill="hold"/>
-                                        <p:tgtEl>
-                                          <p:spTgt spid="4"/>
-                                        </p:tgtEl>
-                                        <p:attrNameLst>
-                                          <p:attrName>ppt_x</p:attrName>
-                                        </p:attrNameLst>
-                                      </p:cBhvr>
-                                      <p:tavLst>
-                                        <p:tav tm="0">
-                                          <p:val>
-                                            <p:strVal val="#ppt_x"/>
-                                          </p:val>
-                                        </p:tav>
-                                        <p:tav tm="100000">
-                                          <p:val>
-                                            <p:strVal val="#ppt_x"/>
-                                          </p:val>
-                                        </p:tav>
-                                      </p:tavLst>
-                                    </p:anim>
-                                    <p:anim calcmode="lin" valueType="num">
-                                      <p:cBhvr additive="base">
-                                        <p:cTn id="11" dur="500" fill="hold"/>
-                                        <p:tgtEl>
-                                          <p:spTgt spid="4"/>
-                                        </p:tgtEl>
-                                        <p:attrNameLst>
-                                          <p:attrName>ppt_y</p:attrName>
-                                        </p:attrNameLst>
-                                      </p:cBhvr>
-                                      <p:tavLst>
-                                        <p:tav tm="0">
-                                          <p:val>
-                                            <p:strVal val="1+#ppt_h/2"/>
-                                          </p:val>
-                                        </p:tav>
-                                        <p:tav tm="100000">
-                                          <p:val>
-                                            <p:strVal val="#ppt_y"/>
-                                          </p:val>
-                                        </p:tav>
-                                      </p:tavLst>
-                                    </p:anim>
-                                  </p:childTnLst>
-                                </p:cTn>
-                              </p:par>
-                            </p:childTnLst>
-                          </p:cTn>
-                        </p:par>
-                        <p:par>
-                          <p:cTn id="12" fill="hold">
-                            <p:stCondLst>
-                              <p:cond delay="500"/>
-                            </p:stCondLst>
-                            <p:childTnLst>
-                              <p:par>
-                                <p:cTn id="13" presetID="26" presetClass="emph" presetSubtype="0" repeatCount="indefinite" grpId="0" nodeType="afterEffect">
-                                  <p:stCondLst>
-                                    <p:cond delay="0"/>
-                                  </p:stCondLst>
-                                  <p:endCondLst>
-                                    <p:cond evt="onNext" delay="0">
-                                      <p:tgtEl>
-                                        <p:sldTgt/>
-                                      </p:tgtEl>
-                                    </p:cond>
-                                  </p:endCondLst>
-                                  <p:childTnLst>
-                                    <p:animEffect transition="out" filter="fade">
-                                      <p:cBhvr>
-                                        <p:cTn id="14" dur="1000" tmFilter="0, 0; .2, .5; .8, .5; 1, 0"/>
-                                        <p:tgtEl>
-                                          <p:spTgt spid="4"/>
-                                        </p:tgtEl>
-                                      </p:cBhvr>
-                                    </p:animEffect>
-                                    <p:animScale>
-                                      <p:cBhvr>
-                                        <p:cTn id="15" dur="500" autoRev="1" fill="hold"/>
-                                        <p:tgtEl>
-                                          <p:spTgt spid="4"/>
-                                        </p:tgtEl>
-                                      </p:cBhvr>
-                                      <p:by x="105000" y="105000"/>
-                                    </p:animScale>
-                                  </p:childTnLst>
-                                </p:cTn>
-                              </p:par>
-                            </p:childTnLst>
-                          </p:cTn>
-                        </p:par>
-                      </p:childTnLst>
-                    </p:cTn>
-                  </p:par>
-                </p:childTnLst>
-              </p:cTn>
-              <p:prevCondLst>
-                <p:cond evt="onPrev" delay="0">
-                  <p:tgtEl>
-                    <p:sldTgt/>
-                  </p:tgtEl>
-                </p:cond>
-              </p:prevCondLst>
-              <p:nextCondLst>
-                <p:cond evt="onNext" delay="0">
-                  <p:tgtEl>
-                    <p:sldTgt/>
-                  </p:tgtEl>
-                </p:cond>
-              </p:nextCondLst>
-            </p:seq>
-          </p:childTnLst>
-        </p:cTn>
-      </p:par>
-    </p:tnLst>
-    <p:bldLst>
-      <p:bldP spid="2" grpId="0" animBg="1"/>
-      <p:bldP spid="4" grpId="0"/>
-      <p:bldP spid="4" grpId="1"/>
-    </p:bldLst>
-  </p:timing>
-</p:sld>
-</file>
-
-<file path=ppt/slides/slide32.xml><?xml version="1.0" encoding="utf-8"?>
-<p:sld xmlns:a="http://schemas.openxmlformats.org/drawingml/2006/main" xmlns:r="http://schemas.openxmlformats.org/officeDocument/2006/relationships" xmlns:p="http://schemas.openxmlformats.org/presentationml/2006/main">
-  <p:cSld>
-    <p:spTree>
-      <p:nvGrpSpPr>
-        <p:cNvPr id="1" name=""/>
-        <p:cNvGrpSpPr/>
-        <p:nvPr/>
-      </p:nvGrpSpPr>
-      <p:grpSpPr>
-        <a:xfrm>
-          <a:off x="0" y="0"/>
-          <a:ext cx="0" cy="0"/>
-          <a:chOff x="0" y="0"/>
-          <a:chExt cx="0" cy="0"/>
-        </a:xfrm>
-      </p:grpSpPr>
-      <p:sp>
-        <p:nvSpPr>
-          <p:cNvPr id="4" name="Sky">
-            <a:extLst>
-              <a:ext uri="{FF2B5EF4-FFF2-40B4-BE49-F238E27FC236}">
-                <a16:creationId xmlns:a16="http://schemas.microsoft.com/office/drawing/2014/main" id="{1270C2F7-D613-4AFB-8C17-C92B74BB9856}"/>
-              </a:ext>
-            </a:extLst>
-          </p:cNvPr>
-          <p:cNvSpPr/>
-          <p:nvPr/>
-        </p:nvSpPr>
-        <p:spPr>
-          <a:xfrm>
-            <a:off x="0" y="0"/>
-            <a:ext cx="12192000" cy="6858000"/>
-          </a:xfrm>
-          <a:prstGeom prst="rect">
-            <a:avLst/>
-          </a:prstGeom>
-          <a:solidFill>
-            <a:srgbClr val="66CCFF"/>
-          </a:solidFill>
-          <a:ln>
-            <a:noFill/>
-          </a:ln>
-        </p:spPr>
-        <p:style>
-          <a:lnRef idx="2">
-            <a:schemeClr val="accent1">
-              <a:shade val="50000"/>
-            </a:schemeClr>
-          </a:lnRef>
-          <a:fillRef idx="1">
-            <a:schemeClr val="accent1"/>
-          </a:fillRef>
-          <a:effectRef idx="0">
-            <a:schemeClr val="accent1"/>
-          </a:effectRef>
-          <a:fontRef idx="minor">
-            <a:schemeClr val="lt1"/>
-          </a:fontRef>
-        </p:style>
-        <p:txBody>
-          <a:bodyPr rtlCol="0" anchor="ctr"/>
-          <a:lstStyle/>
-          <a:p>
-            <a:pPr algn="ctr"/>
-            <a:endParaRPr lang="pt-PT" dirty="0"/>
-          </a:p>
-        </p:txBody>
-      </p:sp>
-      <p:sp>
-        <p:nvSpPr>
-          <p:cNvPr id="5" name="Sun">
-            <a:extLst>
-              <a:ext uri="{FF2B5EF4-FFF2-40B4-BE49-F238E27FC236}">
-                <a16:creationId xmlns:a16="http://schemas.microsoft.com/office/drawing/2014/main" id="{B71EF897-ACFB-4C0B-8CD8-02A7268807F3}"/>
-              </a:ext>
-            </a:extLst>
-          </p:cNvPr>
-          <p:cNvSpPr/>
-          <p:nvPr/>
-        </p:nvSpPr>
-        <p:spPr>
-          <a:xfrm>
-            <a:off x="9055100" y="320900"/>
-            <a:ext cx="2520000" cy="2520000"/>
-          </a:xfrm>
-          <a:prstGeom prst="sun">
-            <a:avLst/>
-          </a:prstGeom>
-          <a:solidFill>
-            <a:srgbClr val="FFFF00"/>
-          </a:solidFill>
-          <a:ln>
-            <a:noFill/>
-          </a:ln>
-        </p:spPr>
-        <p:style>
-          <a:lnRef idx="2">
-            <a:schemeClr val="accent1">
-              <a:shade val="50000"/>
-            </a:schemeClr>
-          </a:lnRef>
-          <a:fillRef idx="1">
-            <a:schemeClr val="accent1"/>
-          </a:fillRef>
-          <a:effectRef idx="0">
-            <a:schemeClr val="accent1"/>
-          </a:effectRef>
-          <a:fontRef idx="minor">
-            <a:schemeClr val="lt1"/>
-          </a:fontRef>
-        </p:style>
-        <p:txBody>
-          <a:bodyPr rtlCol="0" anchor="ctr"/>
-          <a:lstStyle/>
-          <a:p>
-            <a:pPr algn="ctr"/>
-            <a:endParaRPr lang="pt-PT"/>
-          </a:p>
-        </p:txBody>
-      </p:sp>
-      <p:sp>
-        <p:nvSpPr>
-          <p:cNvPr id="9" name="Sea">
-            <a:extLst>
-              <a:ext uri="{FF2B5EF4-FFF2-40B4-BE49-F238E27FC236}">
-                <a16:creationId xmlns:a16="http://schemas.microsoft.com/office/drawing/2014/main" id="{A06EA5E7-39BB-4760-B17A-5DD58D52C6A9}"/>
-              </a:ext>
-            </a:extLst>
-          </p:cNvPr>
-          <p:cNvSpPr/>
-          <p:nvPr/>
-        </p:nvSpPr>
-        <p:spPr>
-          <a:xfrm>
-            <a:off x="-4762500" y="4730975"/>
-            <a:ext cx="21831300" cy="4895850"/>
-          </a:xfrm>
-          <a:prstGeom prst="rect">
-            <a:avLst/>
-          </a:prstGeom>
-          <a:ln>
-            <a:noFill/>
-          </a:ln>
-        </p:spPr>
-        <p:style>
-          <a:lnRef idx="2">
-            <a:schemeClr val="accent1">
-              <a:shade val="50000"/>
-            </a:schemeClr>
-          </a:lnRef>
-          <a:fillRef idx="1">
-            <a:schemeClr val="accent1"/>
-          </a:fillRef>
-          <a:effectRef idx="0">
-            <a:schemeClr val="accent1"/>
-          </a:effectRef>
-          <a:fontRef idx="minor">
-            <a:schemeClr val="lt1"/>
-          </a:fontRef>
-        </p:style>
-        <p:txBody>
-          <a:bodyPr rtlCol="0" anchor="ctr"/>
-          <a:lstStyle/>
-          <a:p>
-            <a:pPr algn="ctr"/>
-            <a:endParaRPr lang="pt-PT"/>
-          </a:p>
-        </p:txBody>
-      </p:sp>
-      <p:sp>
-        <p:nvSpPr>
-          <p:cNvPr id="8" name="Sand">
-            <a:extLst>
-              <a:ext uri="{FF2B5EF4-FFF2-40B4-BE49-F238E27FC236}">
-                <a16:creationId xmlns:a16="http://schemas.microsoft.com/office/drawing/2014/main" id="{EE813D41-0041-4ED6-A884-CEB17BAB9D2D}"/>
-              </a:ext>
-            </a:extLst>
-          </p:cNvPr>
-          <p:cNvSpPr/>
-          <p:nvPr/>
-        </p:nvSpPr>
-        <p:spPr>
-          <a:xfrm rot="11073130" flipV="1">
-            <a:off x="-509367" y="4781501"/>
-            <a:ext cx="14709799" cy="7470049"/>
-          </a:xfrm>
-          <a:prstGeom prst="wave">
-            <a:avLst/>
-          </a:prstGeom>
-          <a:solidFill>
-            <a:srgbClr val="E3E58F"/>
-          </a:solidFill>
-          <a:ln>
-            <a:noFill/>
-          </a:ln>
-        </p:spPr>
-        <p:style>
-          <a:lnRef idx="2">
-            <a:schemeClr val="accent1">
-              <a:shade val="50000"/>
-            </a:schemeClr>
-          </a:lnRef>
-          <a:fillRef idx="1">
-            <a:schemeClr val="accent1"/>
-          </a:fillRef>
-          <a:effectRef idx="0">
-            <a:schemeClr val="accent1"/>
-          </a:effectRef>
-          <a:fontRef idx="minor">
-            <a:schemeClr val="lt1"/>
-          </a:fontRef>
-        </p:style>
-        <p:txBody>
-          <a:bodyPr rtlCol="0" anchor="ctr"/>
-          <a:lstStyle/>
-          <a:p>
-            <a:pPr algn="ctr"/>
-            <a:endParaRPr lang="pt-PT"/>
-          </a:p>
-        </p:txBody>
-      </p:sp>
-    </p:spTree>
-    <p:extLst>
-      <p:ext uri="{BB962C8B-B14F-4D97-AF65-F5344CB8AC3E}">
-        <p14:creationId xmlns:p14="http://schemas.microsoft.com/office/powerpoint/2010/main" val="2663895954"/>
-      </p:ext>
-    </p:extLst>
-  </p:cSld>
-  <p:clrMapOvr>
-    <a:masterClrMapping/>
-  </p:clrMapOvr>
-  <mc:AlternateContent xmlns:mc="http://schemas.openxmlformats.org/markup-compatibility/2006" xmlns:p15="http://schemas.microsoft.com/office/powerpoint/2012/main">
-    <mc:Choice Requires="p15">
-      <p:transition xmlns:p14="http://schemas.microsoft.com/office/powerpoint/2010/main" spd="slow" p14:dur="1250">
-        <p15:prstTrans prst="peelOff"/>
-      </p:transition>
-    </mc:Choice>
-    <mc:Fallback xmlns="">
-      <p:transition spd="slow">
-        <p:fade/>
-      </p:transition>
-    </mc:Fallback>
-  </mc:AlternateContent>
-  <p:timing>
-    <p:tnLst>
-      <p:par>
-        <p:cTn id="1" dur="indefinite" restart="never" nodeType="tmRoot">
-          <p:childTnLst>
-            <p:seq concurrent="1" nextAc="seek">
-              <p:cTn id="2" dur="indefinite" nodeType="mainSeq">
-                <p:childTnLst>
-                  <p:par>
-                    <p:cTn id="3" fill="hold">
-                      <p:stCondLst>
-                        <p:cond delay="indefinite"/>
-                        <p:cond evt="onBegin" delay="0">
-                          <p:tn val="2"/>
-                        </p:cond>
-                      </p:stCondLst>
-                      <p:childTnLst>
-                        <p:par>
-                          <p:cTn id="4" fill="hold">
-                            <p:stCondLst>
-                              <p:cond delay="0"/>
-                            </p:stCondLst>
-                            <p:childTnLst>
-                              <p:par>
-                                <p:cTn id="5" presetID="2" presetClass="entr" presetSubtype="4" fill="hold" grpId="0" nodeType="withEffect">
-                                  <p:stCondLst>
-                                    <p:cond delay="0"/>
-                                  </p:stCondLst>
-                                  <p:childTnLst>
-                                    <p:set>
-                                      <p:cBhvr>
-                                        <p:cTn id="6" dur="1" fill="hold">
-                                          <p:stCondLst>
-                                            <p:cond delay="0"/>
-                                          </p:stCondLst>
-                                        </p:cTn>
-                                        <p:tgtEl>
-                                          <p:spTgt spid="5"/>
-                                        </p:tgtEl>
-                                        <p:attrNameLst>
-                                          <p:attrName>style.visibility</p:attrName>
-                                        </p:attrNameLst>
-                                      </p:cBhvr>
-                                      <p:to>
-                                        <p:strVal val="visible"/>
-                                      </p:to>
-                                    </p:set>
-                                    <p:anim calcmode="lin" valueType="num">
-                                      <p:cBhvr additive="base">
-                                        <p:cTn id="7" dur="500" fill="hold"/>
-                                        <p:tgtEl>
-                                          <p:spTgt spid="5"/>
-                                        </p:tgtEl>
-                                        <p:attrNameLst>
-                                          <p:attrName>ppt_x</p:attrName>
-                                        </p:attrNameLst>
-                                      </p:cBhvr>
-                                      <p:tavLst>
-                                        <p:tav tm="0">
-                                          <p:val>
-                                            <p:strVal val="#ppt_x"/>
-                                          </p:val>
-                                        </p:tav>
-                                        <p:tav tm="100000">
-                                          <p:val>
-                                            <p:strVal val="#ppt_x"/>
-                                          </p:val>
-                                        </p:tav>
-                                      </p:tavLst>
-                                    </p:anim>
-                                    <p:anim calcmode="lin" valueType="num">
-                                      <p:cBhvr additive="base">
-                                        <p:cTn id="8" dur="500" fill="hold"/>
-                                        <p:tgtEl>
-                                          <p:spTgt spid="5"/>
-                                        </p:tgtEl>
-                                        <p:attrNameLst>
-                                          <p:attrName>ppt_y</p:attrName>
-                                        </p:attrNameLst>
-                                      </p:cBhvr>
-                                      <p:tavLst>
-                                        <p:tav tm="0">
-                                          <p:val>
-                                            <p:strVal val="1+#ppt_h/2"/>
-                                          </p:val>
-                                        </p:tav>
-                                        <p:tav tm="100000">
-                                          <p:val>
-                                            <p:strVal val="#ppt_y"/>
-                                          </p:val>
-                                        </p:tav>
-                                      </p:tavLst>
-                                    </p:anim>
-                                  </p:childTnLst>
-                                </p:cTn>
-                              </p:par>
-                            </p:childTnLst>
-                          </p:cTn>
-                        </p:par>
-                        <p:par>
-                          <p:cTn id="9" fill="hold">
-                            <p:stCondLst>
-                              <p:cond delay="500"/>
-                            </p:stCondLst>
-                            <p:childTnLst>
-                              <p:par>
-                                <p:cTn id="10" presetID="37" presetClass="path" presetSubtype="0" repeatCount="indefinite" accel="50000" decel="50000" autoRev="1" fill="hold" grpId="0" nodeType="afterEffect">
-                                  <p:stCondLst>
-                                    <p:cond delay="0"/>
-                                  </p:stCondLst>
-                                  <p:endCondLst>
-                                    <p:cond evt="onNext" delay="0">
-                                      <p:tgtEl>
-                                        <p:sldTgt/>
-                                      </p:tgtEl>
-                                    </p:cond>
-                                  </p:endCondLst>
-                                  <p:childTnLst>
-                                    <p:animMotion origin="layout" path="M 2.5E-6 7.40741E-7 L 0.06705 0.04005 C 0.08099 0.04907 0.10195 0.05393 0.12396 0.05393 C 0.14896 0.05393 0.16901 0.04907 0.18294 0.04005 L 0.25 7.40741E-7 " pathEditMode="relative" rAng="0" ptsTypes="AAAAA">
-                                      <p:cBhvr>
-                                        <p:cTn id="11" dur="2000" fill="hold"/>
-                                        <p:tgtEl>
-                                          <p:spTgt spid="9"/>
-                                        </p:tgtEl>
-                                        <p:attrNameLst>
-                                          <p:attrName>ppt_x</p:attrName>
-                                          <p:attrName>ppt_y</p:attrName>
-                                        </p:attrNameLst>
-                                      </p:cBhvr>
-                                      <p:rCtr x="12500" y="2685"/>
-                                    </p:animMotion>
-                                  </p:childTnLst>
-                                </p:cTn>
-                              </p:par>
-                              <p:par>
-                                <p:cTn id="12" presetID="8" presetClass="emph" presetSubtype="0" repeatCount="indefinite" fill="hold" grpId="1" nodeType="withEffect">
-                                  <p:stCondLst>
-                                    <p:cond delay="0"/>
-                                  </p:stCondLst>
-                                  <p:endCondLst>
-                                    <p:cond evt="onNext" delay="0">
-                                      <p:tgtEl>
-                                        <p:sldTgt/>
-                                      </p:tgtEl>
-                                    </p:cond>
-                                  </p:endCondLst>
-                                  <p:childTnLst>
-                                    <p:animRot by="21600000">
-                                      <p:cBhvr>
-                                        <p:cTn id="13" dur="2000" fill="hold"/>
-                                        <p:tgtEl>
-                                          <p:spTgt spid="5"/>
-                                        </p:tgtEl>
-                                        <p:attrNameLst>
-                                          <p:attrName>r</p:attrName>
-                                        </p:attrNameLst>
-                                      </p:cBhvr>
-                                    </p:animRot>
-                                  </p:childTnLst>
-                                </p:cTn>
-                              </p:par>
-                            </p:childTnLst>
-                          </p:cTn>
-                        </p:par>
-                      </p:childTnLst>
-                    </p:cTn>
-                  </p:par>
-                </p:childTnLst>
-              </p:cTn>
-              <p:prevCondLst>
-                <p:cond evt="onPrev" delay="0">
-                  <p:tgtEl>
-                    <p:sldTgt/>
-                  </p:tgtEl>
-                </p:cond>
-              </p:prevCondLst>
-              <p:nextCondLst>
-                <p:cond evt="onNext" delay="0">
-                  <p:tgtEl>
-                    <p:sldTgt/>
-                  </p:tgtEl>
-                </p:cond>
-              </p:nextCondLst>
-            </p:seq>
-          </p:childTnLst>
-        </p:cTn>
-      </p:par>
-    </p:tnLst>
-    <p:bldLst>
-      <p:bldP spid="5" grpId="0" animBg="1"/>
-      <p:bldP spid="5" grpId="1" animBg="1"/>
-      <p:bldP spid="9" grpId="0" animBg="1"/>
-    </p:bldLst>
-  </p:timing>
-</p:sld>
-</file>
-
-<file path=ppt/slides/slide4.xml><?xml version="1.0" encoding="utf-8"?>
+<file path=ppt/slides/slide5.xml><?xml version="1.0" encoding="utf-8"?>
 <p:sld xmlns:a="http://schemas.openxmlformats.org/drawingml/2006/main" xmlns:r="http://schemas.openxmlformats.org/officeDocument/2006/relationships" xmlns:p="http://schemas.openxmlformats.org/presentationml/2006/main">
   <p:cSld>
     <p:spTree>
@@ -23510,7 +24485,7 @@
 </p:sld>
 </file>
 
-<file path=ppt/slides/slide5.xml><?xml version="1.0" encoding="utf-8"?>
+<file path=ppt/slides/slide6.xml><?xml version="1.0" encoding="utf-8"?>
 <p:sld xmlns:a="http://schemas.openxmlformats.org/drawingml/2006/main" xmlns:r="http://schemas.openxmlformats.org/officeDocument/2006/relationships" xmlns:p="http://schemas.openxmlformats.org/presentationml/2006/main">
   <p:cSld>
     <p:spTree>
@@ -24423,7 +25398,7 @@
 </p:sld>
 </file>
 
-<file path=ppt/slides/slide6.xml><?xml version="1.0" encoding="utf-8"?>
+<file path=ppt/slides/slide7.xml><?xml version="1.0" encoding="utf-8"?>
 <p:sld xmlns:a="http://schemas.openxmlformats.org/drawingml/2006/main" xmlns:r="http://schemas.openxmlformats.org/officeDocument/2006/relationships" xmlns:p="http://schemas.openxmlformats.org/presentationml/2006/main">
   <p:cSld>
     <p:spTree>
@@ -24864,7 +25839,7 @@
 </p:sld>
 </file>
 
-<file path=ppt/slides/slide7.xml><?xml version="1.0" encoding="utf-8"?>
+<file path=ppt/slides/slide8.xml><?xml version="1.0" encoding="utf-8"?>
 <p:sld xmlns:a="http://schemas.openxmlformats.org/drawingml/2006/main" xmlns:r="http://schemas.openxmlformats.org/officeDocument/2006/relationships" xmlns:p="http://schemas.openxmlformats.org/presentationml/2006/main">
   <p:cSld>
     <p:spTree>
@@ -25274,7 +26249,7 @@
 </p:sld>
 </file>
 
-<file path=ppt/slides/slide8.xml><?xml version="1.0" encoding="utf-8"?>
+<file path=ppt/slides/slide9.xml><?xml version="1.0" encoding="utf-8"?>
 <p:sld xmlns:a="http://schemas.openxmlformats.org/drawingml/2006/main" xmlns:r="http://schemas.openxmlformats.org/officeDocument/2006/relationships" xmlns:p="http://schemas.openxmlformats.org/presentationml/2006/main">
   <p:cSld>
     <p:spTree>
@@ -25873,895 +26848,6 @@
 </p:sld>
 </file>
 
-<file path=ppt/slides/slide9.xml><?xml version="1.0" encoding="utf-8"?>
-<p:sld xmlns:a="http://schemas.openxmlformats.org/drawingml/2006/main" xmlns:r="http://schemas.openxmlformats.org/officeDocument/2006/relationships" xmlns:p="http://schemas.openxmlformats.org/presentationml/2006/main">
-  <p:cSld>
-    <p:spTree>
-      <p:nvGrpSpPr>
-        <p:cNvPr id="1" name=""/>
-        <p:cNvGrpSpPr/>
-        <p:nvPr/>
-      </p:nvGrpSpPr>
-      <p:grpSpPr>
-        <a:xfrm>
-          <a:off x="0" y="0"/>
-          <a:ext cx="0" cy="0"/>
-          <a:chOff x="0" y="0"/>
-          <a:chExt cx="0" cy="0"/>
-        </a:xfrm>
-      </p:grpSpPr>
-      <p:sp>
-        <p:nvSpPr>
-          <p:cNvPr id="6" name="Office">
-            <a:extLst>
-              <a:ext uri="{FF2B5EF4-FFF2-40B4-BE49-F238E27FC236}">
-                <a16:creationId xmlns:a16="http://schemas.microsoft.com/office/drawing/2014/main" id="{35A5B77B-7325-4E8C-9620-AB5151BB3E52}"/>
-              </a:ext>
-            </a:extLst>
-          </p:cNvPr>
-          <p:cNvSpPr/>
-          <p:nvPr/>
-        </p:nvSpPr>
-        <p:spPr>
-          <a:xfrm rot="10800000" flipH="1">
-            <a:off x="-6400800" y="-2190750"/>
-            <a:ext cx="18992850" cy="9601200"/>
-          </a:xfrm>
-          <a:prstGeom prst="cube">
-            <a:avLst/>
-          </a:prstGeom>
-          <a:solidFill>
-            <a:schemeClr val="bg1">
-              <a:lumMod val="95000"/>
-            </a:schemeClr>
-          </a:solidFill>
-          <a:ln>
-            <a:noFill/>
-          </a:ln>
-        </p:spPr>
-        <p:style>
-          <a:lnRef idx="2">
-            <a:schemeClr val="accent1">
-              <a:shade val="50000"/>
-            </a:schemeClr>
-          </a:lnRef>
-          <a:fillRef idx="1">
-            <a:schemeClr val="accent1"/>
-          </a:fillRef>
-          <a:effectRef idx="0">
-            <a:schemeClr val="accent1"/>
-          </a:effectRef>
-          <a:fontRef idx="minor">
-            <a:schemeClr val="lt1"/>
-          </a:fontRef>
-        </p:style>
-        <p:txBody>
-          <a:bodyPr rtlCol="0" anchor="ctr"/>
-          <a:lstStyle/>
-          <a:p>
-            <a:pPr algn="ctr"/>
-            <a:r>
-              <a:rPr lang="pt-PT" dirty="0"/>
-              <a:t>z</a:t>
-            </a:r>
-          </a:p>
-        </p:txBody>
-      </p:sp>
-      <p:grpSp>
-        <p:nvGrpSpPr>
-          <p:cNvPr id="27" name="Mustache-man">
-            <a:extLst>
-              <a:ext uri="{FF2B5EF4-FFF2-40B4-BE49-F238E27FC236}">
-                <a16:creationId xmlns:a16="http://schemas.microsoft.com/office/drawing/2014/main" id="{EA433A99-7F08-4A3D-A5A3-F5F74A5EA921}"/>
-              </a:ext>
-            </a:extLst>
-          </p:cNvPr>
-          <p:cNvGrpSpPr/>
-          <p:nvPr/>
-        </p:nvGrpSpPr>
-        <p:grpSpPr>
-          <a:xfrm>
-            <a:off x="1429793" y="788256"/>
-            <a:ext cx="7033538" cy="5939929"/>
-            <a:chOff x="3043834" y="1914525"/>
-            <a:chExt cx="4912518" cy="4157067"/>
-          </a:xfrm>
-        </p:grpSpPr>
-        <p:grpSp>
-          <p:nvGrpSpPr>
-            <p:cNvPr id="17" name="Person2">
-              <a:extLst>
-                <a:ext uri="{FF2B5EF4-FFF2-40B4-BE49-F238E27FC236}">
-                  <a16:creationId xmlns:a16="http://schemas.microsoft.com/office/drawing/2014/main" id="{E655897C-27AE-40F1-8E40-19CEA5C572DF}"/>
-                </a:ext>
-              </a:extLst>
-            </p:cNvPr>
-            <p:cNvGrpSpPr/>
-            <p:nvPr/>
-          </p:nvGrpSpPr>
-          <p:grpSpPr>
-            <a:xfrm>
-              <a:off x="3043834" y="1914525"/>
-              <a:ext cx="4912518" cy="4157067"/>
-              <a:chOff x="1425774" y="2399109"/>
-              <a:chExt cx="4912518" cy="4157067"/>
-            </a:xfrm>
-          </p:grpSpPr>
-          <p:pic>
-            <p:nvPicPr>
-              <p:cNvPr id="10" name="Graphic 9">
-                <a:extLst>
-                  <a:ext uri="{FF2B5EF4-FFF2-40B4-BE49-F238E27FC236}">
-                    <a16:creationId xmlns:a16="http://schemas.microsoft.com/office/drawing/2014/main" id="{7E32E4D4-29E5-46DB-AC86-D3BFAE4A7F4D}"/>
-                  </a:ext>
-                </a:extLst>
-              </p:cNvPr>
-              <p:cNvPicPr>
-                <a:picLocks noChangeAspect="1"/>
-              </p:cNvPicPr>
-              <p:nvPr/>
-            </p:nvPicPr>
-            <p:blipFill>
-              <a:blip r:embed="rId2">
-                <a:extLst>
-                  <a:ext uri="{28A0092B-C50C-407E-A947-70E740481C1C}">
-                    <a14:useLocalDpi xmlns:a14="http://schemas.microsoft.com/office/drawing/2010/main" val="0"/>
-                  </a:ext>
-                  <a:ext uri="{96DAC541-7B7A-43D3-8B79-37D633B846F1}">
-                    <asvg:svgBlip xmlns:asvg="http://schemas.microsoft.com/office/drawing/2016/SVG/main" r:embed="rId3"/>
-                  </a:ext>
-                </a:extLst>
-              </a:blip>
-              <a:stretch>
-                <a:fillRect/>
-              </a:stretch>
-            </p:blipFill>
-            <p:spPr>
-              <a:xfrm flipV="1">
-                <a:off x="1425774" y="3423642"/>
-                <a:ext cx="4912518" cy="3132534"/>
-              </a:xfrm>
-              <a:prstGeom prst="rect">
-                <a:avLst/>
-              </a:prstGeom>
-            </p:spPr>
-          </p:pic>
-          <p:pic>
-            <p:nvPicPr>
-              <p:cNvPr id="15" name="Graphic 14">
-                <a:extLst>
-                  <a:ext uri="{FF2B5EF4-FFF2-40B4-BE49-F238E27FC236}">
-                    <a16:creationId xmlns:a16="http://schemas.microsoft.com/office/drawing/2014/main" id="{7DCA2526-5980-4046-A1BA-9093E2319456}"/>
-                  </a:ext>
-                </a:extLst>
-              </p:cNvPr>
-              <p:cNvPicPr>
-                <a:picLocks noChangeAspect="1"/>
-              </p:cNvPicPr>
-              <p:nvPr/>
-            </p:nvPicPr>
-            <p:blipFill>
-              <a:blip r:embed="rId4">
-                <a:extLst>
-                  <a:ext uri="{28A0092B-C50C-407E-A947-70E740481C1C}">
-                    <a14:useLocalDpi xmlns:a14="http://schemas.microsoft.com/office/drawing/2010/main" val="0"/>
-                  </a:ext>
-                  <a:ext uri="{96DAC541-7B7A-43D3-8B79-37D633B846F1}">
-                    <asvg:svgBlip xmlns:asvg="http://schemas.microsoft.com/office/drawing/2016/SVG/main" r:embed="rId5"/>
-                  </a:ext>
-                </a:extLst>
-              </a:blip>
-              <a:stretch>
-                <a:fillRect/>
-              </a:stretch>
-            </p:blipFill>
-            <p:spPr>
-              <a:xfrm>
-                <a:off x="2805708" y="2399109"/>
-                <a:ext cx="2152650" cy="2152650"/>
-              </a:xfrm>
-              <a:prstGeom prst="rect">
-                <a:avLst/>
-              </a:prstGeom>
-            </p:spPr>
-          </p:pic>
-        </p:grpSp>
-        <p:pic>
-          <p:nvPicPr>
-            <p:cNvPr id="25" name="Graphic 24">
-              <a:extLst>
-                <a:ext uri="{FF2B5EF4-FFF2-40B4-BE49-F238E27FC236}">
-                  <a16:creationId xmlns:a16="http://schemas.microsoft.com/office/drawing/2014/main" id="{6427E316-2F7F-4484-A520-0820FC15F9E3}"/>
-                </a:ext>
-              </a:extLst>
-            </p:cNvPr>
-            <p:cNvPicPr>
-              <a:picLocks noChangeAspect="1"/>
-            </p:cNvPicPr>
-            <p:nvPr/>
-          </p:nvPicPr>
-          <p:blipFill>
-            <a:blip r:embed="rId6">
-              <a:extLst>
-                <a:ext uri="{28A0092B-C50C-407E-A947-70E740481C1C}">
-                  <a14:useLocalDpi xmlns:a14="http://schemas.microsoft.com/office/drawing/2010/main" val="0"/>
-                </a:ext>
-                <a:ext uri="{96DAC541-7B7A-43D3-8B79-37D633B846F1}">
-                  <asvg:svgBlip xmlns:asvg="http://schemas.microsoft.com/office/drawing/2016/SVG/main" r:embed="rId7"/>
-                </a:ext>
-              </a:extLst>
-            </a:blip>
-            <a:stretch>
-              <a:fillRect/>
-            </a:stretch>
-          </p:blipFill>
-          <p:spPr>
-            <a:xfrm>
-              <a:off x="5184577" y="3206931"/>
-              <a:ext cx="619125" cy="388746"/>
-            </a:xfrm>
-            <a:prstGeom prst="rect">
-              <a:avLst/>
-            </a:prstGeom>
-          </p:spPr>
-        </p:pic>
-      </p:grpSp>
-      <p:grpSp>
-        <p:nvGrpSpPr>
-          <p:cNvPr id="31" name="Man">
-            <a:extLst>
-              <a:ext uri="{FF2B5EF4-FFF2-40B4-BE49-F238E27FC236}">
-                <a16:creationId xmlns:a16="http://schemas.microsoft.com/office/drawing/2014/main" id="{8B48B9AC-50F8-4D54-8EF3-40AED7A78BC3}"/>
-              </a:ext>
-            </a:extLst>
-          </p:cNvPr>
-          <p:cNvGrpSpPr/>
-          <p:nvPr/>
-        </p:nvGrpSpPr>
-        <p:grpSpPr>
-          <a:xfrm>
-            <a:off x="-676269" y="595233"/>
-            <a:ext cx="5845862" cy="6060565"/>
-            <a:chOff x="1329630" y="1566250"/>
-            <a:chExt cx="4610101" cy="4634525"/>
-          </a:xfrm>
-        </p:grpSpPr>
-        <p:pic>
-          <p:nvPicPr>
-            <p:cNvPr id="9" name="Graphic 8">
-              <a:extLst>
-                <a:ext uri="{FF2B5EF4-FFF2-40B4-BE49-F238E27FC236}">
-                  <a16:creationId xmlns:a16="http://schemas.microsoft.com/office/drawing/2014/main" id="{3D8C8D30-536B-4DCE-83A7-BB2358E4851C}"/>
-                </a:ext>
-              </a:extLst>
-            </p:cNvPr>
-            <p:cNvPicPr>
-              <a:picLocks noChangeAspect="1"/>
-            </p:cNvPicPr>
-            <p:nvPr/>
-          </p:nvPicPr>
-          <p:blipFill>
-            <a:blip r:embed="rId8">
-              <a:extLst>
-                <a:ext uri="{28A0092B-C50C-407E-A947-70E740481C1C}">
-                  <a14:useLocalDpi xmlns:a14="http://schemas.microsoft.com/office/drawing/2010/main" val="0"/>
-                </a:ext>
-                <a:ext uri="{96DAC541-7B7A-43D3-8B79-37D633B846F1}">
-                  <asvg:svgBlip xmlns:asvg="http://schemas.microsoft.com/office/drawing/2016/SVG/main" r:embed="rId9"/>
-                </a:ext>
-              </a:extLst>
-            </a:blip>
-            <a:stretch>
-              <a:fillRect/>
-            </a:stretch>
-          </p:blipFill>
-          <p:spPr>
-            <a:xfrm flipV="1">
-              <a:off x="1329630" y="2809875"/>
-              <a:ext cx="4610101" cy="3390900"/>
-            </a:xfrm>
-            <a:prstGeom prst="rect">
-              <a:avLst/>
-            </a:prstGeom>
-          </p:spPr>
-        </p:pic>
-        <p:pic>
-          <p:nvPicPr>
-            <p:cNvPr id="19" name="Graphic 18">
-              <a:extLst>
-                <a:ext uri="{FF2B5EF4-FFF2-40B4-BE49-F238E27FC236}">
-                  <a16:creationId xmlns:a16="http://schemas.microsoft.com/office/drawing/2014/main" id="{C1894783-C576-480D-B796-6567F1F0C2AE}"/>
-                </a:ext>
-              </a:extLst>
-            </p:cNvPr>
-            <p:cNvPicPr>
-              <a:picLocks noChangeAspect="1"/>
-            </p:cNvPicPr>
-            <p:nvPr/>
-          </p:nvPicPr>
-          <p:blipFill>
-            <a:blip r:embed="rId10">
-              <a:extLst>
-                <a:ext uri="{28A0092B-C50C-407E-A947-70E740481C1C}">
-                  <a14:useLocalDpi xmlns:a14="http://schemas.microsoft.com/office/drawing/2010/main" val="0"/>
-                </a:ext>
-                <a:ext uri="{96DAC541-7B7A-43D3-8B79-37D633B846F1}">
-                  <asvg:svgBlip xmlns:asvg="http://schemas.microsoft.com/office/drawing/2016/SVG/main" r:embed="rId11"/>
-                </a:ext>
-              </a:extLst>
-            </a:blip>
-            <a:stretch>
-              <a:fillRect/>
-            </a:stretch>
-          </p:blipFill>
-          <p:spPr>
-            <a:xfrm>
-              <a:off x="2510134" y="1818084"/>
-              <a:ext cx="2249091" cy="2249091"/>
-            </a:xfrm>
-            <a:prstGeom prst="rect">
-              <a:avLst/>
-            </a:prstGeom>
-          </p:spPr>
-        </p:pic>
-        <p:pic>
-          <p:nvPicPr>
-            <p:cNvPr id="30" name="Graphic 29">
-              <a:extLst>
-                <a:ext uri="{FF2B5EF4-FFF2-40B4-BE49-F238E27FC236}">
-                  <a16:creationId xmlns:a16="http://schemas.microsoft.com/office/drawing/2014/main" id="{F9A2C727-E114-4AA2-BB1E-58B8A9E064AD}"/>
-                </a:ext>
-              </a:extLst>
-            </p:cNvPr>
-            <p:cNvPicPr>
-              <a:picLocks noChangeAspect="1"/>
-            </p:cNvPicPr>
-            <p:nvPr/>
-          </p:nvPicPr>
-          <p:blipFill>
-            <a:blip r:embed="rId12">
-              <a:extLst>
-                <a:ext uri="{28A0092B-C50C-407E-A947-70E740481C1C}">
-                  <a14:useLocalDpi xmlns:a14="http://schemas.microsoft.com/office/drawing/2010/main" val="0"/>
-                </a:ext>
-                <a:ext uri="{96DAC541-7B7A-43D3-8B79-37D633B846F1}">
-                  <asvg:svgBlip xmlns:asvg="http://schemas.microsoft.com/office/drawing/2016/SVG/main" r:embed="rId13"/>
-                </a:ext>
-              </a:extLst>
-            </a:blip>
-            <a:stretch>
-              <a:fillRect/>
-            </a:stretch>
-          </p:blipFill>
-          <p:spPr>
-            <a:xfrm>
-              <a:off x="2694236" y="1566250"/>
-              <a:ext cx="1880886" cy="1880886"/>
-            </a:xfrm>
-            <a:prstGeom prst="rect">
-              <a:avLst/>
-            </a:prstGeom>
-          </p:spPr>
-        </p:pic>
-      </p:grpSp>
-      <p:grpSp>
-        <p:nvGrpSpPr>
-          <p:cNvPr id="34" name="redwoman">
-            <a:extLst>
-              <a:ext uri="{FF2B5EF4-FFF2-40B4-BE49-F238E27FC236}">
-                <a16:creationId xmlns:a16="http://schemas.microsoft.com/office/drawing/2014/main" id="{75883DB9-7E37-4849-9F26-0239755DE00E}"/>
-              </a:ext>
-            </a:extLst>
-          </p:cNvPr>
-          <p:cNvGrpSpPr/>
-          <p:nvPr/>
-        </p:nvGrpSpPr>
-        <p:grpSpPr>
-          <a:xfrm>
-            <a:off x="1160641" y="1519454"/>
-            <a:ext cx="5142755" cy="6220320"/>
-            <a:chOff x="1119629" y="1485257"/>
-            <a:chExt cx="5142755" cy="6220320"/>
-          </a:xfrm>
-        </p:grpSpPr>
-        <p:pic>
-          <p:nvPicPr>
-            <p:cNvPr id="33" name="Graphic 32">
-              <a:extLst>
-                <a:ext uri="{FF2B5EF4-FFF2-40B4-BE49-F238E27FC236}">
-                  <a16:creationId xmlns:a16="http://schemas.microsoft.com/office/drawing/2014/main" id="{E67CE0EA-C326-4510-8FD3-EB8DF2799498}"/>
-                </a:ext>
-              </a:extLst>
-            </p:cNvPr>
-            <p:cNvPicPr>
-              <a:picLocks noChangeAspect="1"/>
-            </p:cNvPicPr>
-            <p:nvPr/>
-          </p:nvPicPr>
-          <p:blipFill>
-            <a:blip r:embed="rId14">
-              <a:extLst>
-                <a:ext uri="{28A0092B-C50C-407E-A947-70E740481C1C}">
-                  <a14:useLocalDpi xmlns:a14="http://schemas.microsoft.com/office/drawing/2010/main" val="0"/>
-                </a:ext>
-                <a:ext uri="{96DAC541-7B7A-43D3-8B79-37D633B846F1}">
-                  <asvg:svgBlip xmlns:asvg="http://schemas.microsoft.com/office/drawing/2016/SVG/main" r:embed="rId15"/>
-                </a:ext>
-              </a:extLst>
-            </a:blip>
-            <a:stretch>
-              <a:fillRect/>
-            </a:stretch>
-          </p:blipFill>
-          <p:spPr>
-            <a:xfrm>
-              <a:off x="1429793" y="2331499"/>
-              <a:ext cx="4189785" cy="4189785"/>
-            </a:xfrm>
-            <a:prstGeom prst="rect">
-              <a:avLst/>
-            </a:prstGeom>
-          </p:spPr>
-        </p:pic>
-        <p:grpSp>
-          <p:nvGrpSpPr>
-            <p:cNvPr id="28" name="RedWoman">
-              <a:extLst>
-                <a:ext uri="{FF2B5EF4-FFF2-40B4-BE49-F238E27FC236}">
-                  <a16:creationId xmlns:a16="http://schemas.microsoft.com/office/drawing/2014/main" id="{3AE85E7F-BA5C-4D54-AF82-842BB90A683F}"/>
-                </a:ext>
-              </a:extLst>
-            </p:cNvPr>
-            <p:cNvGrpSpPr/>
-            <p:nvPr/>
-          </p:nvGrpSpPr>
-          <p:grpSpPr>
-            <a:xfrm>
-              <a:off x="1119629" y="1485257"/>
-              <a:ext cx="5142755" cy="6220320"/>
-              <a:chOff x="5761436" y="1118606"/>
-              <a:chExt cx="3390900" cy="4691644"/>
-            </a:xfrm>
-          </p:grpSpPr>
-          <p:pic>
-            <p:nvPicPr>
-              <p:cNvPr id="11" name="Graphic 10">
-                <a:extLst>
-                  <a:ext uri="{FF2B5EF4-FFF2-40B4-BE49-F238E27FC236}">
-                    <a16:creationId xmlns:a16="http://schemas.microsoft.com/office/drawing/2014/main" id="{783C9786-5E04-45B0-97BB-5C37BE5B1CE3}"/>
-                  </a:ext>
-                </a:extLst>
-              </p:cNvPr>
-              <p:cNvPicPr>
-                <a:picLocks noChangeAspect="1"/>
-              </p:cNvPicPr>
-              <p:nvPr/>
-            </p:nvPicPr>
-            <p:blipFill>
-              <a:blip r:embed="rId16">
-                <a:extLst>
-                  <a:ext uri="{28A0092B-C50C-407E-A947-70E740481C1C}">
-                    <a14:useLocalDpi xmlns:a14="http://schemas.microsoft.com/office/drawing/2010/main" val="0"/>
-                  </a:ext>
-                  <a:ext uri="{96DAC541-7B7A-43D3-8B79-37D633B846F1}">
-                    <asvg:svgBlip xmlns:asvg="http://schemas.microsoft.com/office/drawing/2016/SVG/main" r:embed="rId17"/>
-                  </a:ext>
-                </a:extLst>
-              </a:blip>
-              <a:stretch>
-                <a:fillRect/>
-              </a:stretch>
-            </p:blipFill>
-            <p:spPr>
-              <a:xfrm>
-                <a:off x="5761436" y="2419350"/>
-                <a:ext cx="3390900" cy="3390900"/>
-              </a:xfrm>
-              <a:prstGeom prst="rect">
-                <a:avLst/>
-              </a:prstGeom>
-            </p:spPr>
-          </p:pic>
-          <p:pic>
-            <p:nvPicPr>
-              <p:cNvPr id="20" name="Graphic 19">
-                <a:extLst>
-                  <a:ext uri="{FF2B5EF4-FFF2-40B4-BE49-F238E27FC236}">
-                    <a16:creationId xmlns:a16="http://schemas.microsoft.com/office/drawing/2014/main" id="{273C4669-E836-436E-AA7D-FCC2D3B96C0E}"/>
-                  </a:ext>
-                </a:extLst>
-              </p:cNvPr>
-              <p:cNvPicPr>
-                <a:picLocks noChangeAspect="1"/>
-              </p:cNvPicPr>
-              <p:nvPr/>
-            </p:nvPicPr>
-            <p:blipFill>
-              <a:blip r:embed="rId18">
-                <a:extLst>
-                  <a:ext uri="{28A0092B-C50C-407E-A947-70E740481C1C}">
-                    <a14:useLocalDpi xmlns:a14="http://schemas.microsoft.com/office/drawing/2010/main" val="0"/>
-                  </a:ext>
-                  <a:ext uri="{96DAC541-7B7A-43D3-8B79-37D633B846F1}">
-                    <asvg:svgBlip xmlns:asvg="http://schemas.microsoft.com/office/drawing/2016/SVG/main" r:embed="rId19"/>
-                  </a:ext>
-                </a:extLst>
-              </a:blip>
-              <a:stretch>
-                <a:fillRect/>
-              </a:stretch>
-            </p:blipFill>
-            <p:spPr>
-              <a:xfrm>
-                <a:off x="6380561" y="1757363"/>
-                <a:ext cx="2152650" cy="2152650"/>
-              </a:xfrm>
-              <a:prstGeom prst="rect">
-                <a:avLst/>
-              </a:prstGeom>
-            </p:spPr>
-          </p:pic>
-          <p:pic>
-            <p:nvPicPr>
-              <p:cNvPr id="22" name="Graphic 21">
-                <a:extLst>
-                  <a:ext uri="{FF2B5EF4-FFF2-40B4-BE49-F238E27FC236}">
-                    <a16:creationId xmlns:a16="http://schemas.microsoft.com/office/drawing/2014/main" id="{3D87B03C-E34D-410C-8DCA-621AAB6FC968}"/>
-                  </a:ext>
-                </a:extLst>
-              </p:cNvPr>
-              <p:cNvPicPr>
-                <a:picLocks noChangeAspect="1"/>
-              </p:cNvPicPr>
-              <p:nvPr/>
-            </p:nvPicPr>
-            <p:blipFill>
-              <a:blip r:embed="rId20">
-                <a:extLst>
-                  <a:ext uri="{28A0092B-C50C-407E-A947-70E740481C1C}">
-                    <a14:useLocalDpi xmlns:a14="http://schemas.microsoft.com/office/drawing/2010/main" val="0"/>
-                  </a:ext>
-                  <a:ext uri="{96DAC541-7B7A-43D3-8B79-37D633B846F1}">
-                    <asvg:svgBlip xmlns:asvg="http://schemas.microsoft.com/office/drawing/2016/SVG/main" r:embed="rId21"/>
-                  </a:ext>
-                </a:extLst>
-              </a:blip>
-              <a:stretch>
-                <a:fillRect/>
-              </a:stretch>
-            </p:blipFill>
-            <p:spPr>
-              <a:xfrm flipH="1">
-                <a:off x="6204499" y="1118606"/>
-                <a:ext cx="2578002" cy="2601488"/>
-              </a:xfrm>
-              <a:prstGeom prst="rect">
-                <a:avLst/>
-              </a:prstGeom>
-            </p:spPr>
-          </p:pic>
-        </p:grpSp>
-      </p:grpSp>
-    </p:spTree>
-    <p:extLst>
-      <p:ext uri="{BB962C8B-B14F-4D97-AF65-F5344CB8AC3E}">
-        <p14:creationId xmlns:p14="http://schemas.microsoft.com/office/powerpoint/2010/main" val="2119955807"/>
-      </p:ext>
-    </p:extLst>
-  </p:cSld>
-  <p:clrMapOvr>
-    <a:masterClrMapping/>
-  </p:clrMapOvr>
-  <mc:AlternateContent xmlns:mc="http://schemas.openxmlformats.org/markup-compatibility/2006" xmlns:p15="http://schemas.microsoft.com/office/powerpoint/2012/main">
-    <mc:Choice Requires="p15">
-      <p:transition xmlns:p14="http://schemas.microsoft.com/office/powerpoint/2010/main" spd="slow" p14:dur="1250">
-        <p15:prstTrans prst="peelOff"/>
-      </p:transition>
-    </mc:Choice>
-    <mc:Fallback xmlns="">
-      <p:transition spd="slow">
-        <p:fade/>
-      </p:transition>
-    </mc:Fallback>
-  </mc:AlternateContent>
-  <p:timing>
-    <p:tnLst>
-      <p:par>
-        <p:cTn id="1" dur="indefinite" restart="never" nodeType="tmRoot">
-          <p:childTnLst>
-            <p:seq concurrent="1" nextAc="seek">
-              <p:cTn id="2" dur="indefinite" nodeType="mainSeq">
-                <p:childTnLst>
-                  <p:par>
-                    <p:cTn id="3" fill="hold">
-                      <p:stCondLst>
-                        <p:cond delay="indefinite"/>
-                        <p:cond evt="onBegin" delay="0">
-                          <p:tn val="2"/>
-                        </p:cond>
-                      </p:stCondLst>
-                      <p:childTnLst>
-                        <p:par>
-                          <p:cTn id="4" fill="hold">
-                            <p:stCondLst>
-                              <p:cond delay="0"/>
-                            </p:stCondLst>
-                            <p:childTnLst>
-                              <p:par>
-                                <p:cTn id="5" presetID="2" presetClass="entr" presetSubtype="8" fill="hold" nodeType="withEffect">
-                                  <p:stCondLst>
-                                    <p:cond delay="0"/>
-                                  </p:stCondLst>
-                                  <p:childTnLst>
-                                    <p:set>
-                                      <p:cBhvr>
-                                        <p:cTn id="6" dur="1" fill="hold">
-                                          <p:stCondLst>
-                                            <p:cond delay="0"/>
-                                          </p:stCondLst>
-                                        </p:cTn>
-                                        <p:tgtEl>
-                                          <p:spTgt spid="27"/>
-                                        </p:tgtEl>
-                                        <p:attrNameLst>
-                                          <p:attrName>style.visibility</p:attrName>
-                                        </p:attrNameLst>
-                                      </p:cBhvr>
-                                      <p:to>
-                                        <p:strVal val="visible"/>
-                                      </p:to>
-                                    </p:set>
-                                    <p:anim calcmode="lin" valueType="num">
-                                      <p:cBhvr additive="base">
-                                        <p:cTn id="7" dur="500" fill="hold"/>
-                                        <p:tgtEl>
-                                          <p:spTgt spid="27"/>
-                                        </p:tgtEl>
-                                        <p:attrNameLst>
-                                          <p:attrName>ppt_x</p:attrName>
-                                        </p:attrNameLst>
-                                      </p:cBhvr>
-                                      <p:tavLst>
-                                        <p:tav tm="0">
-                                          <p:val>
-                                            <p:strVal val="0-#ppt_w/2"/>
-                                          </p:val>
-                                        </p:tav>
-                                        <p:tav tm="100000">
-                                          <p:val>
-                                            <p:strVal val="#ppt_x"/>
-                                          </p:val>
-                                        </p:tav>
-                                      </p:tavLst>
-                                    </p:anim>
-                                    <p:anim calcmode="lin" valueType="num">
-                                      <p:cBhvr additive="base">
-                                        <p:cTn id="8" dur="500" fill="hold"/>
-                                        <p:tgtEl>
-                                          <p:spTgt spid="27"/>
-                                        </p:tgtEl>
-                                        <p:attrNameLst>
-                                          <p:attrName>ppt_y</p:attrName>
-                                        </p:attrNameLst>
-                                      </p:cBhvr>
-                                      <p:tavLst>
-                                        <p:tav tm="0">
-                                          <p:val>
-                                            <p:strVal val="#ppt_y"/>
-                                          </p:val>
-                                        </p:tav>
-                                        <p:tav tm="100000">
-                                          <p:val>
-                                            <p:strVal val="#ppt_y"/>
-                                          </p:val>
-                                        </p:tav>
-                                      </p:tavLst>
-                                    </p:anim>
-                                  </p:childTnLst>
-                                </p:cTn>
-                              </p:par>
-                              <p:par>
-                                <p:cTn id="9" presetID="2" presetClass="entr" presetSubtype="8" fill="hold" nodeType="withEffect">
-                                  <p:stCondLst>
-                                    <p:cond delay="0"/>
-                                  </p:stCondLst>
-                                  <p:childTnLst>
-                                    <p:set>
-                                      <p:cBhvr>
-                                        <p:cTn id="10" dur="1" fill="hold">
-                                          <p:stCondLst>
-                                            <p:cond delay="0"/>
-                                          </p:stCondLst>
-                                        </p:cTn>
-                                        <p:tgtEl>
-                                          <p:spTgt spid="31"/>
-                                        </p:tgtEl>
-                                        <p:attrNameLst>
-                                          <p:attrName>style.visibility</p:attrName>
-                                        </p:attrNameLst>
-                                      </p:cBhvr>
-                                      <p:to>
-                                        <p:strVal val="visible"/>
-                                      </p:to>
-                                    </p:set>
-                                    <p:anim calcmode="lin" valueType="num">
-                                      <p:cBhvr additive="base">
-                                        <p:cTn id="11" dur="500" fill="hold"/>
-                                        <p:tgtEl>
-                                          <p:spTgt spid="31"/>
-                                        </p:tgtEl>
-                                        <p:attrNameLst>
-                                          <p:attrName>ppt_x</p:attrName>
-                                        </p:attrNameLst>
-                                      </p:cBhvr>
-                                      <p:tavLst>
-                                        <p:tav tm="0">
-                                          <p:val>
-                                            <p:strVal val="0-#ppt_w/2"/>
-                                          </p:val>
-                                        </p:tav>
-                                        <p:tav tm="100000">
-                                          <p:val>
-                                            <p:strVal val="#ppt_x"/>
-                                          </p:val>
-                                        </p:tav>
-                                      </p:tavLst>
-                                    </p:anim>
-                                    <p:anim calcmode="lin" valueType="num">
-                                      <p:cBhvr additive="base">
-                                        <p:cTn id="12" dur="500" fill="hold"/>
-                                        <p:tgtEl>
-                                          <p:spTgt spid="31"/>
-                                        </p:tgtEl>
-                                        <p:attrNameLst>
-                                          <p:attrName>ppt_y</p:attrName>
-                                        </p:attrNameLst>
-                                      </p:cBhvr>
-                                      <p:tavLst>
-                                        <p:tav tm="0">
-                                          <p:val>
-                                            <p:strVal val="#ppt_y"/>
-                                          </p:val>
-                                        </p:tav>
-                                        <p:tav tm="100000">
-                                          <p:val>
-                                            <p:strVal val="#ppt_y"/>
-                                          </p:val>
-                                        </p:tav>
-                                      </p:tavLst>
-                                    </p:anim>
-                                  </p:childTnLst>
-                                </p:cTn>
-                              </p:par>
-                              <p:par>
-                                <p:cTn id="13" presetID="2" presetClass="entr" presetSubtype="8" fill="hold" nodeType="withEffect">
-                                  <p:stCondLst>
-                                    <p:cond delay="0"/>
-                                  </p:stCondLst>
-                                  <p:childTnLst>
-                                    <p:set>
-                                      <p:cBhvr>
-                                        <p:cTn id="14" dur="1" fill="hold">
-                                          <p:stCondLst>
-                                            <p:cond delay="0"/>
-                                          </p:stCondLst>
-                                        </p:cTn>
-                                        <p:tgtEl>
-                                          <p:spTgt spid="34"/>
-                                        </p:tgtEl>
-                                        <p:attrNameLst>
-                                          <p:attrName>style.visibility</p:attrName>
-                                        </p:attrNameLst>
-                                      </p:cBhvr>
-                                      <p:to>
-                                        <p:strVal val="visible"/>
-                                      </p:to>
-                                    </p:set>
-                                    <p:anim calcmode="lin" valueType="num">
-                                      <p:cBhvr additive="base">
-                                        <p:cTn id="15" dur="500" fill="hold"/>
-                                        <p:tgtEl>
-                                          <p:spTgt spid="34"/>
-                                        </p:tgtEl>
-                                        <p:attrNameLst>
-                                          <p:attrName>ppt_x</p:attrName>
-                                        </p:attrNameLst>
-                                      </p:cBhvr>
-                                      <p:tavLst>
-                                        <p:tav tm="0">
-                                          <p:val>
-                                            <p:strVal val="0-#ppt_w/2"/>
-                                          </p:val>
-                                        </p:tav>
-                                        <p:tav tm="100000">
-                                          <p:val>
-                                            <p:strVal val="#ppt_x"/>
-                                          </p:val>
-                                        </p:tav>
-                                      </p:tavLst>
-                                    </p:anim>
-                                    <p:anim calcmode="lin" valueType="num">
-                                      <p:cBhvr additive="base">
-                                        <p:cTn id="16" dur="500" fill="hold"/>
-                                        <p:tgtEl>
-                                          <p:spTgt spid="34"/>
-                                        </p:tgtEl>
-                                        <p:attrNameLst>
-                                          <p:attrName>ppt_y</p:attrName>
-                                        </p:attrNameLst>
-                                      </p:cBhvr>
-                                      <p:tavLst>
-                                        <p:tav tm="0">
-                                          <p:val>
-                                            <p:strVal val="#ppt_y"/>
-                                          </p:val>
-                                        </p:tav>
-                                        <p:tav tm="100000">
-                                          <p:val>
-                                            <p:strVal val="#ppt_y"/>
-                                          </p:val>
-                                        </p:tav>
-                                      </p:tavLst>
-                                    </p:anim>
-                                  </p:childTnLst>
-                                </p:cTn>
-                              </p:par>
-                              <p:par>
-                                <p:cTn id="17" presetID="6" presetClass="emph" presetSubtype="0" repeatCount="indefinite" autoRev="1" fill="hold" nodeType="withEffect">
-                                  <p:stCondLst>
-                                    <p:cond delay="0"/>
-                                  </p:stCondLst>
-                                  <p:endCondLst>
-                                    <p:cond evt="onNext" delay="0">
-                                      <p:tgtEl>
-                                        <p:sldTgt/>
-                                      </p:tgtEl>
-                                    </p:cond>
-                                  </p:endCondLst>
-                                  <p:childTnLst>
-                                    <p:animScale>
-                                      <p:cBhvr>
-                                        <p:cTn id="18" dur="1000" fill="hold"/>
-                                        <p:tgtEl>
-                                          <p:spTgt spid="34"/>
-                                        </p:tgtEl>
-                                      </p:cBhvr>
-                                      <p:by x="105000" y="105000"/>
-                                    </p:animScale>
-                                  </p:childTnLst>
-                                </p:cTn>
-                              </p:par>
-                            </p:childTnLst>
-                          </p:cTn>
-                        </p:par>
-                      </p:childTnLst>
-                    </p:cTn>
-                  </p:par>
-                </p:childTnLst>
-              </p:cTn>
-              <p:prevCondLst>
-                <p:cond evt="onPrev" delay="0">
-                  <p:tgtEl>
-                    <p:sldTgt/>
-                  </p:tgtEl>
-                </p:cond>
-              </p:prevCondLst>
-              <p:nextCondLst>
-                <p:cond evt="onNext" delay="0">
-                  <p:tgtEl>
-                    <p:sldTgt/>
-                  </p:tgtEl>
-                </p:cond>
-              </p:nextCondLst>
-            </p:seq>
-          </p:childTnLst>
-        </p:cTn>
-      </p:par>
-    </p:tnLst>
-  </p:timing>
-</p:sld>
-</file>
-
 <file path=ppt/tags/tag1.xml><?xml version="1.0" encoding="utf-8"?>
 <p:tagLst xmlns:a="http://schemas.openxmlformats.org/drawingml/2006/main" xmlns:r="http://schemas.openxmlformats.org/officeDocument/2006/relationships" xmlns:p="http://schemas.openxmlformats.org/presentationml/2006/main">
   <p:tag name="TIMING" val="|1"/>
